--- a/Lectures/cse220-11-functions.pptx
+++ b/Lectures/cse220-11-functions.pptx
@@ -8,9 +8,9 @@
     <p:notesMasterId r:id="rId43"/>
   </p:notesMasterIdLst>
   <p:sldIdLst>
-    <p:sldId id="470" r:id="rId2"/>
-    <p:sldId id="511" r:id="rId3"/>
-    <p:sldId id="512" r:id="rId4"/>
+    <p:sldId id="511" r:id="rId2"/>
+    <p:sldId id="512" r:id="rId3"/>
+    <p:sldId id="470" r:id="rId4"/>
     <p:sldId id="471" r:id="rId5"/>
     <p:sldId id="472" r:id="rId6"/>
     <p:sldId id="473" r:id="rId7"/>
@@ -4001,12 +4001,18 @@
       </p:grpSpPr>
       <p:sp>
         <p:nvSpPr>
-          <p:cNvPr id="2" name="Title 1"/>
+          <p:cNvPr id="2" name="Title 1">
+            <a:extLst>
+              <a:ext uri="{FF2B5EF4-FFF2-40B4-BE49-F238E27FC236}">
+                <a16:creationId xmlns:a16="http://schemas.microsoft.com/office/drawing/2014/main" id="{2680FC77-9BD4-A843-8443-0485E673883C}"/>
+              </a:ext>
+            </a:extLst>
+          </p:cNvPr>
           <p:cNvSpPr>
             <a:spLocks noGrp="1"/>
           </p:cNvSpPr>
           <p:nvPr>
-            <p:ph type="ctrTitle"/>
+            <p:ph type="title"/>
           </p:nvPr>
         </p:nvSpPr>
         <p:spPr/>
@@ -4015,20 +4021,26 @@
           <a:lstStyle/>
           <a:p>
             <a:r>
-              <a:rPr lang="en-US" dirty="0"/>
-              <a:t>CSE 220 – C Programming</a:t>
-            </a:r>
-          </a:p>
-        </p:txBody>
-      </p:sp>
-      <p:sp>
-        <p:nvSpPr>
-          <p:cNvPr id="3" name="Subtitle 2"/>
+              <a:rPr lang="en-CN" dirty="0"/>
+              <a:t>Exam</a:t>
+            </a:r>
+          </a:p>
+        </p:txBody>
+      </p:sp>
+      <p:sp>
+        <p:nvSpPr>
+          <p:cNvPr id="3" name="Content Placeholder 2">
+            <a:extLst>
+              <a:ext uri="{FF2B5EF4-FFF2-40B4-BE49-F238E27FC236}">
+                <a16:creationId xmlns:a16="http://schemas.microsoft.com/office/drawing/2014/main" id="{F85CE561-624D-8642-8C80-421E1954ADDF}"/>
+              </a:ext>
+            </a:extLst>
+          </p:cNvPr>
           <p:cNvSpPr>
             <a:spLocks noGrp="1"/>
           </p:cNvSpPr>
           <p:nvPr>
-            <p:ph type="subTitle" idx="1"/>
+            <p:ph idx="1"/>
           </p:nvPr>
         </p:nvSpPr>
         <p:spPr/>
@@ -4037,20 +4049,69 @@
           <a:lstStyle/>
           <a:p>
             <a:r>
-              <a:rPr lang="en-US" dirty="0">
-                <a:solidFill>
-                  <a:schemeClr val="tx1"/>
-                </a:solidFill>
-              </a:rPr>
-              <a:t>Functions</a:t>
-            </a:r>
+              <a:rPr lang="en-CN" dirty="0"/>
+              <a:t>Nov 11 (Wednesday), 50 minutes</a:t>
+            </a:r>
+          </a:p>
+          <a:p>
+            <a:r>
+              <a:rPr lang="en-CN" dirty="0"/>
+              <a:t>Mimir, similar with an assignment, but no visible test cases</a:t>
+            </a:r>
+          </a:p>
+          <a:p>
+            <a:r>
+              <a:rPr lang="en-CN" dirty="0"/>
+              <a:t>Screen share and keep camera open</a:t>
+            </a:r>
+          </a:p>
+          <a:p>
+            <a:r>
+              <a:rPr lang="en-CN" dirty="0"/>
+              <a:t>Release the exam samples on Friday this week</a:t>
+            </a:r>
+            <a:r>
+              <a:rPr lang="en-US" dirty="0"/>
+              <a:t>, review them on the lectures before exam.</a:t>
+            </a:r>
+            <a:endParaRPr lang="en-CN" dirty="0"/>
+          </a:p>
+        </p:txBody>
+      </p:sp>
+      <p:sp>
+        <p:nvSpPr>
+          <p:cNvPr id="4" name="Slide Number Placeholder 3">
+            <a:extLst>
+              <a:ext uri="{FF2B5EF4-FFF2-40B4-BE49-F238E27FC236}">
+                <a16:creationId xmlns:a16="http://schemas.microsoft.com/office/drawing/2014/main" id="{A367E978-F7B3-E944-AEAA-08FC4551F7E9}"/>
+              </a:ext>
+            </a:extLst>
+          </p:cNvPr>
+          <p:cNvSpPr>
+            <a:spLocks noGrp="1"/>
+          </p:cNvSpPr>
+          <p:nvPr>
+            <p:ph type="sldNum" sz="quarter" idx="12"/>
+          </p:nvPr>
+        </p:nvSpPr>
+        <p:spPr/>
+        <p:txBody>
+          <a:bodyPr/>
+          <a:lstStyle/>
+          <a:p>
+            <a:fld id="{B6F15528-21DE-4FAA-801E-634DDDAF4B2B}" type="slidenum">
+              <a:rPr lang="en-US" smtClean="0"/>
+              <a:pPr/>
+              <a:t>1</a:t>
+            </a:fld>
+            <a:endParaRPr lang="en-US" dirty="0"/>
           </a:p>
         </p:txBody>
       </p:sp>
     </p:spTree>
     <p:extLst>
       <p:ext uri="{BB962C8B-B14F-4D97-AF65-F5344CB8AC3E}">
-        <p14:creationId xmlns:p14="http://schemas.microsoft.com/office/powerpoint/2010/main" val="621296807"/>
+        <p14:creationId xmlns:p14="http://schemas.microsoft.com/office/powerpoint/2010/main" val="4127374694"/>
       </p:ext>
     </p:extLst>
   </p:cSld>
@@ -6456,33 +6517,6 @@
       </p:grpSpPr>
       <p:sp>
         <p:nvSpPr>
-          <p:cNvPr id="2" name="Title 1"/>
-          <p:cNvSpPr>
-            <a:spLocks noGrp="1"/>
-          </p:cNvSpPr>
-          <p:nvPr>
-            <p:ph type="title"/>
-          </p:nvPr>
-        </p:nvSpPr>
-        <p:spPr>
-          <a:xfrm>
-            <a:off x="838200" y="-662781"/>
-            <a:ext cx="7269480" cy="1325562"/>
-          </a:xfrm>
-        </p:spPr>
-        <p:txBody>
-          <a:bodyPr/>
-          <a:lstStyle/>
-          <a:p>
-            <a:r>
-              <a:rPr lang="en-US" dirty="0"/>
-              <a:t>Example</a:t>
-            </a:r>
-          </a:p>
-        </p:txBody>
-      </p:sp>
-      <p:sp>
-        <p:nvSpPr>
           <p:cNvPr id="3" name="Content Placeholder 2"/>
           <p:cNvSpPr>
             <a:spLocks noGrp="1"/>
@@ -6874,6 +6908,33 @@
       </p:sp>
       <p:sp>
         <p:nvSpPr>
+          <p:cNvPr id="2" name="Title 1"/>
+          <p:cNvSpPr>
+            <a:spLocks noGrp="1"/>
+          </p:cNvSpPr>
+          <p:nvPr>
+            <p:ph type="title"/>
+          </p:nvPr>
+        </p:nvSpPr>
+        <p:spPr>
+          <a:xfrm>
+            <a:off x="838200" y="-662781"/>
+            <a:ext cx="7269480" cy="1325562"/>
+          </a:xfrm>
+        </p:spPr>
+        <p:txBody>
+          <a:bodyPr/>
+          <a:lstStyle/>
+          <a:p>
+            <a:r>
+              <a:rPr lang="en-US" dirty="0"/>
+              <a:t>Example</a:t>
+            </a:r>
+          </a:p>
+        </p:txBody>
+      </p:sp>
+      <p:sp>
+        <p:nvSpPr>
           <p:cNvPr id="12" name="Slide Number Placeholder 11"/>
           <p:cNvSpPr>
             <a:spLocks noGrp="1"/>
@@ -6893,6 +6954,67 @@
               <a:t>16</a:t>
             </a:fld>
             <a:endParaRPr lang="en-US" dirty="0"/>
+          </a:p>
+        </p:txBody>
+      </p:sp>
+      <p:sp>
+        <p:nvSpPr>
+          <p:cNvPr id="4" name="Rectangular Callout 3">
+            <a:extLst>
+              <a:ext uri="{FF2B5EF4-FFF2-40B4-BE49-F238E27FC236}">
+                <a16:creationId xmlns:a16="http://schemas.microsoft.com/office/drawing/2014/main" id="{724C8BA7-52B8-1E4C-912C-F314EFA5AFC6}"/>
+              </a:ext>
+            </a:extLst>
+          </p:cNvPr>
+          <p:cNvSpPr/>
+          <p:nvPr/>
+        </p:nvSpPr>
+        <p:spPr>
+          <a:xfrm>
+            <a:off x="3443538" y="1752600"/>
+            <a:ext cx="4953918" cy="612648"/>
+          </a:xfrm>
+          <a:prstGeom prst="wedgeRectCallout">
+            <a:avLst>
+              <a:gd name="adj1" fmla="val -32988"/>
+              <a:gd name="adj2" fmla="val -70372"/>
+            </a:avLst>
+          </a:prstGeom>
+          <a:noFill/>
+        </p:spPr>
+        <p:style>
+          <a:lnRef idx="2">
+            <a:schemeClr val="accent1">
+              <a:shade val="50000"/>
+            </a:schemeClr>
+          </a:lnRef>
+          <a:fillRef idx="1">
+            <a:schemeClr val="accent1"/>
+          </a:fillRef>
+          <a:effectRef idx="0">
+            <a:schemeClr val="accent1"/>
+          </a:effectRef>
+          <a:fontRef idx="minor">
+            <a:schemeClr val="lt1"/>
+          </a:fontRef>
+        </p:style>
+        <p:txBody>
+          <a:bodyPr rtlCol="0" anchor="ctr"/>
+          <a:lstStyle/>
+          <a:p>
+            <a:pPr algn="ctr"/>
+            <a:r>
+              <a:rPr lang="en-US" dirty="0">
+                <a:solidFill>
+                  <a:srgbClr val="FF0000"/>
+                </a:solidFill>
+                <a:latin typeface="Consolas" charset="0"/>
+                <a:ea typeface="Consolas" charset="0"/>
+                <a:cs typeface="Consolas" charset="0"/>
+              </a:rPr>
+              <a:t>double percentage (double, double);</a:t>
+            </a:r>
+            <a:endParaRPr lang="en-CN" dirty="0"/>
           </a:p>
         </p:txBody>
       </p:sp>
@@ -6906,6 +7028,84 @@
   <p:clrMapOvr>
     <a:masterClrMapping/>
   </p:clrMapOvr>
+  <p:timing>
+    <p:tnLst>
+      <p:par>
+        <p:cTn id="1" dur="indefinite" restart="never" nodeType="tmRoot">
+          <p:childTnLst>
+            <p:seq concurrent="1" nextAc="seek">
+              <p:cTn id="2" dur="indefinite" nodeType="mainSeq">
+                <p:childTnLst>
+                  <p:par>
+                    <p:cTn id="3" fill="hold">
+                      <p:stCondLst>
+                        <p:cond delay="indefinite"/>
+                      </p:stCondLst>
+                      <p:childTnLst>
+                        <p:par>
+                          <p:cTn id="4" fill="hold">
+                            <p:stCondLst>
+                              <p:cond delay="0"/>
+                            </p:stCondLst>
+                            <p:childTnLst>
+                              <p:par>
+                                <p:cTn id="5" presetID="1" presetClass="entr" presetSubtype="0" fill="hold" grpId="0" nodeType="clickEffect">
+                                  <p:stCondLst>
+                                    <p:cond delay="0"/>
+                                  </p:stCondLst>
+                                  <p:childTnLst>
+                                    <p:set>
+                                      <p:cBhvr>
+                                        <p:cTn id="6" dur="1" fill="hold">
+                                          <p:stCondLst>
+                                            <p:cond delay="0"/>
+                                          </p:stCondLst>
+                                        </p:cTn>
+                                        <p:tgtEl>
+                                          <p:spTgt spid="4"/>
+                                        </p:tgtEl>
+                                        <p:attrNameLst>
+                                          <p:attrName>style.visibility</p:attrName>
+                                        </p:attrNameLst>
+                                      </p:cBhvr>
+                                      <p:to>
+                                        <p:strVal val="visible"/>
+                                      </p:to>
+                                    </p:set>
+                                  </p:childTnLst>
+                                </p:cTn>
+                              </p:par>
+                            </p:childTnLst>
+                          </p:cTn>
+                        </p:par>
+                      </p:childTnLst>
+                    </p:cTn>
+                  </p:par>
+                </p:childTnLst>
+              </p:cTn>
+              <p:prevCondLst>
+                <p:cond evt="onPrev" delay="0">
+                  <p:tgtEl>
+                    <p:sldTgt/>
+                  </p:tgtEl>
+                </p:cond>
+              </p:prevCondLst>
+              <p:nextCondLst>
+                <p:cond evt="onNext" delay="0">
+                  <p:tgtEl>
+                    <p:sldTgt/>
+                  </p:tgtEl>
+                </p:cond>
+              </p:nextCondLst>
+            </p:seq>
+          </p:childTnLst>
+        </p:cTn>
+      </p:par>
+    </p:tnLst>
+    <p:bldLst>
+      <p:bldP spid="4" grpId="0" animBg="1"/>
+    </p:bldLst>
+  </p:timing>
 </p:sld>
 </file>
 
@@ -8199,7 +8399,7 @@
           <p:cNvPr id="2" name="Title 1">
             <a:extLst>
               <a:ext uri="{FF2B5EF4-FFF2-40B4-BE49-F238E27FC236}">
-                <a16:creationId xmlns:a16="http://schemas.microsoft.com/office/drawing/2014/main" id="{2680FC77-9BD4-A843-8443-0485E673883C}"/>
+                <a16:creationId xmlns:a16="http://schemas.microsoft.com/office/drawing/2014/main" id="{B84511CA-9E4E-AD4B-8436-FD074650AA86}"/>
               </a:ext>
             </a:extLst>
           </p:cNvPr>
@@ -8217,7 +8417,7 @@
           <a:p>
             <a:r>
               <a:rPr lang="en-CN" dirty="0"/>
-              <a:t>Exam</a:t>
+              <a:t>Mid-semester Evaluation</a:t>
             </a:r>
           </a:p>
         </p:txBody>
@@ -8227,7 +8427,7 @@
           <p:cNvPr id="3" name="Content Placeholder 2">
             <a:extLst>
               <a:ext uri="{FF2B5EF4-FFF2-40B4-BE49-F238E27FC236}">
-                <a16:creationId xmlns:a16="http://schemas.microsoft.com/office/drawing/2014/main" id="{F85CE561-624D-8642-8C80-421E1954ADDF}"/>
+                <a16:creationId xmlns:a16="http://schemas.microsoft.com/office/drawing/2014/main" id="{5C5A1E57-9338-454B-A710-F2C718CACAA1}"/>
               </a:ext>
             </a:extLst>
           </p:cNvPr>
@@ -8245,29 +8445,16 @@
           <a:p>
             <a:r>
               <a:rPr lang="en-CN" dirty="0"/>
-              <a:t>11 Nov, 50 minutes</a:t>
-            </a:r>
-          </a:p>
-          <a:p>
-            <a:r>
-              <a:rPr lang="en-CN" dirty="0"/>
-              <a:t>Mimir, similar with an assignment, but no visible test cases</a:t>
-            </a:r>
-          </a:p>
-          <a:p>
-            <a:r>
-              <a:rPr lang="en-CN" dirty="0"/>
-              <a:t>Screen share and keep camera open</a:t>
-            </a:r>
-          </a:p>
-          <a:p>
-            <a:r>
-              <a:rPr lang="en-CN" dirty="0"/>
-              <a:t>Release the exam samples on Friday this week</a:t>
-            </a:r>
-            <a:r>
-              <a:rPr lang="en-US" dirty="0"/>
-              <a:t>, review them on 9 Nov.</a:t>
+              <a:t>Comments and Suggestions</a:t>
+            </a:r>
+          </a:p>
+          <a:p>
+            <a:pPr lvl="1"/>
+            <a:r>
+              <a:rPr lang="en-US" dirty="0">
+                <a:hlinkClick r:id="rId2" tooltip="https://www.egr.msu.edu/mid-semester-evaluation"/>
+              </a:rPr>
+              <a:t>https://www.egr.msu.edu/mid-semester-evaluation</a:t>
             </a:r>
             <a:endParaRPr lang="en-CN" dirty="0"/>
           </a:p>
@@ -8278,7 +8465,7 @@
           <p:cNvPr id="4" name="Slide Number Placeholder 3">
             <a:extLst>
               <a:ext uri="{FF2B5EF4-FFF2-40B4-BE49-F238E27FC236}">
-                <a16:creationId xmlns:a16="http://schemas.microsoft.com/office/drawing/2014/main" id="{A367E978-F7B3-E944-AEAA-08FC4551F7E9}"/>
+                <a16:creationId xmlns:a16="http://schemas.microsoft.com/office/drawing/2014/main" id="{2A39E335-264B-9A48-997B-4098667C4963}"/>
               </a:ext>
             </a:extLst>
           </p:cNvPr>
@@ -8306,7 +8493,7 @@
     </p:spTree>
     <p:extLst>
       <p:ext uri="{BB962C8B-B14F-4D97-AF65-F5344CB8AC3E}">
-        <p14:creationId xmlns:p14="http://schemas.microsoft.com/office/powerpoint/2010/main" val="4127374694"/>
+        <p14:creationId xmlns:p14="http://schemas.microsoft.com/office/powerpoint/2010/main" val="4250908977"/>
       </p:ext>
     </p:extLst>
   </p:cSld>
@@ -13967,18 +14154,12 @@
       </p:grpSpPr>
       <p:sp>
         <p:nvSpPr>
-          <p:cNvPr id="2" name="Title 1">
-            <a:extLst>
-              <a:ext uri="{FF2B5EF4-FFF2-40B4-BE49-F238E27FC236}">
-                <a16:creationId xmlns:a16="http://schemas.microsoft.com/office/drawing/2014/main" id="{B84511CA-9E4E-AD4B-8436-FD074650AA86}"/>
-              </a:ext>
-            </a:extLst>
-          </p:cNvPr>
+          <p:cNvPr id="2" name="Title 1"/>
           <p:cNvSpPr>
             <a:spLocks noGrp="1"/>
           </p:cNvSpPr>
           <p:nvPr>
-            <p:ph type="title"/>
+            <p:ph type="ctrTitle"/>
           </p:nvPr>
         </p:nvSpPr>
         <p:spPr/>
@@ -13987,26 +14168,20 @@
           <a:lstStyle/>
           <a:p>
             <a:r>
-              <a:rPr lang="en-CN" dirty="0"/>
-              <a:t>Mid-semester Evaluation</a:t>
-            </a:r>
-          </a:p>
-        </p:txBody>
-      </p:sp>
-      <p:sp>
-        <p:nvSpPr>
-          <p:cNvPr id="3" name="Content Placeholder 2">
-            <a:extLst>
-              <a:ext uri="{FF2B5EF4-FFF2-40B4-BE49-F238E27FC236}">
-                <a16:creationId xmlns:a16="http://schemas.microsoft.com/office/drawing/2014/main" id="{5C5A1E57-9338-454B-A710-F2C718CACAA1}"/>
-              </a:ext>
-            </a:extLst>
-          </p:cNvPr>
+              <a:rPr lang="en-US" dirty="0"/>
+              <a:t>CSE 220 – C Programming</a:t>
+            </a:r>
+          </a:p>
+        </p:txBody>
+      </p:sp>
+      <p:sp>
+        <p:nvSpPr>
+          <p:cNvPr id="3" name="Subtitle 2"/>
           <p:cNvSpPr>
             <a:spLocks noGrp="1"/>
           </p:cNvSpPr>
           <p:nvPr>
-            <p:ph idx="1"/>
+            <p:ph type="subTitle" idx="1"/>
           </p:nvPr>
         </p:nvSpPr>
         <p:spPr/>
@@ -14015,56 +14190,20 @@
           <a:lstStyle/>
           <a:p>
             <a:r>
-              <a:rPr lang="en-CN" dirty="0"/>
-              <a:t>Comments and Suggestions</a:t>
-            </a:r>
-          </a:p>
-          <a:p>
-            <a:pPr lvl="1"/>
-            <a:r>
               <a:rPr lang="en-US" dirty="0">
-                <a:hlinkClick r:id="rId2" tooltip="https://www.egr.msu.edu/mid-semester-evaluation"/>
-              </a:rPr>
-              <a:t>https://www.egr.msu.edu/mid-semester-evaluation</a:t>
-            </a:r>
-            <a:endParaRPr lang="en-CN" dirty="0"/>
-          </a:p>
-        </p:txBody>
-      </p:sp>
-      <p:sp>
-        <p:nvSpPr>
-          <p:cNvPr id="4" name="Slide Number Placeholder 3">
-            <a:extLst>
-              <a:ext uri="{FF2B5EF4-FFF2-40B4-BE49-F238E27FC236}">
-                <a16:creationId xmlns:a16="http://schemas.microsoft.com/office/drawing/2014/main" id="{2A39E335-264B-9A48-997B-4098667C4963}"/>
-              </a:ext>
-            </a:extLst>
-          </p:cNvPr>
-          <p:cNvSpPr>
-            <a:spLocks noGrp="1"/>
-          </p:cNvSpPr>
-          <p:nvPr>
-            <p:ph type="sldNum" sz="quarter" idx="12"/>
-          </p:nvPr>
-        </p:nvSpPr>
-        <p:spPr/>
-        <p:txBody>
-          <a:bodyPr/>
-          <a:lstStyle/>
-          <a:p>
-            <a:fld id="{B6F15528-21DE-4FAA-801E-634DDDAF4B2B}" type="slidenum">
-              <a:rPr lang="en-US" smtClean="0"/>
-              <a:pPr/>
-              <a:t>3</a:t>
-            </a:fld>
-            <a:endParaRPr lang="en-US" dirty="0"/>
+                <a:solidFill>
+                  <a:schemeClr val="tx1"/>
+                </a:solidFill>
+              </a:rPr>
+              <a:t>Functions</a:t>
+            </a:r>
           </a:p>
         </p:txBody>
       </p:sp>
     </p:spTree>
     <p:extLst>
       <p:ext uri="{BB962C8B-B14F-4D97-AF65-F5344CB8AC3E}">
-        <p14:creationId xmlns:p14="http://schemas.microsoft.com/office/powerpoint/2010/main" val="4250908977"/>
+        <p14:creationId xmlns:p14="http://schemas.microsoft.com/office/powerpoint/2010/main" val="621296807"/>
       </p:ext>
     </p:extLst>
   </p:cSld>

--- a/Lectures/cse220-11-functions.pptx
+++ b/Lectures/cse220-11-functions.pptx
@@ -5,7 +5,7 @@
     <p:sldMasterId id="2147483690" r:id="rId1"/>
   </p:sldMasterIdLst>
   <p:notesMasterIdLst>
-    <p:notesMasterId r:id="rId43"/>
+    <p:notesMasterId r:id="rId44"/>
   </p:notesMasterIdLst>
   <p:sldIdLst>
     <p:sldId id="511" r:id="rId2"/>
@@ -34,21 +34,22 @@
     <p:sldId id="509" r:id="rId25"/>
     <p:sldId id="489" r:id="rId26"/>
     <p:sldId id="510" r:id="rId27"/>
-    <p:sldId id="491" r:id="rId28"/>
-    <p:sldId id="492" r:id="rId29"/>
-    <p:sldId id="493" r:id="rId30"/>
-    <p:sldId id="494" r:id="rId31"/>
-    <p:sldId id="495" r:id="rId32"/>
-    <p:sldId id="496" r:id="rId33"/>
-    <p:sldId id="497" r:id="rId34"/>
-    <p:sldId id="498" r:id="rId35"/>
-    <p:sldId id="499" r:id="rId36"/>
-    <p:sldId id="500" r:id="rId37"/>
-    <p:sldId id="501" r:id="rId38"/>
-    <p:sldId id="502" r:id="rId39"/>
-    <p:sldId id="503" r:id="rId40"/>
-    <p:sldId id="504" r:id="rId41"/>
-    <p:sldId id="505" r:id="rId42"/>
+    <p:sldId id="513" r:id="rId28"/>
+    <p:sldId id="491" r:id="rId29"/>
+    <p:sldId id="492" r:id="rId30"/>
+    <p:sldId id="493" r:id="rId31"/>
+    <p:sldId id="494" r:id="rId32"/>
+    <p:sldId id="495" r:id="rId33"/>
+    <p:sldId id="496" r:id="rId34"/>
+    <p:sldId id="497" r:id="rId35"/>
+    <p:sldId id="498" r:id="rId36"/>
+    <p:sldId id="499" r:id="rId37"/>
+    <p:sldId id="500" r:id="rId38"/>
+    <p:sldId id="501" r:id="rId39"/>
+    <p:sldId id="502" r:id="rId40"/>
+    <p:sldId id="503" r:id="rId41"/>
+    <p:sldId id="504" r:id="rId42"/>
+    <p:sldId id="505" r:id="rId43"/>
   </p:sldIdLst>
   <p:sldSz cx="9144000" cy="6858000" type="screen4x3"/>
   <p:notesSz cx="7315200" cy="9601200"/>
@@ -249,7 +250,7 @@
             <a:fld id="{5FFCA113-0588-4274-BF6F-5C1EF80E94D3}" type="datetimeFigureOut">
               <a:rPr lang="en-US" smtClean="0"/>
               <a:pPr/>
-              <a:t>10/12/20</a:t>
+              <a:t>10/19/20</a:t>
             </a:fld>
             <a:endParaRPr lang="en-US"/>
           </a:p>
@@ -811,7 +812,7 @@
           <a:p>
             <a:fld id="{33F808F0-913D-477A-9CA6-F18B965E45CF}" type="datetime1">
               <a:rPr lang="en-US" smtClean="0"/>
-              <a:t>10/12/20</a:t>
+              <a:t>10/19/20</a:t>
             </a:fld>
             <a:endParaRPr lang="en-US"/>
           </a:p>
@@ -1013,7 +1014,7 @@
           <a:p>
             <a:fld id="{F876455D-377A-4D1E-B670-E39358B7E717}" type="datetime1">
               <a:rPr lang="en-US" smtClean="0"/>
-              <a:t>10/12/20</a:t>
+              <a:t>10/19/20</a:t>
             </a:fld>
             <a:endParaRPr lang="en-US"/>
           </a:p>
@@ -1198,7 +1199,7 @@
           <a:p>
             <a:fld id="{D0B4FA99-918F-4F8A-B9C1-3067B0137FB2}" type="datetime1">
               <a:rPr lang="en-US" smtClean="0"/>
-              <a:t>10/12/20</a:t>
+              <a:t>10/19/20</a:t>
             </a:fld>
             <a:endParaRPr lang="en-US"/>
           </a:p>
@@ -1378,7 +1379,7 @@
           <a:p>
             <a:fld id="{63934DF3-3970-42FB-90D2-A9B99EA4895D}" type="datetime1">
               <a:rPr lang="en-US" smtClean="0"/>
-              <a:t>10/12/20</a:t>
+              <a:t>10/19/20</a:t>
             </a:fld>
             <a:endParaRPr lang="en-US" dirty="0"/>
           </a:p>
@@ -1633,7 +1634,7 @@
           <a:p>
             <a:fld id="{D5B9A1E4-22D3-42A9-8BE0-61674E6AF57E}" type="datetime1">
               <a:rPr lang="en-US" smtClean="0"/>
-              <a:t>10/12/20</a:t>
+              <a:t>10/19/20</a:t>
             </a:fld>
             <a:endParaRPr lang="en-US"/>
           </a:p>
@@ -1969,7 +1970,7 @@
           <a:p>
             <a:fld id="{024F3097-9EFE-4D82-AC52-9D1E9CD75C0B}" type="datetime1">
               <a:rPr lang="en-US" smtClean="0"/>
-              <a:t>10/12/20</a:t>
+              <a:t>10/19/20</a:t>
             </a:fld>
             <a:endParaRPr lang="en-US" dirty="0"/>
           </a:p>
@@ -2396,7 +2397,7 @@
           <a:p>
             <a:fld id="{1F2D1777-7662-4FEC-BEC3-810ADE438E61}" type="datetime1">
               <a:rPr lang="en-US" smtClean="0"/>
-              <a:t>10/12/20</a:t>
+              <a:t>10/19/20</a:t>
             </a:fld>
             <a:endParaRPr lang="en-US"/>
           </a:p>
@@ -2519,7 +2520,7 @@
           <a:p>
             <a:fld id="{8B3A19C1-2605-4D7A-B7AE-B9C46F829AB4}" type="datetime1">
               <a:rPr lang="en-US" smtClean="0"/>
-              <a:t>10/12/20</a:t>
+              <a:t>10/19/20</a:t>
             </a:fld>
             <a:endParaRPr lang="en-US"/>
           </a:p>
@@ -2619,7 +2620,7 @@
           <a:p>
             <a:fld id="{7F3EB4FF-F681-4C4B-B5A3-2E84619FD695}" type="datetime1">
               <a:rPr lang="en-US" smtClean="0"/>
-              <a:t>10/12/20</a:t>
+              <a:t>10/19/20</a:t>
             </a:fld>
             <a:endParaRPr lang="en-US"/>
           </a:p>
@@ -2911,7 +2912,7 @@
           <a:p>
             <a:fld id="{789FCD9B-598C-4B8C-9A44-38ABFA66C3CA}" type="datetime1">
               <a:rPr lang="en-US" smtClean="0"/>
-              <a:t>10/12/20</a:t>
+              <a:t>10/19/20</a:t>
             </a:fld>
             <a:endParaRPr lang="en-US"/>
           </a:p>
@@ -3241,7 +3242,7 @@
           <a:p>
             <a:fld id="{12B69455-5397-4708-A123-B7BEC8168560}" type="datetime1">
               <a:rPr lang="en-US" smtClean="0"/>
-              <a:t>10/12/20</a:t>
+              <a:t>10/19/20</a:t>
             </a:fld>
             <a:endParaRPr lang="en-US"/>
           </a:p>
@@ -3500,7 +3501,7 @@
           <a:p>
             <a:fld id="{A56FC23F-F40F-4A49-BC09-A880359CAB63}" type="datetime1">
               <a:rPr lang="en-US" smtClean="0"/>
-              <a:t>10/12/20</a:t>
+              <a:t>10/19/20</a:t>
             </a:fld>
             <a:endParaRPr lang="en-US"/>
           </a:p>
@@ -13052,7 +13053,13 @@
       </p:grpSpPr>
       <p:sp>
         <p:nvSpPr>
-          <p:cNvPr id="2" name="Title 1"/>
+          <p:cNvPr id="2" name="Title 1">
+            <a:extLst>
+              <a:ext uri="{FF2B5EF4-FFF2-40B4-BE49-F238E27FC236}">
+                <a16:creationId xmlns:a16="http://schemas.microsoft.com/office/drawing/2014/main" id="{922D7B4D-E242-214B-96D8-36D5D2D0EA87}"/>
+              </a:ext>
+            </a:extLst>
+          </p:cNvPr>
           <p:cNvSpPr>
             <a:spLocks noGrp="1"/>
           </p:cNvSpPr>
@@ -13062,21 +13069,25 @@
         </p:nvSpPr>
         <p:spPr/>
         <p:txBody>
-          <a:bodyPr>
-            <a:normAutofit/>
-          </a:bodyPr>
-          <a:lstStyle/>
-          <a:p>
-            <a:r>
-              <a:rPr lang="en-US" dirty="0"/>
-              <a:t>Recursion</a:t>
-            </a:r>
-          </a:p>
-        </p:txBody>
-      </p:sp>
-      <p:sp>
-        <p:nvSpPr>
-          <p:cNvPr id="3" name="Content Placeholder 2"/>
+          <a:bodyPr/>
+          <a:lstStyle/>
+          <a:p>
+            <a:r>
+              <a:rPr lang="en-CN" dirty="0"/>
+              <a:t>Exam Samples</a:t>
+            </a:r>
+          </a:p>
+        </p:txBody>
+      </p:sp>
+      <p:sp>
+        <p:nvSpPr>
+          <p:cNvPr id="3" name="Content Placeholder 2">
+            <a:extLst>
+              <a:ext uri="{FF2B5EF4-FFF2-40B4-BE49-F238E27FC236}">
+                <a16:creationId xmlns:a16="http://schemas.microsoft.com/office/drawing/2014/main" id="{38E91FD2-62C3-294E-BE52-30AA17129BB2}"/>
+              </a:ext>
+            </a:extLst>
+          </p:cNvPr>
           <p:cNvSpPr>
             <a:spLocks noGrp="1"/>
           </p:cNvSpPr>
@@ -13086,21 +13097,37 @@
         </p:nvSpPr>
         <p:spPr/>
         <p:txBody>
-          <a:bodyPr>
-            <a:normAutofit/>
-          </a:bodyPr>
-          <a:lstStyle/>
-          <a:p>
-            <a:r>
-              <a:rPr lang="en-US" dirty="0"/>
-              <a:t>A function is recursive if it calls itself</a:t>
-            </a:r>
-          </a:p>
-        </p:txBody>
-      </p:sp>
-      <p:sp>
-        <p:nvSpPr>
-          <p:cNvPr id="12" name="Slide Number Placeholder 11"/>
+          <a:bodyPr/>
+          <a:lstStyle/>
+          <a:p>
+            <a:r>
+              <a:rPr lang="en-CN" dirty="0"/>
+              <a:t>Two exam samples on Mimir</a:t>
+            </a:r>
+          </a:p>
+          <a:p>
+            <a:r>
+              <a:rPr lang="en-CN" dirty="0"/>
+              <a:t>No need to submit them</a:t>
+            </a:r>
+          </a:p>
+          <a:p>
+            <a:r>
+              <a:rPr lang="en-CN" dirty="0"/>
+              <a:t>Similar types of questions</a:t>
+            </a:r>
+          </a:p>
+        </p:txBody>
+      </p:sp>
+      <p:sp>
+        <p:nvSpPr>
+          <p:cNvPr id="4" name="Slide Number Placeholder 3">
+            <a:extLst>
+              <a:ext uri="{FF2B5EF4-FFF2-40B4-BE49-F238E27FC236}">
+                <a16:creationId xmlns:a16="http://schemas.microsoft.com/office/drawing/2014/main" id="{744429BE-F5BD-744F-BDE1-CECC8FC215AE}"/>
+              </a:ext>
+            </a:extLst>
+          </p:cNvPr>
           <p:cNvSpPr>
             <a:spLocks noGrp="1"/>
           </p:cNvSpPr>
@@ -13122,179 +13149,10 @@
           </a:p>
         </p:txBody>
       </p:sp>
-      <p:sp>
-        <p:nvSpPr>
-          <p:cNvPr id="4" name="TextBox 3"/>
-          <p:cNvSpPr txBox="1"/>
-          <p:nvPr/>
-        </p:nvSpPr>
-        <p:spPr>
-          <a:xfrm>
-            <a:off x="946404" y="2438400"/>
-            <a:ext cx="6902196" cy="3539430"/>
-          </a:xfrm>
-          <a:prstGeom prst="rect">
-            <a:avLst/>
-          </a:prstGeom>
-          <a:noFill/>
-        </p:spPr>
-        <p:txBody>
-          <a:bodyPr wrap="square" rtlCol="0">
-            <a:spAutoFit/>
-          </a:bodyPr>
-          <a:lstStyle/>
-          <a:p>
-            <a:r>
-              <a:rPr lang="en-US" sz="3200" dirty="0" err="1">
-                <a:solidFill>
-                  <a:srgbClr val="0B2B91"/>
-                </a:solidFill>
-                <a:latin typeface="Consolas" charset="0"/>
-                <a:ea typeface="Consolas" charset="0"/>
-                <a:cs typeface="Consolas" charset="0"/>
-              </a:rPr>
-              <a:t>int</a:t>
-            </a:r>
-            <a:r>
-              <a:rPr lang="en-US" sz="3200" dirty="0">
-                <a:solidFill>
-                  <a:srgbClr val="0B2B91"/>
-                </a:solidFill>
-                <a:latin typeface="Consolas" charset="0"/>
-                <a:ea typeface="Consolas" charset="0"/>
-                <a:cs typeface="Consolas" charset="0"/>
-              </a:rPr>
-              <a:t> fact(</a:t>
-            </a:r>
-            <a:r>
-              <a:rPr lang="en-US" sz="3200" dirty="0" err="1">
-                <a:solidFill>
-                  <a:srgbClr val="0B2B91"/>
-                </a:solidFill>
-                <a:latin typeface="Consolas" charset="0"/>
-                <a:ea typeface="Consolas" charset="0"/>
-                <a:cs typeface="Consolas" charset="0"/>
-              </a:rPr>
-              <a:t>int</a:t>
-            </a:r>
-            <a:r>
-              <a:rPr lang="en-US" sz="3200" dirty="0">
-                <a:solidFill>
-                  <a:srgbClr val="0B2B91"/>
-                </a:solidFill>
-                <a:latin typeface="Consolas" charset="0"/>
-                <a:ea typeface="Consolas" charset="0"/>
-                <a:cs typeface="Consolas" charset="0"/>
-              </a:rPr>
-              <a:t> n) {</a:t>
-            </a:r>
-          </a:p>
-          <a:p>
-            <a:r>
-              <a:rPr lang="en-US" sz="3200" dirty="0">
-                <a:solidFill>
-                  <a:srgbClr val="0B2B91"/>
-                </a:solidFill>
-                <a:latin typeface="Consolas" charset="0"/>
-                <a:ea typeface="Consolas" charset="0"/>
-                <a:cs typeface="Consolas" charset="0"/>
-              </a:rPr>
-              <a:t>    if (n &lt;= 1) {</a:t>
-            </a:r>
-          </a:p>
-          <a:p>
-            <a:r>
-              <a:rPr lang="en-US" sz="3200" dirty="0">
-                <a:solidFill>
-                  <a:srgbClr val="0B2B91"/>
-                </a:solidFill>
-                <a:latin typeface="Consolas" charset="0"/>
-                <a:ea typeface="Consolas" charset="0"/>
-                <a:cs typeface="Consolas" charset="0"/>
-              </a:rPr>
-              <a:t>        return 1;</a:t>
-            </a:r>
-          </a:p>
-          <a:p>
-            <a:r>
-              <a:rPr lang="en-US" sz="3200" dirty="0">
-                <a:solidFill>
-                  <a:srgbClr val="0B2B91"/>
-                </a:solidFill>
-                <a:latin typeface="Consolas" charset="0"/>
-                <a:ea typeface="Consolas" charset="0"/>
-                <a:cs typeface="Consolas" charset="0"/>
-              </a:rPr>
-              <a:t>	} else { </a:t>
-            </a:r>
-          </a:p>
-          <a:p>
-            <a:r>
-              <a:rPr lang="en-US" sz="3200" dirty="0">
-                <a:solidFill>
-                  <a:srgbClr val="0B2B91"/>
-                </a:solidFill>
-                <a:latin typeface="Consolas" charset="0"/>
-                <a:ea typeface="Consolas" charset="0"/>
-                <a:cs typeface="Consolas" charset="0"/>
-              </a:rPr>
-              <a:t>        return n*</a:t>
-            </a:r>
-            <a:r>
-              <a:rPr lang="en-US" sz="3200" dirty="0">
-                <a:solidFill>
-                  <a:srgbClr val="C00000"/>
-                </a:solidFill>
-                <a:latin typeface="Consolas" charset="0"/>
-                <a:ea typeface="Consolas" charset="0"/>
-                <a:cs typeface="Consolas" charset="0"/>
-              </a:rPr>
-              <a:t>fact(n-1)</a:t>
-            </a:r>
-            <a:r>
-              <a:rPr lang="en-US" sz="3200" dirty="0">
-                <a:solidFill>
-                  <a:srgbClr val="0B2B91"/>
-                </a:solidFill>
-                <a:latin typeface="Consolas" charset="0"/>
-                <a:ea typeface="Consolas" charset="0"/>
-                <a:cs typeface="Consolas" charset="0"/>
-              </a:rPr>
-              <a:t>;</a:t>
-            </a:r>
-          </a:p>
-          <a:p>
-            <a:r>
-              <a:rPr lang="en-US" sz="3200" dirty="0">
-                <a:solidFill>
-                  <a:srgbClr val="0B2B91"/>
-                </a:solidFill>
-                <a:latin typeface="Consolas" charset="0"/>
-                <a:ea typeface="Consolas" charset="0"/>
-                <a:cs typeface="Consolas" charset="0"/>
-              </a:rPr>
-              <a:t>	}</a:t>
-            </a:r>
-          </a:p>
-          <a:p>
-            <a:r>
-              <a:rPr lang="en-US" sz="3200" dirty="0">
-                <a:solidFill>
-                  <a:srgbClr val="0B2B91"/>
-                </a:solidFill>
-                <a:latin typeface="Consolas" charset="0"/>
-                <a:ea typeface="Consolas" charset="0"/>
-                <a:cs typeface="Consolas" charset="0"/>
-              </a:rPr>
-              <a:t>}</a:t>
-            </a:r>
-          </a:p>
-        </p:txBody>
-      </p:sp>
     </p:spTree>
     <p:extLst>
       <p:ext uri="{BB962C8B-B14F-4D97-AF65-F5344CB8AC3E}">
-        <p14:creationId xmlns:p14="http://schemas.microsoft.com/office/powerpoint/2010/main" val="696441012"/>
+        <p14:creationId xmlns:p14="http://schemas.microsoft.com/office/powerpoint/2010/main" val="1371265047"/>
       </p:ext>
     </p:extLst>
   </p:cSld>
@@ -13331,12 +13189,7 @@
             <p:ph type="title"/>
           </p:nvPr>
         </p:nvSpPr>
-        <p:spPr>
-          <a:xfrm>
-            <a:off x="669561" y="-426242"/>
-            <a:ext cx="7269480" cy="1325562"/>
-          </a:xfrm>
-        </p:spPr>
+        <p:spPr/>
         <p:txBody>
           <a:bodyPr>
             <a:normAutofit/>
@@ -13367,12 +13220,9 @@
           </a:bodyPr>
           <a:lstStyle/>
           <a:p>
-            <a:pPr marL="0" indent="0">
-              <a:buNone/>
-            </a:pPr>
             <a:r>
               <a:rPr lang="en-US" dirty="0"/>
-              <a:t> </a:t>
+              <a:t>A function is recursive if it calls itself</a:t>
             </a:r>
           </a:p>
         </p:txBody>
@@ -13396,6 +13246,285 @@
               <a:rPr lang="en-US" smtClean="0"/>
               <a:pPr/>
               <a:t>28</a:t>
+            </a:fld>
+            <a:endParaRPr lang="en-US" dirty="0"/>
+          </a:p>
+        </p:txBody>
+      </p:sp>
+      <p:sp>
+        <p:nvSpPr>
+          <p:cNvPr id="4" name="TextBox 3"/>
+          <p:cNvSpPr txBox="1"/>
+          <p:nvPr/>
+        </p:nvSpPr>
+        <p:spPr>
+          <a:xfrm>
+            <a:off x="946404" y="2438400"/>
+            <a:ext cx="6902196" cy="3539430"/>
+          </a:xfrm>
+          <a:prstGeom prst="rect">
+            <a:avLst/>
+          </a:prstGeom>
+          <a:noFill/>
+        </p:spPr>
+        <p:txBody>
+          <a:bodyPr wrap="square" rtlCol="0">
+            <a:spAutoFit/>
+          </a:bodyPr>
+          <a:lstStyle/>
+          <a:p>
+            <a:r>
+              <a:rPr lang="en-US" sz="3200" dirty="0" err="1">
+                <a:solidFill>
+                  <a:srgbClr val="0B2B91"/>
+                </a:solidFill>
+                <a:latin typeface="Consolas" charset="0"/>
+                <a:ea typeface="Consolas" charset="0"/>
+                <a:cs typeface="Consolas" charset="0"/>
+              </a:rPr>
+              <a:t>int</a:t>
+            </a:r>
+            <a:r>
+              <a:rPr lang="en-US" sz="3200" dirty="0">
+                <a:solidFill>
+                  <a:srgbClr val="0B2B91"/>
+                </a:solidFill>
+                <a:latin typeface="Consolas" charset="0"/>
+                <a:ea typeface="Consolas" charset="0"/>
+                <a:cs typeface="Consolas" charset="0"/>
+              </a:rPr>
+              <a:t> fact(</a:t>
+            </a:r>
+            <a:r>
+              <a:rPr lang="en-US" sz="3200" dirty="0" err="1">
+                <a:solidFill>
+                  <a:srgbClr val="0B2B91"/>
+                </a:solidFill>
+                <a:latin typeface="Consolas" charset="0"/>
+                <a:ea typeface="Consolas" charset="0"/>
+                <a:cs typeface="Consolas" charset="0"/>
+              </a:rPr>
+              <a:t>int</a:t>
+            </a:r>
+            <a:r>
+              <a:rPr lang="en-US" sz="3200" dirty="0">
+                <a:solidFill>
+                  <a:srgbClr val="0B2B91"/>
+                </a:solidFill>
+                <a:latin typeface="Consolas" charset="0"/>
+                <a:ea typeface="Consolas" charset="0"/>
+                <a:cs typeface="Consolas" charset="0"/>
+              </a:rPr>
+              <a:t> n) {</a:t>
+            </a:r>
+          </a:p>
+          <a:p>
+            <a:r>
+              <a:rPr lang="en-US" sz="3200" dirty="0">
+                <a:solidFill>
+                  <a:srgbClr val="0B2B91"/>
+                </a:solidFill>
+                <a:latin typeface="Consolas" charset="0"/>
+                <a:ea typeface="Consolas" charset="0"/>
+                <a:cs typeface="Consolas" charset="0"/>
+              </a:rPr>
+              <a:t>    if (n &lt;= 1) {</a:t>
+            </a:r>
+          </a:p>
+          <a:p>
+            <a:r>
+              <a:rPr lang="en-US" sz="3200" dirty="0">
+                <a:solidFill>
+                  <a:srgbClr val="0B2B91"/>
+                </a:solidFill>
+                <a:latin typeface="Consolas" charset="0"/>
+                <a:ea typeface="Consolas" charset="0"/>
+                <a:cs typeface="Consolas" charset="0"/>
+              </a:rPr>
+              <a:t>        return 1;</a:t>
+            </a:r>
+          </a:p>
+          <a:p>
+            <a:r>
+              <a:rPr lang="en-US" sz="3200" dirty="0">
+                <a:solidFill>
+                  <a:srgbClr val="0B2B91"/>
+                </a:solidFill>
+                <a:latin typeface="Consolas" charset="0"/>
+                <a:ea typeface="Consolas" charset="0"/>
+                <a:cs typeface="Consolas" charset="0"/>
+              </a:rPr>
+              <a:t>	} else { </a:t>
+            </a:r>
+          </a:p>
+          <a:p>
+            <a:r>
+              <a:rPr lang="en-US" sz="3200" dirty="0">
+                <a:solidFill>
+                  <a:srgbClr val="0B2B91"/>
+                </a:solidFill>
+                <a:latin typeface="Consolas" charset="0"/>
+                <a:ea typeface="Consolas" charset="0"/>
+                <a:cs typeface="Consolas" charset="0"/>
+              </a:rPr>
+              <a:t>        return n*</a:t>
+            </a:r>
+            <a:r>
+              <a:rPr lang="en-US" sz="3200" dirty="0">
+                <a:solidFill>
+                  <a:srgbClr val="C00000"/>
+                </a:solidFill>
+                <a:latin typeface="Consolas" charset="0"/>
+                <a:ea typeface="Consolas" charset="0"/>
+                <a:cs typeface="Consolas" charset="0"/>
+              </a:rPr>
+              <a:t>fact(n-1)</a:t>
+            </a:r>
+            <a:r>
+              <a:rPr lang="en-US" sz="3200" dirty="0">
+                <a:solidFill>
+                  <a:srgbClr val="0B2B91"/>
+                </a:solidFill>
+                <a:latin typeface="Consolas" charset="0"/>
+                <a:ea typeface="Consolas" charset="0"/>
+                <a:cs typeface="Consolas" charset="0"/>
+              </a:rPr>
+              <a:t>;</a:t>
+            </a:r>
+          </a:p>
+          <a:p>
+            <a:r>
+              <a:rPr lang="en-US" sz="3200" dirty="0">
+                <a:solidFill>
+                  <a:srgbClr val="0B2B91"/>
+                </a:solidFill>
+                <a:latin typeface="Consolas" charset="0"/>
+                <a:ea typeface="Consolas" charset="0"/>
+                <a:cs typeface="Consolas" charset="0"/>
+              </a:rPr>
+              <a:t>	}</a:t>
+            </a:r>
+          </a:p>
+          <a:p>
+            <a:r>
+              <a:rPr lang="en-US" sz="3200" dirty="0">
+                <a:solidFill>
+                  <a:srgbClr val="0B2B91"/>
+                </a:solidFill>
+                <a:latin typeface="Consolas" charset="0"/>
+                <a:ea typeface="Consolas" charset="0"/>
+                <a:cs typeface="Consolas" charset="0"/>
+              </a:rPr>
+              <a:t>}</a:t>
+            </a:r>
+          </a:p>
+        </p:txBody>
+      </p:sp>
+    </p:spTree>
+    <p:extLst>
+      <p:ext uri="{BB962C8B-B14F-4D97-AF65-F5344CB8AC3E}">
+        <p14:creationId xmlns:p14="http://schemas.microsoft.com/office/powerpoint/2010/main" val="696441012"/>
+      </p:ext>
+    </p:extLst>
+  </p:cSld>
+  <p:clrMapOvr>
+    <a:masterClrMapping/>
+  </p:clrMapOvr>
+</p:sld>
+</file>
+
+<file path=ppt/slides/slide29.xml><?xml version="1.0" encoding="utf-8"?>
+<p:sld xmlns:a="http://schemas.openxmlformats.org/drawingml/2006/main" xmlns:r="http://schemas.openxmlformats.org/officeDocument/2006/relationships" xmlns:p="http://schemas.openxmlformats.org/presentationml/2006/main">
+  <p:cSld>
+    <p:spTree>
+      <p:nvGrpSpPr>
+        <p:cNvPr id="1" name=""/>
+        <p:cNvGrpSpPr/>
+        <p:nvPr/>
+      </p:nvGrpSpPr>
+      <p:grpSpPr>
+        <a:xfrm>
+          <a:off x="0" y="0"/>
+          <a:ext cx="0" cy="0"/>
+          <a:chOff x="0" y="0"/>
+          <a:chExt cx="0" cy="0"/>
+        </a:xfrm>
+      </p:grpSpPr>
+      <p:sp>
+        <p:nvSpPr>
+          <p:cNvPr id="2" name="Title 1"/>
+          <p:cNvSpPr>
+            <a:spLocks noGrp="1"/>
+          </p:cNvSpPr>
+          <p:nvPr>
+            <p:ph type="title"/>
+          </p:nvPr>
+        </p:nvSpPr>
+        <p:spPr>
+          <a:xfrm>
+            <a:off x="669561" y="-426242"/>
+            <a:ext cx="7269480" cy="1325562"/>
+          </a:xfrm>
+        </p:spPr>
+        <p:txBody>
+          <a:bodyPr>
+            <a:normAutofit/>
+          </a:bodyPr>
+          <a:lstStyle/>
+          <a:p>
+            <a:r>
+              <a:rPr lang="en-US" dirty="0"/>
+              <a:t>Recursion</a:t>
+            </a:r>
+          </a:p>
+        </p:txBody>
+      </p:sp>
+      <p:sp>
+        <p:nvSpPr>
+          <p:cNvPr id="3" name="Content Placeholder 2"/>
+          <p:cNvSpPr>
+            <a:spLocks noGrp="1"/>
+          </p:cNvSpPr>
+          <p:nvPr>
+            <p:ph idx="1"/>
+          </p:nvPr>
+        </p:nvSpPr>
+        <p:spPr/>
+        <p:txBody>
+          <a:bodyPr>
+            <a:normAutofit/>
+          </a:bodyPr>
+          <a:lstStyle/>
+          <a:p>
+            <a:pPr marL="0" indent="0">
+              <a:buNone/>
+            </a:pPr>
+            <a:r>
+              <a:rPr lang="en-US" dirty="0"/>
+              <a:t> </a:t>
+            </a:r>
+          </a:p>
+        </p:txBody>
+      </p:sp>
+      <p:sp>
+        <p:nvSpPr>
+          <p:cNvPr id="12" name="Slide Number Placeholder 11"/>
+          <p:cNvSpPr>
+            <a:spLocks noGrp="1"/>
+          </p:cNvSpPr>
+          <p:nvPr>
+            <p:ph type="sldNum" sz="quarter" idx="12"/>
+          </p:nvPr>
+        </p:nvSpPr>
+        <p:spPr/>
+        <p:txBody>
+          <a:bodyPr/>
+          <a:lstStyle/>
+          <a:p>
+            <a:fld id="{B6F15528-21DE-4FAA-801E-634DDDAF4B2B}" type="slidenum">
+              <a:rPr lang="en-US" smtClean="0"/>
+              <a:pPr/>
+              <a:t>29</a:t>
             </a:fld>
             <a:endParaRPr lang="en-US" dirty="0"/>
           </a:p>
@@ -13750,391 +13879,6 @@
 </p:sld>
 </file>
 
-<file path=ppt/slides/slide29.xml><?xml version="1.0" encoding="utf-8"?>
-<p:sld xmlns:a="http://schemas.openxmlformats.org/drawingml/2006/main" xmlns:r="http://schemas.openxmlformats.org/officeDocument/2006/relationships" xmlns:p="http://schemas.openxmlformats.org/presentationml/2006/main">
-  <p:cSld>
-    <p:spTree>
-      <p:nvGrpSpPr>
-        <p:cNvPr id="1" name=""/>
-        <p:cNvGrpSpPr/>
-        <p:nvPr/>
-      </p:nvGrpSpPr>
-      <p:grpSpPr>
-        <a:xfrm>
-          <a:off x="0" y="0"/>
-          <a:ext cx="0" cy="0"/>
-          <a:chOff x="0" y="0"/>
-          <a:chExt cx="0" cy="0"/>
-        </a:xfrm>
-      </p:grpSpPr>
-      <p:sp>
-        <p:nvSpPr>
-          <p:cNvPr id="2" name="Title 1"/>
-          <p:cNvSpPr>
-            <a:spLocks noGrp="1"/>
-          </p:cNvSpPr>
-          <p:nvPr>
-            <p:ph type="title"/>
-          </p:nvPr>
-        </p:nvSpPr>
-        <p:spPr>
-          <a:xfrm>
-            <a:off x="381000" y="-136391"/>
-            <a:ext cx="7269480" cy="1325562"/>
-          </a:xfrm>
-        </p:spPr>
-        <p:txBody>
-          <a:bodyPr>
-            <a:normAutofit/>
-          </a:bodyPr>
-          <a:lstStyle/>
-          <a:p>
-            <a:r>
-              <a:rPr lang="en-US" dirty="0"/>
-              <a:t>Termination Condition - Example</a:t>
-            </a:r>
-          </a:p>
-        </p:txBody>
-      </p:sp>
-      <p:sp>
-        <p:nvSpPr>
-          <p:cNvPr id="3" name="Content Placeholder 2"/>
-          <p:cNvSpPr>
-            <a:spLocks noGrp="1"/>
-          </p:cNvSpPr>
-          <p:nvPr>
-            <p:ph idx="1"/>
-          </p:nvPr>
-        </p:nvSpPr>
-        <p:spPr/>
-        <p:txBody>
-          <a:bodyPr>
-            <a:normAutofit/>
-          </a:bodyPr>
-          <a:lstStyle/>
-          <a:p>
-            <a:pPr marL="0" indent="0">
-              <a:buNone/>
-            </a:pPr>
-            <a:r>
-              <a:rPr lang="en-US" dirty="0"/>
-              <a:t> </a:t>
-            </a:r>
-          </a:p>
-        </p:txBody>
-      </p:sp>
-      <p:sp>
-        <p:nvSpPr>
-          <p:cNvPr id="12" name="Slide Number Placeholder 11"/>
-          <p:cNvSpPr>
-            <a:spLocks noGrp="1"/>
-          </p:cNvSpPr>
-          <p:nvPr>
-            <p:ph type="sldNum" sz="quarter" idx="12"/>
-          </p:nvPr>
-        </p:nvSpPr>
-        <p:spPr/>
-        <p:txBody>
-          <a:bodyPr/>
-          <a:lstStyle/>
-          <a:p>
-            <a:fld id="{B6F15528-21DE-4FAA-801E-634DDDAF4B2B}" type="slidenum">
-              <a:rPr lang="en-US" smtClean="0"/>
-              <a:pPr/>
-              <a:t>29</a:t>
-            </a:fld>
-            <a:endParaRPr lang="en-US" dirty="0"/>
-          </a:p>
-        </p:txBody>
-      </p:sp>
-      <p:sp>
-        <p:nvSpPr>
-          <p:cNvPr id="4" name="TextBox 3"/>
-          <p:cNvSpPr txBox="1"/>
-          <p:nvPr/>
-        </p:nvSpPr>
-        <p:spPr>
-          <a:xfrm>
-            <a:off x="0" y="1295400"/>
-            <a:ext cx="5715000" cy="1569660"/>
-          </a:xfrm>
-          <a:prstGeom prst="rect">
-            <a:avLst/>
-          </a:prstGeom>
-          <a:noFill/>
-        </p:spPr>
-        <p:txBody>
-          <a:bodyPr wrap="square" rtlCol="0">
-            <a:spAutoFit/>
-          </a:bodyPr>
-          <a:lstStyle/>
-          <a:p>
-            <a:r>
-              <a:rPr lang="en-US" sz="3200" dirty="0" err="1">
-                <a:solidFill>
-                  <a:srgbClr val="0B2B91"/>
-                </a:solidFill>
-                <a:latin typeface="Consolas" charset="0"/>
-                <a:ea typeface="Consolas" charset="0"/>
-                <a:cs typeface="Consolas" charset="0"/>
-              </a:rPr>
-              <a:t>int</a:t>
-            </a:r>
-            <a:r>
-              <a:rPr lang="en-US" sz="3200" dirty="0">
-                <a:solidFill>
-                  <a:srgbClr val="0B2B91"/>
-                </a:solidFill>
-                <a:latin typeface="Consolas" charset="0"/>
-                <a:ea typeface="Consolas" charset="0"/>
-                <a:cs typeface="Consolas" charset="0"/>
-              </a:rPr>
-              <a:t> fact(</a:t>
-            </a:r>
-            <a:r>
-              <a:rPr lang="en-US" sz="3200" dirty="0" err="1">
-                <a:solidFill>
-                  <a:srgbClr val="0B2B91"/>
-                </a:solidFill>
-                <a:latin typeface="Consolas" charset="0"/>
-                <a:ea typeface="Consolas" charset="0"/>
-                <a:cs typeface="Consolas" charset="0"/>
-              </a:rPr>
-              <a:t>int</a:t>
-            </a:r>
-            <a:r>
-              <a:rPr lang="en-US" sz="3200" dirty="0">
-                <a:solidFill>
-                  <a:srgbClr val="0B2B91"/>
-                </a:solidFill>
-                <a:latin typeface="Consolas" charset="0"/>
-                <a:ea typeface="Consolas" charset="0"/>
-                <a:cs typeface="Consolas" charset="0"/>
-              </a:rPr>
-              <a:t> n) {</a:t>
-            </a:r>
-          </a:p>
-          <a:p>
-            <a:r>
-              <a:rPr lang="en-US" sz="3200" dirty="0">
-                <a:solidFill>
-                  <a:srgbClr val="0B2B91"/>
-                </a:solidFill>
-                <a:latin typeface="Consolas" charset="0"/>
-                <a:ea typeface="Consolas" charset="0"/>
-                <a:cs typeface="Consolas" charset="0"/>
-              </a:rPr>
-              <a:t>	return n*fact(n-1);</a:t>
-            </a:r>
-          </a:p>
-          <a:p>
-            <a:r>
-              <a:rPr lang="en-US" sz="3200" dirty="0">
-                <a:solidFill>
-                  <a:srgbClr val="0B2B91"/>
-                </a:solidFill>
-                <a:latin typeface="Consolas" charset="0"/>
-                <a:ea typeface="Consolas" charset="0"/>
-                <a:cs typeface="Consolas" charset="0"/>
-              </a:rPr>
-              <a:t>}</a:t>
-            </a:r>
-          </a:p>
-        </p:txBody>
-      </p:sp>
-      <p:sp>
-        <p:nvSpPr>
-          <p:cNvPr id="7" name="TextBox 6"/>
-          <p:cNvSpPr txBox="1"/>
-          <p:nvPr/>
-        </p:nvSpPr>
-        <p:spPr>
-          <a:xfrm>
-            <a:off x="152400" y="3398461"/>
-            <a:ext cx="8839200" cy="3046988"/>
-          </a:xfrm>
-          <a:prstGeom prst="rect">
-            <a:avLst/>
-          </a:prstGeom>
-          <a:noFill/>
-          <a:ln>
-            <a:solidFill>
-              <a:schemeClr val="bg1">
-                <a:lumMod val="50000"/>
-              </a:schemeClr>
-            </a:solidFill>
-            <a:prstDash val="dash"/>
-          </a:ln>
-        </p:spPr>
-        <p:txBody>
-          <a:bodyPr wrap="square" rtlCol="0">
-            <a:spAutoFit/>
-          </a:bodyPr>
-          <a:lstStyle/>
-          <a:p>
-            <a:r>
-              <a:rPr lang="en-US" sz="2400" dirty="0">
-                <a:solidFill>
-                  <a:srgbClr val="0B2B91"/>
-                </a:solidFill>
-                <a:latin typeface="Consolas" charset="0"/>
-                <a:ea typeface="Consolas" charset="0"/>
-                <a:cs typeface="Consolas" charset="0"/>
-              </a:rPr>
-              <a:t>x = fact(4);</a:t>
-            </a:r>
-          </a:p>
-          <a:p>
-            <a:r>
-              <a:rPr lang="en-US" sz="2400" dirty="0">
-                <a:solidFill>
-                  <a:srgbClr val="0B2B91"/>
-                </a:solidFill>
-                <a:latin typeface="Consolas" charset="0"/>
-                <a:ea typeface="Consolas" charset="0"/>
-                <a:cs typeface="Consolas" charset="0"/>
-              </a:rPr>
-              <a:t>x = 4 * fact(3);</a:t>
-            </a:r>
-          </a:p>
-          <a:p>
-            <a:r>
-              <a:rPr lang="en-US" sz="2400" dirty="0">
-                <a:solidFill>
-                  <a:srgbClr val="0B2B91"/>
-                </a:solidFill>
-                <a:latin typeface="Consolas" charset="0"/>
-                <a:ea typeface="Consolas" charset="0"/>
-                <a:cs typeface="Consolas" charset="0"/>
-              </a:rPr>
-              <a:t>x = 4 * (3 * fact(2));</a:t>
-            </a:r>
-          </a:p>
-          <a:p>
-            <a:r>
-              <a:rPr lang="en-US" sz="2400" dirty="0">
-                <a:solidFill>
-                  <a:srgbClr val="0B2B91"/>
-                </a:solidFill>
-                <a:latin typeface="Consolas" charset="0"/>
-                <a:ea typeface="Consolas" charset="0"/>
-                <a:cs typeface="Consolas" charset="0"/>
-              </a:rPr>
-              <a:t>x = 4 * (3 * (2 * fact(1)));</a:t>
-            </a:r>
-          </a:p>
-          <a:p>
-            <a:r>
-              <a:rPr lang="en-US" sz="2400" dirty="0">
-                <a:solidFill>
-                  <a:srgbClr val="0B2B91"/>
-                </a:solidFill>
-                <a:latin typeface="Consolas" charset="0"/>
-                <a:ea typeface="Consolas" charset="0"/>
-                <a:cs typeface="Consolas" charset="0"/>
-              </a:rPr>
-              <a:t>x = 4 * (3 * (2 * (1 * (fact(0))));</a:t>
-            </a:r>
-          </a:p>
-          <a:p>
-            <a:r>
-              <a:rPr lang="en-US" sz="2400" dirty="0">
-                <a:solidFill>
-                  <a:srgbClr val="0B2B91"/>
-                </a:solidFill>
-                <a:latin typeface="Consolas" charset="0"/>
-                <a:ea typeface="Consolas" charset="0"/>
-                <a:cs typeface="Consolas" charset="0"/>
-              </a:rPr>
-              <a:t>x = 4 * (3 * (2 * (1 * (0 * (fact(-1) )))));</a:t>
-            </a:r>
-          </a:p>
-          <a:p>
-            <a:r>
-              <a:rPr lang="en-US" sz="2400" dirty="0">
-                <a:solidFill>
-                  <a:srgbClr val="0B2B91"/>
-                </a:solidFill>
-                <a:latin typeface="Consolas" charset="0"/>
-                <a:ea typeface="Consolas" charset="0"/>
-                <a:cs typeface="Consolas" charset="0"/>
-              </a:rPr>
-              <a:t>x = 4 * (3 * (2 * (1 * (0 * (-1 * fact(-2))))));</a:t>
-            </a:r>
-            <a:r>
-              <a:rPr lang="en-US" sz="2400" b="1" dirty="0">
-                <a:solidFill>
-                  <a:srgbClr val="0B2B91"/>
-                </a:solidFill>
-                <a:latin typeface="Consolas" charset="0"/>
-                <a:ea typeface="Consolas" charset="0"/>
-                <a:cs typeface="Consolas" charset="0"/>
-              </a:rPr>
-              <a:t> </a:t>
-            </a:r>
-          </a:p>
-          <a:p>
-            <a:r>
-              <a:rPr lang="en-US" sz="2400" b="1" dirty="0">
-                <a:solidFill>
-                  <a:srgbClr val="0B2B91"/>
-                </a:solidFill>
-                <a:latin typeface="Consolas" charset="0"/>
-                <a:ea typeface="Consolas" charset="0"/>
-                <a:cs typeface="Consolas" charset="0"/>
-              </a:rPr>
-              <a:t>… </a:t>
-            </a:r>
-          </a:p>
-        </p:txBody>
-      </p:sp>
-      <p:sp>
-        <p:nvSpPr>
-          <p:cNvPr id="5" name="TextBox 4"/>
-          <p:cNvSpPr txBox="1"/>
-          <p:nvPr/>
-        </p:nvSpPr>
-        <p:spPr>
-          <a:xfrm>
-            <a:off x="5454889" y="678240"/>
-            <a:ext cx="3230867" cy="2308324"/>
-          </a:xfrm>
-          <a:prstGeom prst="rect">
-            <a:avLst/>
-          </a:prstGeom>
-          <a:solidFill>
-            <a:schemeClr val="accent3">
-              <a:lumMod val="40000"/>
-              <a:lumOff val="60000"/>
-            </a:schemeClr>
-          </a:solidFill>
-        </p:spPr>
-        <p:txBody>
-          <a:bodyPr wrap="square" rtlCol="0">
-            <a:spAutoFit/>
-          </a:bodyPr>
-          <a:lstStyle/>
-          <a:p>
-            <a:r>
-              <a:rPr lang="en-US" sz="2400" dirty="0"/>
-              <a:t>If we remove the termination condition, the function will call itself infinite number of times.</a:t>
-            </a:r>
-          </a:p>
-        </p:txBody>
-      </p:sp>
-    </p:spTree>
-    <p:extLst>
-      <p:ext uri="{BB962C8B-B14F-4D97-AF65-F5344CB8AC3E}">
-        <p14:creationId xmlns:p14="http://schemas.microsoft.com/office/powerpoint/2010/main" val="624205418"/>
-      </p:ext>
-    </p:extLst>
-  </p:cSld>
-  <p:clrMapOvr>
-    <a:masterClrMapping/>
-  </p:clrMapOvr>
-</p:sld>
-</file>
-
 <file path=ppt/slides/slide3.xml><?xml version="1.0" encoding="utf-8"?>
 <p:sld xmlns:a="http://schemas.openxmlformats.org/drawingml/2006/main" xmlns:r="http://schemas.openxmlformats.org/officeDocument/2006/relationships" xmlns:p="http://schemas.openxmlformats.org/presentationml/2006/main">
   <p:cSld>
@@ -14240,7 +13984,12 @@
             <p:ph type="title"/>
           </p:nvPr>
         </p:nvSpPr>
-        <p:spPr/>
+        <p:spPr>
+          <a:xfrm>
+            <a:off x="381000" y="-136391"/>
+            <a:ext cx="7269480" cy="1325562"/>
+          </a:xfrm>
+        </p:spPr>
         <p:txBody>
           <a:bodyPr>
             <a:normAutofit/>
@@ -14249,7 +13998,7 @@
           <a:p>
             <a:r>
               <a:rPr lang="en-US" dirty="0"/>
-              <a:t>Example</a:t>
+              <a:t>Termination Condition - Example</a:t>
             </a:r>
           </a:p>
         </p:txBody>
@@ -14271,32 +14020,13 @@
           </a:bodyPr>
           <a:lstStyle/>
           <a:p>
-            <a:r>
-              <a:rPr lang="en-US" dirty="0"/>
-              <a:t>Write a recursive function that computes </a:t>
-            </a:r>
-            <a:r>
-              <a:rPr lang="en-US" dirty="0" err="1"/>
-              <a:t>x</a:t>
-            </a:r>
-            <a:r>
-              <a:rPr lang="en-US" baseline="30000" dirty="0" err="1"/>
-              <a:t>n</a:t>
-            </a:r>
-            <a:endParaRPr lang="en-US" baseline="30000" dirty="0"/>
-          </a:p>
-          <a:p>
-            <a:endParaRPr lang="en-US" baseline="30000" dirty="0"/>
-          </a:p>
-          <a:p>
-            <a:pPr lvl="1">
+            <a:pPr marL="0" indent="0">
               <a:buNone/>
             </a:pPr>
             <a:r>
-              <a:rPr lang="en-US" baseline="30000" dirty="0"/>
-              <a:t>		</a:t>
-            </a:r>
-            <a:endParaRPr lang="en-US" sz="3600" baseline="30000" dirty="0"/>
+              <a:rPr lang="en-US" dirty="0"/>
+              <a:t> </a:t>
+            </a:r>
           </a:p>
         </p:txBody>
       </p:sp>
@@ -14319,6 +14049,405 @@
               <a:rPr lang="en-US" smtClean="0"/>
               <a:pPr/>
               <a:t>30</a:t>
+            </a:fld>
+            <a:endParaRPr lang="en-US" dirty="0"/>
+          </a:p>
+        </p:txBody>
+      </p:sp>
+      <p:sp>
+        <p:nvSpPr>
+          <p:cNvPr id="4" name="TextBox 3"/>
+          <p:cNvSpPr txBox="1"/>
+          <p:nvPr/>
+        </p:nvSpPr>
+        <p:spPr>
+          <a:xfrm>
+            <a:off x="0" y="1295400"/>
+            <a:ext cx="5715000" cy="1569660"/>
+          </a:xfrm>
+          <a:prstGeom prst="rect">
+            <a:avLst/>
+          </a:prstGeom>
+          <a:noFill/>
+        </p:spPr>
+        <p:txBody>
+          <a:bodyPr wrap="square" rtlCol="0">
+            <a:spAutoFit/>
+          </a:bodyPr>
+          <a:lstStyle/>
+          <a:p>
+            <a:r>
+              <a:rPr lang="en-US" sz="3200" dirty="0" err="1">
+                <a:solidFill>
+                  <a:srgbClr val="0B2B91"/>
+                </a:solidFill>
+                <a:latin typeface="Consolas" charset="0"/>
+                <a:ea typeface="Consolas" charset="0"/>
+                <a:cs typeface="Consolas" charset="0"/>
+              </a:rPr>
+              <a:t>int</a:t>
+            </a:r>
+            <a:r>
+              <a:rPr lang="en-US" sz="3200" dirty="0">
+                <a:solidFill>
+                  <a:srgbClr val="0B2B91"/>
+                </a:solidFill>
+                <a:latin typeface="Consolas" charset="0"/>
+                <a:ea typeface="Consolas" charset="0"/>
+                <a:cs typeface="Consolas" charset="0"/>
+              </a:rPr>
+              <a:t> fact(</a:t>
+            </a:r>
+            <a:r>
+              <a:rPr lang="en-US" sz="3200" dirty="0" err="1">
+                <a:solidFill>
+                  <a:srgbClr val="0B2B91"/>
+                </a:solidFill>
+                <a:latin typeface="Consolas" charset="0"/>
+                <a:ea typeface="Consolas" charset="0"/>
+                <a:cs typeface="Consolas" charset="0"/>
+              </a:rPr>
+              <a:t>int</a:t>
+            </a:r>
+            <a:r>
+              <a:rPr lang="en-US" sz="3200" dirty="0">
+                <a:solidFill>
+                  <a:srgbClr val="0B2B91"/>
+                </a:solidFill>
+                <a:latin typeface="Consolas" charset="0"/>
+                <a:ea typeface="Consolas" charset="0"/>
+                <a:cs typeface="Consolas" charset="0"/>
+              </a:rPr>
+              <a:t> n) {</a:t>
+            </a:r>
+          </a:p>
+          <a:p>
+            <a:r>
+              <a:rPr lang="en-US" sz="3200" dirty="0">
+                <a:solidFill>
+                  <a:srgbClr val="0B2B91"/>
+                </a:solidFill>
+                <a:latin typeface="Consolas" charset="0"/>
+                <a:ea typeface="Consolas" charset="0"/>
+                <a:cs typeface="Consolas" charset="0"/>
+              </a:rPr>
+              <a:t>	return n*fact(n-1);</a:t>
+            </a:r>
+          </a:p>
+          <a:p>
+            <a:r>
+              <a:rPr lang="en-US" sz="3200" dirty="0">
+                <a:solidFill>
+                  <a:srgbClr val="0B2B91"/>
+                </a:solidFill>
+                <a:latin typeface="Consolas" charset="0"/>
+                <a:ea typeface="Consolas" charset="0"/>
+                <a:cs typeface="Consolas" charset="0"/>
+              </a:rPr>
+              <a:t>}</a:t>
+            </a:r>
+          </a:p>
+        </p:txBody>
+      </p:sp>
+      <p:sp>
+        <p:nvSpPr>
+          <p:cNvPr id="7" name="TextBox 6"/>
+          <p:cNvSpPr txBox="1"/>
+          <p:nvPr/>
+        </p:nvSpPr>
+        <p:spPr>
+          <a:xfrm>
+            <a:off x="152400" y="3398461"/>
+            <a:ext cx="8839200" cy="3046988"/>
+          </a:xfrm>
+          <a:prstGeom prst="rect">
+            <a:avLst/>
+          </a:prstGeom>
+          <a:noFill/>
+          <a:ln>
+            <a:solidFill>
+              <a:schemeClr val="bg1">
+                <a:lumMod val="50000"/>
+              </a:schemeClr>
+            </a:solidFill>
+            <a:prstDash val="dash"/>
+          </a:ln>
+        </p:spPr>
+        <p:txBody>
+          <a:bodyPr wrap="square" rtlCol="0">
+            <a:spAutoFit/>
+          </a:bodyPr>
+          <a:lstStyle/>
+          <a:p>
+            <a:r>
+              <a:rPr lang="en-US" sz="2400" dirty="0">
+                <a:solidFill>
+                  <a:srgbClr val="0B2B91"/>
+                </a:solidFill>
+                <a:latin typeface="Consolas" charset="0"/>
+                <a:ea typeface="Consolas" charset="0"/>
+                <a:cs typeface="Consolas" charset="0"/>
+              </a:rPr>
+              <a:t>x = fact(4);</a:t>
+            </a:r>
+          </a:p>
+          <a:p>
+            <a:r>
+              <a:rPr lang="en-US" sz="2400" dirty="0">
+                <a:solidFill>
+                  <a:srgbClr val="0B2B91"/>
+                </a:solidFill>
+                <a:latin typeface="Consolas" charset="0"/>
+                <a:ea typeface="Consolas" charset="0"/>
+                <a:cs typeface="Consolas" charset="0"/>
+              </a:rPr>
+              <a:t>x = 4 * fact(3);</a:t>
+            </a:r>
+          </a:p>
+          <a:p>
+            <a:r>
+              <a:rPr lang="en-US" sz="2400" dirty="0">
+                <a:solidFill>
+                  <a:srgbClr val="0B2B91"/>
+                </a:solidFill>
+                <a:latin typeface="Consolas" charset="0"/>
+                <a:ea typeface="Consolas" charset="0"/>
+                <a:cs typeface="Consolas" charset="0"/>
+              </a:rPr>
+              <a:t>x = 4 * (3 * fact(2));</a:t>
+            </a:r>
+          </a:p>
+          <a:p>
+            <a:r>
+              <a:rPr lang="en-US" sz="2400" dirty="0">
+                <a:solidFill>
+                  <a:srgbClr val="0B2B91"/>
+                </a:solidFill>
+                <a:latin typeface="Consolas" charset="0"/>
+                <a:ea typeface="Consolas" charset="0"/>
+                <a:cs typeface="Consolas" charset="0"/>
+              </a:rPr>
+              <a:t>x = 4 * (3 * (2 * fact(1)));</a:t>
+            </a:r>
+          </a:p>
+          <a:p>
+            <a:r>
+              <a:rPr lang="en-US" sz="2400" dirty="0">
+                <a:solidFill>
+                  <a:srgbClr val="0B2B91"/>
+                </a:solidFill>
+                <a:latin typeface="Consolas" charset="0"/>
+                <a:ea typeface="Consolas" charset="0"/>
+                <a:cs typeface="Consolas" charset="0"/>
+              </a:rPr>
+              <a:t>x = 4 * (3 * (2 * (1 * (fact(0))));</a:t>
+            </a:r>
+          </a:p>
+          <a:p>
+            <a:r>
+              <a:rPr lang="en-US" sz="2400" dirty="0">
+                <a:solidFill>
+                  <a:srgbClr val="0B2B91"/>
+                </a:solidFill>
+                <a:latin typeface="Consolas" charset="0"/>
+                <a:ea typeface="Consolas" charset="0"/>
+                <a:cs typeface="Consolas" charset="0"/>
+              </a:rPr>
+              <a:t>x = 4 * (3 * (2 * (1 * (0 * (fact(-1) )))));</a:t>
+            </a:r>
+          </a:p>
+          <a:p>
+            <a:r>
+              <a:rPr lang="en-US" sz="2400" dirty="0">
+                <a:solidFill>
+                  <a:srgbClr val="0B2B91"/>
+                </a:solidFill>
+                <a:latin typeface="Consolas" charset="0"/>
+                <a:ea typeface="Consolas" charset="0"/>
+                <a:cs typeface="Consolas" charset="0"/>
+              </a:rPr>
+              <a:t>x = 4 * (3 * (2 * (1 * (0 * (-1 * fact(-2))))));</a:t>
+            </a:r>
+            <a:r>
+              <a:rPr lang="en-US" sz="2400" b="1" dirty="0">
+                <a:solidFill>
+                  <a:srgbClr val="0B2B91"/>
+                </a:solidFill>
+                <a:latin typeface="Consolas" charset="0"/>
+                <a:ea typeface="Consolas" charset="0"/>
+                <a:cs typeface="Consolas" charset="0"/>
+              </a:rPr>
+              <a:t> </a:t>
+            </a:r>
+          </a:p>
+          <a:p>
+            <a:r>
+              <a:rPr lang="en-US" sz="2400" b="1" dirty="0">
+                <a:solidFill>
+                  <a:srgbClr val="0B2B91"/>
+                </a:solidFill>
+                <a:latin typeface="Consolas" charset="0"/>
+                <a:ea typeface="Consolas" charset="0"/>
+                <a:cs typeface="Consolas" charset="0"/>
+              </a:rPr>
+              <a:t>… </a:t>
+            </a:r>
+          </a:p>
+        </p:txBody>
+      </p:sp>
+      <p:sp>
+        <p:nvSpPr>
+          <p:cNvPr id="5" name="TextBox 4"/>
+          <p:cNvSpPr txBox="1"/>
+          <p:nvPr/>
+        </p:nvSpPr>
+        <p:spPr>
+          <a:xfrm>
+            <a:off x="5454889" y="678240"/>
+            <a:ext cx="3230867" cy="2308324"/>
+          </a:xfrm>
+          <a:prstGeom prst="rect">
+            <a:avLst/>
+          </a:prstGeom>
+          <a:solidFill>
+            <a:schemeClr val="accent3">
+              <a:lumMod val="40000"/>
+              <a:lumOff val="60000"/>
+            </a:schemeClr>
+          </a:solidFill>
+        </p:spPr>
+        <p:txBody>
+          <a:bodyPr wrap="square" rtlCol="0">
+            <a:spAutoFit/>
+          </a:bodyPr>
+          <a:lstStyle/>
+          <a:p>
+            <a:r>
+              <a:rPr lang="en-US" sz="2400" dirty="0"/>
+              <a:t>If we remove the termination condition, the function will call itself infinite number of times.</a:t>
+            </a:r>
+          </a:p>
+        </p:txBody>
+      </p:sp>
+    </p:spTree>
+    <p:extLst>
+      <p:ext uri="{BB962C8B-B14F-4D97-AF65-F5344CB8AC3E}">
+        <p14:creationId xmlns:p14="http://schemas.microsoft.com/office/powerpoint/2010/main" val="624205418"/>
+      </p:ext>
+    </p:extLst>
+  </p:cSld>
+  <p:clrMapOvr>
+    <a:masterClrMapping/>
+  </p:clrMapOvr>
+</p:sld>
+</file>
+
+<file path=ppt/slides/slide31.xml><?xml version="1.0" encoding="utf-8"?>
+<p:sld xmlns:a="http://schemas.openxmlformats.org/drawingml/2006/main" xmlns:r="http://schemas.openxmlformats.org/officeDocument/2006/relationships" xmlns:p="http://schemas.openxmlformats.org/presentationml/2006/main">
+  <p:cSld>
+    <p:spTree>
+      <p:nvGrpSpPr>
+        <p:cNvPr id="1" name=""/>
+        <p:cNvGrpSpPr/>
+        <p:nvPr/>
+      </p:nvGrpSpPr>
+      <p:grpSpPr>
+        <a:xfrm>
+          <a:off x="0" y="0"/>
+          <a:ext cx="0" cy="0"/>
+          <a:chOff x="0" y="0"/>
+          <a:chExt cx="0" cy="0"/>
+        </a:xfrm>
+      </p:grpSpPr>
+      <p:sp>
+        <p:nvSpPr>
+          <p:cNvPr id="2" name="Title 1"/>
+          <p:cNvSpPr>
+            <a:spLocks noGrp="1"/>
+          </p:cNvSpPr>
+          <p:nvPr>
+            <p:ph type="title"/>
+          </p:nvPr>
+        </p:nvSpPr>
+        <p:spPr/>
+        <p:txBody>
+          <a:bodyPr>
+            <a:normAutofit/>
+          </a:bodyPr>
+          <a:lstStyle/>
+          <a:p>
+            <a:r>
+              <a:rPr lang="en-US" dirty="0"/>
+              <a:t>Example</a:t>
+            </a:r>
+          </a:p>
+        </p:txBody>
+      </p:sp>
+      <p:sp>
+        <p:nvSpPr>
+          <p:cNvPr id="3" name="Content Placeholder 2"/>
+          <p:cNvSpPr>
+            <a:spLocks noGrp="1"/>
+          </p:cNvSpPr>
+          <p:nvPr>
+            <p:ph idx="1"/>
+          </p:nvPr>
+        </p:nvSpPr>
+        <p:spPr/>
+        <p:txBody>
+          <a:bodyPr>
+            <a:normAutofit/>
+          </a:bodyPr>
+          <a:lstStyle/>
+          <a:p>
+            <a:r>
+              <a:rPr lang="en-US" dirty="0"/>
+              <a:t>Write a recursive function that computes </a:t>
+            </a:r>
+            <a:r>
+              <a:rPr lang="en-US" dirty="0" err="1"/>
+              <a:t>x</a:t>
+            </a:r>
+            <a:r>
+              <a:rPr lang="en-US" baseline="30000" dirty="0" err="1"/>
+              <a:t>n</a:t>
+            </a:r>
+            <a:endParaRPr lang="en-US" baseline="30000" dirty="0"/>
+          </a:p>
+          <a:p>
+            <a:endParaRPr lang="en-US" baseline="30000" dirty="0"/>
+          </a:p>
+          <a:p>
+            <a:pPr lvl="1">
+              <a:buNone/>
+            </a:pPr>
+            <a:r>
+              <a:rPr lang="en-US" baseline="30000" dirty="0"/>
+              <a:t>		</a:t>
+            </a:r>
+            <a:endParaRPr lang="en-US" sz="3600" baseline="30000" dirty="0"/>
+          </a:p>
+        </p:txBody>
+      </p:sp>
+      <p:sp>
+        <p:nvSpPr>
+          <p:cNvPr id="12" name="Slide Number Placeholder 11"/>
+          <p:cNvSpPr>
+            <a:spLocks noGrp="1"/>
+          </p:cNvSpPr>
+          <p:nvPr>
+            <p:ph type="sldNum" sz="quarter" idx="12"/>
+          </p:nvPr>
+        </p:nvSpPr>
+        <p:spPr/>
+        <p:txBody>
+          <a:bodyPr/>
+          <a:lstStyle/>
+          <a:p>
+            <a:fld id="{B6F15528-21DE-4FAA-801E-634DDDAF4B2B}" type="slidenum">
+              <a:rPr lang="en-US" smtClean="0"/>
+              <a:pPr/>
+              <a:t>31</a:t>
             </a:fld>
             <a:endParaRPr lang="en-US" dirty="0"/>
           </a:p>
@@ -15170,304 +15299,6 @@
 </p:sld>
 </file>
 
-<file path=ppt/slides/slide31.xml><?xml version="1.0" encoding="utf-8"?>
-<p:sld xmlns:a="http://schemas.openxmlformats.org/drawingml/2006/main" xmlns:r="http://schemas.openxmlformats.org/officeDocument/2006/relationships" xmlns:p="http://schemas.openxmlformats.org/presentationml/2006/main">
-  <p:cSld>
-    <p:spTree>
-      <p:nvGrpSpPr>
-        <p:cNvPr id="1" name=""/>
-        <p:cNvGrpSpPr/>
-        <p:nvPr/>
-      </p:nvGrpSpPr>
-      <p:grpSpPr>
-        <a:xfrm>
-          <a:off x="0" y="0"/>
-          <a:ext cx="0" cy="0"/>
-          <a:chOff x="0" y="0"/>
-          <a:chExt cx="0" cy="0"/>
-        </a:xfrm>
-      </p:grpSpPr>
-      <p:sp>
-        <p:nvSpPr>
-          <p:cNvPr id="2" name="Title 1"/>
-          <p:cNvSpPr>
-            <a:spLocks noGrp="1"/>
-          </p:cNvSpPr>
-          <p:nvPr>
-            <p:ph type="title"/>
-          </p:nvPr>
-        </p:nvSpPr>
-        <p:spPr/>
-        <p:txBody>
-          <a:bodyPr>
-            <a:normAutofit/>
-          </a:bodyPr>
-          <a:lstStyle/>
-          <a:p>
-            <a:r>
-              <a:rPr lang="en-US"/>
-              <a:t>Solution</a:t>
-            </a:r>
-            <a:endParaRPr lang="en-US" dirty="0"/>
-          </a:p>
-        </p:txBody>
-      </p:sp>
-      <p:sp>
-        <p:nvSpPr>
-          <p:cNvPr id="3" name="Content Placeholder 2"/>
-          <p:cNvSpPr>
-            <a:spLocks noGrp="1"/>
-          </p:cNvSpPr>
-          <p:nvPr>
-            <p:ph idx="1"/>
-          </p:nvPr>
-        </p:nvSpPr>
-        <p:spPr/>
-        <p:txBody>
-          <a:bodyPr>
-            <a:normAutofit/>
-          </a:bodyPr>
-          <a:lstStyle/>
-          <a:p>
-            <a:r>
-              <a:rPr lang="en-US" dirty="0"/>
-              <a:t>Write a recursive function that computes x</a:t>
-            </a:r>
-            <a:r>
-              <a:rPr lang="en-US" baseline="30000" dirty="0"/>
-              <a:t>n</a:t>
-            </a:r>
-          </a:p>
-        </p:txBody>
-      </p:sp>
-      <p:sp>
-        <p:nvSpPr>
-          <p:cNvPr id="12" name="Slide Number Placeholder 11"/>
-          <p:cNvSpPr>
-            <a:spLocks noGrp="1"/>
-          </p:cNvSpPr>
-          <p:nvPr>
-            <p:ph type="sldNum" sz="quarter" idx="12"/>
-          </p:nvPr>
-        </p:nvSpPr>
-        <p:spPr/>
-        <p:txBody>
-          <a:bodyPr/>
-          <a:lstStyle/>
-          <a:p>
-            <a:fld id="{B6F15528-21DE-4FAA-801E-634DDDAF4B2B}" type="slidenum">
-              <a:rPr lang="en-US" smtClean="0"/>
-              <a:pPr/>
-              <a:t>31</a:t>
-            </a:fld>
-            <a:endParaRPr lang="en-US" dirty="0"/>
-          </a:p>
-        </p:txBody>
-      </p:sp>
-      <p:sp>
-        <p:nvSpPr>
-          <p:cNvPr id="4" name="TextBox 3"/>
-          <p:cNvSpPr txBox="1"/>
-          <p:nvPr/>
-        </p:nvSpPr>
-        <p:spPr>
-          <a:xfrm>
-            <a:off x="946403" y="2133600"/>
-            <a:ext cx="7494651" cy="3539430"/>
-          </a:xfrm>
-          <a:prstGeom prst="rect">
-            <a:avLst/>
-          </a:prstGeom>
-          <a:noFill/>
-        </p:spPr>
-        <p:txBody>
-          <a:bodyPr wrap="square" rtlCol="0">
-            <a:spAutoFit/>
-          </a:bodyPr>
-          <a:lstStyle/>
-          <a:p>
-            <a:r>
-              <a:rPr lang="en-US" sz="3200" dirty="0" err="1">
-                <a:solidFill>
-                  <a:srgbClr val="0B2B91"/>
-                </a:solidFill>
-                <a:latin typeface="Consolas" charset="0"/>
-                <a:ea typeface="Consolas" charset="0"/>
-                <a:cs typeface="Consolas" charset="0"/>
-              </a:rPr>
-              <a:t>int</a:t>
-            </a:r>
-            <a:r>
-              <a:rPr lang="en-US" sz="3200" dirty="0">
-                <a:solidFill>
-                  <a:srgbClr val="0B2B91"/>
-                </a:solidFill>
-                <a:latin typeface="Consolas" charset="0"/>
-                <a:ea typeface="Consolas" charset="0"/>
-                <a:cs typeface="Consolas" charset="0"/>
-              </a:rPr>
-              <a:t> power(</a:t>
-            </a:r>
-            <a:r>
-              <a:rPr lang="en-US" sz="3200" dirty="0" err="1">
-                <a:solidFill>
-                  <a:srgbClr val="0B2B91"/>
-                </a:solidFill>
-                <a:latin typeface="Consolas" charset="0"/>
-                <a:ea typeface="Consolas" charset="0"/>
-                <a:cs typeface="Consolas" charset="0"/>
-              </a:rPr>
-              <a:t>int</a:t>
-            </a:r>
-            <a:r>
-              <a:rPr lang="en-US" sz="3200" dirty="0">
-                <a:solidFill>
-                  <a:srgbClr val="0B2B91"/>
-                </a:solidFill>
-                <a:latin typeface="Consolas" charset="0"/>
-                <a:ea typeface="Consolas" charset="0"/>
-                <a:cs typeface="Consolas" charset="0"/>
-              </a:rPr>
-              <a:t> x, </a:t>
-            </a:r>
-            <a:r>
-              <a:rPr lang="en-US" sz="3200" dirty="0" err="1">
-                <a:solidFill>
-                  <a:srgbClr val="0B2B91"/>
-                </a:solidFill>
-                <a:latin typeface="Consolas" charset="0"/>
-                <a:ea typeface="Consolas" charset="0"/>
-                <a:cs typeface="Consolas" charset="0"/>
-              </a:rPr>
-              <a:t>int</a:t>
-            </a:r>
-            <a:r>
-              <a:rPr lang="en-US" sz="3200" dirty="0">
-                <a:solidFill>
-                  <a:srgbClr val="0B2B91"/>
-                </a:solidFill>
-                <a:latin typeface="Consolas" charset="0"/>
-                <a:ea typeface="Consolas" charset="0"/>
-                <a:cs typeface="Consolas" charset="0"/>
-              </a:rPr>
-              <a:t> n) {</a:t>
-            </a:r>
-          </a:p>
-          <a:p>
-            <a:r>
-              <a:rPr lang="en-US" sz="3200" dirty="0">
-                <a:solidFill>
-                  <a:srgbClr val="0B2B91"/>
-                </a:solidFill>
-                <a:latin typeface="Consolas" charset="0"/>
-                <a:ea typeface="Consolas" charset="0"/>
-                <a:cs typeface="Consolas" charset="0"/>
-              </a:rPr>
-              <a:t>    if (n == 0) {</a:t>
-            </a:r>
-          </a:p>
-          <a:p>
-            <a:r>
-              <a:rPr lang="en-US" sz="3200" dirty="0">
-                <a:solidFill>
-                  <a:srgbClr val="0B2B91"/>
-                </a:solidFill>
-                <a:latin typeface="Consolas" charset="0"/>
-                <a:ea typeface="Consolas" charset="0"/>
-                <a:cs typeface="Consolas" charset="0"/>
-              </a:rPr>
-              <a:t>        return 1;</a:t>
-            </a:r>
-          </a:p>
-          <a:p>
-            <a:r>
-              <a:rPr lang="en-US" sz="3200" dirty="0">
-                <a:solidFill>
-                  <a:srgbClr val="0B2B91"/>
-                </a:solidFill>
-                <a:latin typeface="Consolas" charset="0"/>
-                <a:ea typeface="Consolas" charset="0"/>
-                <a:cs typeface="Consolas" charset="0"/>
-              </a:rPr>
-              <a:t>    } else {</a:t>
-            </a:r>
-          </a:p>
-          <a:p>
-            <a:r>
-              <a:rPr lang="en-US" sz="3200" dirty="0">
-                <a:solidFill>
-                  <a:srgbClr val="0B2B91"/>
-                </a:solidFill>
-                <a:latin typeface="Consolas" charset="0"/>
-                <a:ea typeface="Consolas" charset="0"/>
-                <a:cs typeface="Consolas" charset="0"/>
-              </a:rPr>
-              <a:t>        return x*</a:t>
-            </a:r>
-            <a:r>
-              <a:rPr lang="en-US" sz="3200" dirty="0">
-                <a:solidFill>
-                  <a:srgbClr val="C00000"/>
-                </a:solidFill>
-                <a:latin typeface="Consolas" charset="0"/>
-                <a:ea typeface="Consolas" charset="0"/>
-                <a:cs typeface="Consolas" charset="0"/>
-              </a:rPr>
-              <a:t>power(x, n-1)</a:t>
-            </a:r>
-            <a:r>
-              <a:rPr lang="en-US" sz="3200" dirty="0">
-                <a:solidFill>
-                  <a:srgbClr val="0B2B91"/>
-                </a:solidFill>
-                <a:latin typeface="Consolas" charset="0"/>
-                <a:ea typeface="Consolas" charset="0"/>
-                <a:cs typeface="Consolas" charset="0"/>
-              </a:rPr>
-              <a:t>;</a:t>
-            </a:r>
-          </a:p>
-          <a:p>
-            <a:r>
-              <a:rPr lang="en-US" sz="3200" dirty="0">
-                <a:solidFill>
-                  <a:srgbClr val="0B2B91"/>
-                </a:solidFill>
-                <a:latin typeface="Consolas" charset="0"/>
-                <a:ea typeface="Consolas" charset="0"/>
-                <a:cs typeface="Consolas" charset="0"/>
-              </a:rPr>
-              <a:t>	}</a:t>
-            </a:r>
-          </a:p>
-          <a:p>
-            <a:r>
-              <a:rPr lang="en-US" sz="3200" dirty="0">
-                <a:solidFill>
-                  <a:srgbClr val="0B2B91"/>
-                </a:solidFill>
-                <a:latin typeface="Consolas" charset="0"/>
-                <a:ea typeface="Consolas" charset="0"/>
-                <a:cs typeface="Consolas" charset="0"/>
-              </a:rPr>
-              <a:t>}</a:t>
-            </a:r>
-          </a:p>
-        </p:txBody>
-      </p:sp>
-    </p:spTree>
-    <p:extLst>
-      <p:ext uri="{BB962C8B-B14F-4D97-AF65-F5344CB8AC3E}">
-        <p14:creationId xmlns:p14="http://schemas.microsoft.com/office/powerpoint/2010/main" val="65928882"/>
-      </p:ext>
-    </p:extLst>
-  </p:cSld>
-  <p:clrMapOvr>
-    <a:masterClrMapping/>
-  </p:clrMapOvr>
-</p:sld>
-</file>
-
 <file path=ppt/slides/slide32.xml><?xml version="1.0" encoding="utf-8"?>
 <p:sld xmlns:a="http://schemas.openxmlformats.org/drawingml/2006/main" xmlns:r="http://schemas.openxmlformats.org/officeDocument/2006/relationships" xmlns:p="http://schemas.openxmlformats.org/presentationml/2006/main">
   <p:cSld>
@@ -15503,9 +15334,10 @@
           <a:lstStyle/>
           <a:p>
             <a:r>
-              <a:rPr lang="en-US" dirty="0"/>
-              <a:t>Exercise</a:t>
-            </a:r>
+              <a:rPr lang="en-US"/>
+              <a:t>Solution</a:t>
+            </a:r>
+            <a:endParaRPr lang="en-US" dirty="0"/>
           </a:p>
         </p:txBody>
       </p:sp>
@@ -15527,31 +15359,13 @@
           <a:lstStyle/>
           <a:p>
             <a:r>
-              <a:rPr lang="en-US" sz="3000" dirty="0"/>
-              <a:t>Write a </a:t>
-            </a:r>
-            <a:r>
-              <a:rPr lang="en-US" sz="3000" u="sng" dirty="0"/>
-              <a:t>recursive</a:t>
-            </a:r>
-            <a:r>
-              <a:rPr lang="en-US" sz="3000" dirty="0"/>
-              <a:t> function prints numbers from 1 to n</a:t>
-            </a:r>
-            <a:endParaRPr lang="en-US" sz="3000" baseline="30000" dirty="0"/>
-          </a:p>
-          <a:p>
-            <a:endParaRPr lang="en-US" baseline="30000" dirty="0"/>
-          </a:p>
-          <a:p>
-            <a:pPr lvl="1">
-              <a:buNone/>
-            </a:pPr>
+              <a:rPr lang="en-US" dirty="0"/>
+              <a:t>Write a recursive function that computes x</a:t>
+            </a:r>
             <a:r>
               <a:rPr lang="en-US" baseline="30000" dirty="0"/>
-              <a:t>		</a:t>
-            </a:r>
-            <a:endParaRPr lang="en-US" sz="3600" baseline="30000" dirty="0"/>
+              <a:t>n</a:t>
+            </a:r>
           </a:p>
         </p:txBody>
       </p:sp>
@@ -15587,8 +15401,8 @@
         </p:nvSpPr>
         <p:spPr>
           <a:xfrm>
-            <a:off x="533400" y="3048000"/>
-            <a:ext cx="7339781" cy="2677656"/>
+            <a:off x="946403" y="2133600"/>
+            <a:ext cx="7494651" cy="3539430"/>
           </a:xfrm>
           <a:prstGeom prst="rect">
             <a:avLst/>
@@ -15601,44 +15415,10 @@
           </a:bodyPr>
           <a:lstStyle/>
           <a:p>
-            <a:pPr defTabSz="461963"/>
-            <a:r>
-              <a:rPr lang="en-US" sz="2800" dirty="0">
-                <a:solidFill>
-                  <a:srgbClr val="000099"/>
-                </a:solidFill>
-                <a:latin typeface="Consolas" charset="0"/>
-                <a:ea typeface="Consolas" charset="0"/>
-                <a:cs typeface="Consolas" charset="0"/>
-              </a:rPr>
-              <a:t>void </a:t>
-            </a:r>
-            <a:r>
-              <a:rPr lang="en-US" sz="2800" dirty="0" err="1">
-                <a:solidFill>
-                  <a:srgbClr val="000099"/>
-                </a:solidFill>
-                <a:latin typeface="Consolas" charset="0"/>
-                <a:ea typeface="Consolas" charset="0"/>
-                <a:cs typeface="Consolas" charset="0"/>
-              </a:rPr>
-              <a:t>countToN</a:t>
-            </a:r>
-            <a:r>
-              <a:rPr lang="en-US" sz="2800" dirty="0">
-                <a:solidFill>
-                  <a:srgbClr val="000099"/>
-                </a:solidFill>
-                <a:latin typeface="Consolas" charset="0"/>
-                <a:ea typeface="Consolas" charset="0"/>
-                <a:cs typeface="Consolas" charset="0"/>
-              </a:rPr>
-              <a:t>(</a:t>
-            </a:r>
-            <a:r>
-              <a:rPr lang="en-US" sz="2800" dirty="0" err="1">
-                <a:solidFill>
-                  <a:srgbClr val="000099"/>
+            <a:r>
+              <a:rPr lang="en-US" sz="3200" dirty="0" err="1">
+                <a:solidFill>
+                  <a:srgbClr val="0B2B91"/>
                 </a:solidFill>
                 <a:latin typeface="Consolas" charset="0"/>
                 <a:ea typeface="Consolas" charset="0"/>
@@ -15647,20 +15427,20 @@
               <a:t>int</a:t>
             </a:r>
             <a:r>
-              <a:rPr lang="en-US" sz="2800" dirty="0">
-                <a:solidFill>
-                  <a:srgbClr val="000099"/>
-                </a:solidFill>
-                <a:latin typeface="Consolas" charset="0"/>
-                <a:ea typeface="Consolas" charset="0"/>
-                <a:cs typeface="Consolas" charset="0"/>
-              </a:rPr>
-              <a:t> start, </a:t>
-            </a:r>
-            <a:r>
-              <a:rPr lang="en-US" sz="2800" dirty="0" err="1">
-                <a:solidFill>
-                  <a:srgbClr val="000099"/>
+              <a:rPr lang="en-US" sz="3200" dirty="0">
+                <a:solidFill>
+                  <a:srgbClr val="0B2B91"/>
+                </a:solidFill>
+                <a:latin typeface="Consolas" charset="0"/>
+                <a:ea typeface="Consolas" charset="0"/>
+                <a:cs typeface="Consolas" charset="0"/>
+              </a:rPr>
+              <a:t> power(</a:t>
+            </a:r>
+            <a:r>
+              <a:rPr lang="en-US" sz="3200" dirty="0" err="1">
+                <a:solidFill>
+                  <a:srgbClr val="0B2B91"/>
                 </a:solidFill>
                 <a:latin typeface="Consolas" charset="0"/>
                 <a:ea typeface="Consolas" charset="0"/>
@@ -15669,9 +15449,31 @@
               <a:t>int</a:t>
             </a:r>
             <a:r>
-              <a:rPr lang="en-US" sz="2800" dirty="0">
-                <a:solidFill>
-                  <a:srgbClr val="000099"/>
+              <a:rPr lang="en-US" sz="3200" dirty="0">
+                <a:solidFill>
+                  <a:srgbClr val="0B2B91"/>
+                </a:solidFill>
+                <a:latin typeface="Consolas" charset="0"/>
+                <a:ea typeface="Consolas" charset="0"/>
+                <a:cs typeface="Consolas" charset="0"/>
+              </a:rPr>
+              <a:t> x, </a:t>
+            </a:r>
+            <a:r>
+              <a:rPr lang="en-US" sz="3200" dirty="0" err="1">
+                <a:solidFill>
+                  <a:srgbClr val="0B2B91"/>
+                </a:solidFill>
+                <a:latin typeface="Consolas" charset="0"/>
+                <a:ea typeface="Consolas" charset="0"/>
+                <a:cs typeface="Consolas" charset="0"/>
+              </a:rPr>
+              <a:t>int</a:t>
+            </a:r>
+            <a:r>
+              <a:rPr lang="en-US" sz="3200" dirty="0">
+                <a:solidFill>
+                  <a:srgbClr val="0B2B91"/>
                 </a:solidFill>
                 <a:latin typeface="Consolas" charset="0"/>
                 <a:ea typeface="Consolas" charset="0"/>
@@ -15681,97 +15483,97 @@
             </a:r>
           </a:p>
           <a:p>
-            <a:pPr defTabSz="461963"/>
-            <a:r>
-              <a:rPr lang="en-US" sz="2800" dirty="0">
-                <a:solidFill>
-                  <a:srgbClr val="000099"/>
-                </a:solidFill>
-                <a:latin typeface="Consolas" charset="0"/>
-                <a:ea typeface="Consolas" charset="0"/>
-                <a:cs typeface="Consolas" charset="0"/>
-              </a:rPr>
-              <a:t>	</a:t>
-            </a:r>
-            <a:r>
-              <a:rPr lang="en-US" sz="2800" dirty="0" err="1">
-                <a:solidFill>
-                  <a:srgbClr val="000099"/>
-                </a:solidFill>
-                <a:latin typeface="Consolas" charset="0"/>
-                <a:ea typeface="Consolas" charset="0"/>
-                <a:cs typeface="Consolas" charset="0"/>
-              </a:rPr>
-              <a:t>printf</a:t>
-            </a:r>
-            <a:r>
-              <a:rPr lang="en-US" sz="2800" dirty="0">
-                <a:solidFill>
-                  <a:srgbClr val="000099"/>
-                </a:solidFill>
-                <a:latin typeface="Consolas" charset="0"/>
-                <a:ea typeface="Consolas" charset="0"/>
-                <a:cs typeface="Consolas" charset="0"/>
-              </a:rPr>
-              <a:t>(“%d\n”, start);</a:t>
-            </a:r>
-          </a:p>
-          <a:p>
-            <a:pPr defTabSz="461963"/>
-            <a:r>
-              <a:rPr lang="en-US" sz="2800" dirty="0">
-                <a:solidFill>
-                  <a:srgbClr val="000099"/>
-                </a:solidFill>
-                <a:latin typeface="Consolas" charset="0"/>
-                <a:ea typeface="Consolas" charset="0"/>
-                <a:cs typeface="Consolas" charset="0"/>
-              </a:rPr>
-              <a:t>	if (start &lt; n)	</a:t>
-            </a:r>
-          </a:p>
-          <a:p>
-            <a:pPr defTabSz="461963"/>
-            <a:r>
-              <a:rPr lang="en-US" sz="2800" dirty="0">
-                <a:solidFill>
-                  <a:srgbClr val="000099"/>
-                </a:solidFill>
-                <a:latin typeface="Consolas" charset="0"/>
-                <a:ea typeface="Consolas" charset="0"/>
-                <a:cs typeface="Consolas" charset="0"/>
-              </a:rPr>
-              <a:t>		</a:t>
-            </a:r>
-            <a:r>
-              <a:rPr lang="en-US" sz="2800" dirty="0" err="1">
-                <a:solidFill>
-                  <a:srgbClr val="000099"/>
-                </a:solidFill>
-                <a:latin typeface="Consolas" charset="0"/>
-                <a:ea typeface="Consolas" charset="0"/>
-                <a:cs typeface="Consolas" charset="0"/>
-              </a:rPr>
-              <a:t>countToN</a:t>
-            </a:r>
-            <a:r>
-              <a:rPr lang="en-US" sz="2800" dirty="0">
-                <a:solidFill>
-                  <a:srgbClr val="000099"/>
-                </a:solidFill>
-                <a:latin typeface="Consolas" charset="0"/>
-                <a:ea typeface="Consolas" charset="0"/>
-                <a:cs typeface="Consolas" charset="0"/>
-              </a:rPr>
-              <a:t>(start+1, n);</a:t>
-            </a:r>
-          </a:p>
-          <a:p>
-            <a:pPr defTabSz="461963"/>
-            <a:r>
-              <a:rPr lang="en-US" sz="2800" dirty="0">
-                <a:solidFill>
-                  <a:srgbClr val="000099"/>
+            <a:r>
+              <a:rPr lang="en-US" sz="3200" dirty="0">
+                <a:solidFill>
+                  <a:srgbClr val="0B2B91"/>
+                </a:solidFill>
+                <a:latin typeface="Consolas" charset="0"/>
+                <a:ea typeface="Consolas" charset="0"/>
+                <a:cs typeface="Consolas" charset="0"/>
+              </a:rPr>
+              <a:t>    if (n == 0) {</a:t>
+            </a:r>
+          </a:p>
+          <a:p>
+            <a:r>
+              <a:rPr lang="en-US" sz="3200" dirty="0">
+                <a:solidFill>
+                  <a:srgbClr val="0B2B91"/>
+                </a:solidFill>
+                <a:latin typeface="Consolas" charset="0"/>
+                <a:ea typeface="Consolas" charset="0"/>
+                <a:cs typeface="Consolas" charset="0"/>
+              </a:rPr>
+              <a:t>        return 1;</a:t>
+            </a:r>
+          </a:p>
+          <a:p>
+            <a:r>
+              <a:rPr lang="en-US" sz="3200" dirty="0">
+                <a:solidFill>
+                  <a:srgbClr val="0B2B91"/>
+                </a:solidFill>
+                <a:latin typeface="Consolas" charset="0"/>
+                <a:ea typeface="Consolas" charset="0"/>
+                <a:cs typeface="Consolas" charset="0"/>
+              </a:rPr>
+              <a:t>    } else {</a:t>
+            </a:r>
+          </a:p>
+          <a:p>
+            <a:r>
+              <a:rPr lang="en-US" sz="3200" dirty="0">
+                <a:solidFill>
+                  <a:srgbClr val="0B2B91"/>
+                </a:solidFill>
+                <a:latin typeface="Consolas" charset="0"/>
+                <a:ea typeface="Consolas" charset="0"/>
+                <a:cs typeface="Consolas" charset="0"/>
+              </a:rPr>
+              <a:t>        return x*</a:t>
+            </a:r>
+            <a:r>
+              <a:rPr lang="en-US" sz="3200" dirty="0">
+                <a:solidFill>
+                  <a:srgbClr val="C00000"/>
+                </a:solidFill>
+                <a:latin typeface="Consolas" charset="0"/>
+                <a:ea typeface="Consolas" charset="0"/>
+                <a:cs typeface="Consolas" charset="0"/>
+              </a:rPr>
+              <a:t>power(x, n-1)</a:t>
+            </a:r>
+            <a:r>
+              <a:rPr lang="en-US" sz="3200" dirty="0">
+                <a:solidFill>
+                  <a:srgbClr val="0B2B91"/>
+                </a:solidFill>
+                <a:latin typeface="Consolas" charset="0"/>
+                <a:ea typeface="Consolas" charset="0"/>
+                <a:cs typeface="Consolas" charset="0"/>
+              </a:rPr>
+              <a:t>;</a:t>
+            </a:r>
+          </a:p>
+          <a:p>
+            <a:r>
+              <a:rPr lang="en-US" sz="3200" dirty="0">
+                <a:solidFill>
+                  <a:srgbClr val="0B2B91"/>
+                </a:solidFill>
+                <a:latin typeface="Consolas" charset="0"/>
+                <a:ea typeface="Consolas" charset="0"/>
+                <a:cs typeface="Consolas" charset="0"/>
+              </a:rPr>
+              <a:t>	}</a:t>
+            </a:r>
+          </a:p>
+          <a:p>
+            <a:r>
+              <a:rPr lang="en-US" sz="3200" dirty="0">
+                <a:solidFill>
+                  <a:srgbClr val="0B2B91"/>
                 </a:solidFill>
                 <a:latin typeface="Consolas" charset="0"/>
                 <a:ea typeface="Consolas" charset="0"/>
@@ -15779,105 +15581,19 @@
               </a:rPr>
               <a:t>}</a:t>
             </a:r>
-          </a:p>
-          <a:p>
-            <a:pPr defTabSz="461963"/>
-            <a:endParaRPr lang="en-US" sz="2800" dirty="0">
-              <a:solidFill>
-                <a:srgbClr val="000099"/>
-              </a:solidFill>
-            </a:endParaRPr>
           </a:p>
         </p:txBody>
       </p:sp>
     </p:spTree>
     <p:extLst>
       <p:ext uri="{BB962C8B-B14F-4D97-AF65-F5344CB8AC3E}">
-        <p14:creationId xmlns:p14="http://schemas.microsoft.com/office/powerpoint/2010/main" val="2112641569"/>
+        <p14:creationId xmlns:p14="http://schemas.microsoft.com/office/powerpoint/2010/main" val="65928882"/>
       </p:ext>
     </p:extLst>
   </p:cSld>
   <p:clrMapOvr>
     <a:masterClrMapping/>
   </p:clrMapOvr>
-  <p:timing>
-    <p:tnLst>
-      <p:par>
-        <p:cTn id="1" dur="indefinite" restart="never" nodeType="tmRoot">
-          <p:childTnLst>
-            <p:seq concurrent="1" nextAc="seek">
-              <p:cTn id="2" dur="indefinite" nodeType="mainSeq">
-                <p:childTnLst>
-                  <p:par>
-                    <p:cTn id="3" fill="hold">
-                      <p:stCondLst>
-                        <p:cond delay="indefinite"/>
-                      </p:stCondLst>
-                      <p:childTnLst>
-                        <p:par>
-                          <p:cTn id="4" fill="hold">
-                            <p:stCondLst>
-                              <p:cond delay="0"/>
-                            </p:stCondLst>
-                            <p:childTnLst>
-                              <p:par>
-                                <p:cTn id="5" presetID="1" presetClass="entr" presetSubtype="0" fill="hold" grpId="0" nodeType="clickEffect">
-                                  <p:stCondLst>
-                                    <p:cond delay="0"/>
-                                  </p:stCondLst>
-                                  <p:childTnLst>
-                                    <p:set>
-                                      <p:cBhvr>
-                                        <p:cTn id="6" dur="1" fill="hold">
-                                          <p:stCondLst>
-                                            <p:cond delay="0"/>
-                                          </p:stCondLst>
-                                        </p:cTn>
-                                        <p:tgtEl>
-                                          <p:spTgt spid="4"/>
-                                        </p:tgtEl>
-                                        <p:attrNameLst>
-                                          <p:attrName>style.visibility</p:attrName>
-                                        </p:attrNameLst>
-                                      </p:cBhvr>
-                                      <p:to>
-                                        <p:strVal val="visible"/>
-                                      </p:to>
-                                    </p:set>
-                                  </p:childTnLst>
-                                </p:cTn>
-                              </p:par>
-                            </p:childTnLst>
-                          </p:cTn>
-                        </p:par>
-                      </p:childTnLst>
-                    </p:cTn>
-                  </p:par>
-                </p:childTnLst>
-              </p:cTn>
-              <p:prevCondLst>
-                <p:cond evt="onPrev" delay="0">
-                  <p:tgtEl>
-                    <p:sldTgt/>
-                  </p:tgtEl>
-                </p:cond>
-              </p:prevCondLst>
-              <p:nextCondLst>
-                <p:cond evt="onNext" delay="0">
-                  <p:tgtEl>
-                    <p:sldTgt/>
-                  </p:tgtEl>
-                </p:cond>
-              </p:nextCondLst>
-            </p:seq>
-          </p:childTnLst>
-        </p:cTn>
-      </p:par>
-    </p:tnLst>
-    <p:bldLst>
-      <p:bldP spid="4" grpId="0"/>
-    </p:bldLst>
-  </p:timing>
 </p:sld>
 </file>
 
@@ -15949,7 +15665,7 @@
             </a:r>
             <a:r>
               <a:rPr lang="en-US" sz="3000" dirty="0"/>
-              <a:t> function that computes the sum of all integers between 1 and n</a:t>
+              <a:t> function prints numbers from 1 to n</a:t>
             </a:r>
             <a:endParaRPr lang="en-US" sz="3000" baseline="30000" dirty="0"/>
           </a:p>
@@ -16000,8 +15716,8 @@
         </p:nvSpPr>
         <p:spPr>
           <a:xfrm>
-            <a:off x="1219200" y="4004469"/>
-            <a:ext cx="6996684" cy="954107"/>
+            <a:off x="533400" y="3048000"/>
+            <a:ext cx="7339781" cy="2677656"/>
           </a:xfrm>
           <a:prstGeom prst="rect">
             <a:avLst/>
@@ -16016,20 +15732,81 @@
           <a:p>
             <a:pPr defTabSz="461963"/>
             <a:r>
+              <a:rPr lang="en-US" sz="2800" dirty="0">
+                <a:solidFill>
+                  <a:srgbClr val="000099"/>
+                </a:solidFill>
+                <a:latin typeface="Consolas" charset="0"/>
+                <a:ea typeface="Consolas" charset="0"/>
+                <a:cs typeface="Consolas" charset="0"/>
+              </a:rPr>
+              <a:t>void </a:t>
+            </a:r>
+            <a:r>
               <a:rPr lang="en-US" sz="2800" dirty="0" err="1">
                 <a:solidFill>
                   <a:srgbClr val="000099"/>
                 </a:solidFill>
-              </a:rPr>
-              <a:t>Pseudocode</a:t>
+                <a:latin typeface="Consolas" charset="0"/>
+                <a:ea typeface="Consolas" charset="0"/>
+                <a:cs typeface="Consolas" charset="0"/>
+              </a:rPr>
+              <a:t>countToN</a:t>
             </a:r>
             <a:r>
               <a:rPr lang="en-US" sz="2800" dirty="0">
                 <a:solidFill>
                   <a:srgbClr val="000099"/>
                 </a:solidFill>
-              </a:rPr>
-              <a:t>:</a:t>
+                <a:latin typeface="Consolas" charset="0"/>
+                <a:ea typeface="Consolas" charset="0"/>
+                <a:cs typeface="Consolas" charset="0"/>
+              </a:rPr>
+              <a:t>(</a:t>
+            </a:r>
+            <a:r>
+              <a:rPr lang="en-US" sz="2800" dirty="0" err="1">
+                <a:solidFill>
+                  <a:srgbClr val="000099"/>
+                </a:solidFill>
+                <a:latin typeface="Consolas" charset="0"/>
+                <a:ea typeface="Consolas" charset="0"/>
+                <a:cs typeface="Consolas" charset="0"/>
+              </a:rPr>
+              <a:t>int</a:t>
+            </a:r>
+            <a:r>
+              <a:rPr lang="en-US" sz="2800" dirty="0">
+                <a:solidFill>
+                  <a:srgbClr val="000099"/>
+                </a:solidFill>
+                <a:latin typeface="Consolas" charset="0"/>
+                <a:ea typeface="Consolas" charset="0"/>
+                <a:cs typeface="Consolas" charset="0"/>
+              </a:rPr>
+              <a:t> start, </a:t>
+            </a:r>
+            <a:r>
+              <a:rPr lang="en-US" sz="2800" dirty="0" err="1">
+                <a:solidFill>
+                  <a:srgbClr val="000099"/>
+                </a:solidFill>
+                <a:latin typeface="Consolas" charset="0"/>
+                <a:ea typeface="Consolas" charset="0"/>
+                <a:cs typeface="Consolas" charset="0"/>
+              </a:rPr>
+              <a:t>int</a:t>
+            </a:r>
+            <a:r>
+              <a:rPr lang="en-US" sz="2800" dirty="0">
+                <a:solidFill>
+                  <a:srgbClr val="000099"/>
+                </a:solidFill>
+                <a:latin typeface="Consolas" charset="0"/>
+                <a:ea typeface="Consolas" charset="0"/>
+                <a:cs typeface="Consolas" charset="0"/>
+              </a:rPr>
+              <a:t> n) {</a:t>
             </a:r>
           </a:p>
           <a:p>
@@ -16039,16 +15816,113 @@
                 <a:solidFill>
                   <a:srgbClr val="000099"/>
                 </a:solidFill>
-              </a:rPr>
-              <a:t>Sum(from 1 to n) = n + Sum (from to n-1)</a:t>
-            </a:r>
+                <a:latin typeface="Consolas" charset="0"/>
+                <a:ea typeface="Consolas" charset="0"/>
+                <a:cs typeface="Consolas" charset="0"/>
+              </a:rPr>
+              <a:t>	</a:t>
+            </a:r>
+            <a:r>
+              <a:rPr lang="en-US" sz="2800" dirty="0" err="1">
+                <a:solidFill>
+                  <a:srgbClr val="000099"/>
+                </a:solidFill>
+                <a:latin typeface="Consolas" charset="0"/>
+                <a:ea typeface="Consolas" charset="0"/>
+                <a:cs typeface="Consolas" charset="0"/>
+              </a:rPr>
+              <a:t>printf</a:t>
+            </a:r>
+            <a:r>
+              <a:rPr lang="en-US" sz="2800" dirty="0">
+                <a:solidFill>
+                  <a:srgbClr val="000099"/>
+                </a:solidFill>
+                <a:latin typeface="Consolas" charset="0"/>
+                <a:ea typeface="Consolas" charset="0"/>
+                <a:cs typeface="Consolas" charset="0"/>
+              </a:rPr>
+              <a:t>(“%d\n”, start);</a:t>
+            </a:r>
+          </a:p>
+          <a:p>
+            <a:pPr defTabSz="461963"/>
+            <a:r>
+              <a:rPr lang="en-US" sz="2800" dirty="0">
+                <a:solidFill>
+                  <a:srgbClr val="000099"/>
+                </a:solidFill>
+                <a:latin typeface="Consolas" charset="0"/>
+                <a:ea typeface="Consolas" charset="0"/>
+                <a:cs typeface="Consolas" charset="0"/>
+              </a:rPr>
+              <a:t>	if (start &lt; n)	</a:t>
+            </a:r>
+          </a:p>
+          <a:p>
+            <a:pPr defTabSz="461963"/>
+            <a:r>
+              <a:rPr lang="en-US" sz="2800" dirty="0">
+                <a:solidFill>
+                  <a:srgbClr val="000099"/>
+                </a:solidFill>
+                <a:latin typeface="Consolas" charset="0"/>
+                <a:ea typeface="Consolas" charset="0"/>
+                <a:cs typeface="Consolas" charset="0"/>
+              </a:rPr>
+              <a:t>		</a:t>
+            </a:r>
+            <a:r>
+              <a:rPr lang="en-US" sz="2800" dirty="0" err="1">
+                <a:solidFill>
+                  <a:srgbClr val="000099"/>
+                </a:solidFill>
+                <a:latin typeface="Consolas" charset="0"/>
+                <a:ea typeface="Consolas" charset="0"/>
+                <a:cs typeface="Consolas" charset="0"/>
+              </a:rPr>
+              <a:t>countToN</a:t>
+            </a:r>
+            <a:r>
+              <a:rPr lang="en-US" sz="2800" dirty="0">
+                <a:solidFill>
+                  <a:srgbClr val="000099"/>
+                </a:solidFill>
+                <a:latin typeface="Consolas" charset="0"/>
+                <a:ea typeface="Consolas" charset="0"/>
+                <a:cs typeface="Consolas" charset="0"/>
+              </a:rPr>
+              <a:t>(start+1, n);</a:t>
+            </a:r>
+          </a:p>
+          <a:p>
+            <a:pPr defTabSz="461963"/>
+            <a:r>
+              <a:rPr lang="en-US" sz="2800" dirty="0">
+                <a:solidFill>
+                  <a:srgbClr val="000099"/>
+                </a:solidFill>
+                <a:latin typeface="Consolas" charset="0"/>
+                <a:ea typeface="Consolas" charset="0"/>
+                <a:cs typeface="Consolas" charset="0"/>
+              </a:rPr>
+              <a:t>}</a:t>
+            </a:r>
+          </a:p>
+          <a:p>
+            <a:pPr defTabSz="461963"/>
+            <a:endParaRPr lang="en-US" sz="2800" dirty="0">
+              <a:solidFill>
+                <a:srgbClr val="000099"/>
+              </a:solidFill>
+            </a:endParaRPr>
           </a:p>
         </p:txBody>
       </p:sp>
     </p:spTree>
     <p:extLst>
       <p:ext uri="{BB962C8B-B14F-4D97-AF65-F5344CB8AC3E}">
-        <p14:creationId xmlns:p14="http://schemas.microsoft.com/office/powerpoint/2010/main" val="672230685"/>
+        <p14:creationId xmlns:p14="http://schemas.microsoft.com/office/powerpoint/2010/main" val="2112641569"/>
       </p:ext>
     </p:extLst>
   </p:cSld>
@@ -16172,7 +16046,7 @@
           <a:p>
             <a:r>
               <a:rPr lang="en-US" dirty="0"/>
-              <a:t>Solution</a:t>
+              <a:t>Exercise</a:t>
             </a:r>
           </a:p>
         </p:txBody>
@@ -16255,8 +16129,8 @@
         </p:nvSpPr>
         <p:spPr>
           <a:xfrm>
-            <a:off x="1828800" y="3810000"/>
-            <a:ext cx="5867400" cy="2246769"/>
+            <a:off x="1219200" y="4004469"/>
+            <a:ext cx="6996684" cy="954107"/>
           </a:xfrm>
           <a:prstGeom prst="rect">
             <a:avLst/>
@@ -16275,100 +16149,27 @@
                 <a:solidFill>
                   <a:srgbClr val="000099"/>
                 </a:solidFill>
-                <a:latin typeface="Consolas" charset="0"/>
-                <a:ea typeface="Consolas" charset="0"/>
-                <a:cs typeface="Consolas" charset="0"/>
-              </a:rPr>
-              <a:t>int</a:t>
+              </a:rPr>
+              <a:t>Pseudocode</a:t>
             </a:r>
             <a:r>
               <a:rPr lang="en-US" sz="2800" dirty="0">
                 <a:solidFill>
                   <a:srgbClr val="000099"/>
                 </a:solidFill>
-                <a:latin typeface="Consolas" charset="0"/>
-                <a:ea typeface="Consolas" charset="0"/>
-                <a:cs typeface="Consolas" charset="0"/>
-              </a:rPr>
-              <a:t> sum (</a:t>
-            </a:r>
-            <a:r>
-              <a:rPr lang="en-US" sz="2800" dirty="0" err="1">
+              </a:rPr>
+              <a:t>:</a:t>
+            </a:r>
+          </a:p>
+          <a:p>
+            <a:pPr defTabSz="461963"/>
+            <a:r>
+              <a:rPr lang="en-US" sz="2800" dirty="0">
                 <a:solidFill>
                   <a:srgbClr val="000099"/>
                 </a:solidFill>
-                <a:latin typeface="Consolas" charset="0"/>
-                <a:ea typeface="Consolas" charset="0"/>
-                <a:cs typeface="Consolas" charset="0"/>
-              </a:rPr>
-              <a:t>int</a:t>
-            </a:r>
-            <a:r>
-              <a:rPr lang="en-US" sz="2800" dirty="0">
-                <a:solidFill>
-                  <a:srgbClr val="000099"/>
-                </a:solidFill>
-                <a:latin typeface="Consolas" charset="0"/>
-                <a:ea typeface="Consolas" charset="0"/>
-                <a:cs typeface="Consolas" charset="0"/>
-              </a:rPr>
-              <a:t> n) {</a:t>
-            </a:r>
-          </a:p>
-          <a:p>
-            <a:pPr defTabSz="461963"/>
-            <a:r>
-              <a:rPr lang="en-US" sz="2800" dirty="0">
-                <a:solidFill>
-                  <a:srgbClr val="000099"/>
-                </a:solidFill>
-                <a:latin typeface="Consolas" charset="0"/>
-                <a:ea typeface="Consolas" charset="0"/>
-                <a:cs typeface="Consolas" charset="0"/>
-              </a:rPr>
-              <a:t>	if (n == 1)</a:t>
-            </a:r>
-          </a:p>
-          <a:p>
-            <a:pPr defTabSz="461963"/>
-            <a:r>
-              <a:rPr lang="en-US" sz="2800" dirty="0">
-                <a:solidFill>
-                  <a:srgbClr val="000099"/>
-                </a:solidFill>
-                <a:latin typeface="Consolas" charset="0"/>
-                <a:ea typeface="Consolas" charset="0"/>
-                <a:cs typeface="Consolas" charset="0"/>
-              </a:rPr>
-              <a:t>		return 1;</a:t>
-            </a:r>
-          </a:p>
-          <a:p>
-            <a:pPr defTabSz="461963"/>
-            <a:r>
-              <a:rPr lang="en-US" sz="2800" dirty="0">
-                <a:solidFill>
-                  <a:srgbClr val="000099"/>
-                </a:solidFill>
-                <a:latin typeface="Consolas" charset="0"/>
-                <a:ea typeface="Consolas" charset="0"/>
-                <a:cs typeface="Consolas" charset="0"/>
-              </a:rPr>
-              <a:t>	return n + sum(n-1);</a:t>
-            </a:r>
-          </a:p>
-          <a:p>
-            <a:pPr defTabSz="461963"/>
-            <a:r>
-              <a:rPr lang="en-US" sz="2800" dirty="0">
-                <a:solidFill>
-                  <a:srgbClr val="000099"/>
-                </a:solidFill>
-                <a:latin typeface="Consolas" charset="0"/>
-                <a:ea typeface="Consolas" charset="0"/>
-                <a:cs typeface="Consolas" charset="0"/>
-              </a:rPr>
-              <a:t>}</a:t>
+              </a:rPr>
+              <a:t>Sum(from 1 to n) = n + Sum (from to n-1)</a:t>
             </a:r>
           </a:p>
         </p:txBody>
@@ -16376,13 +16177,91 @@
     </p:spTree>
     <p:extLst>
       <p:ext uri="{BB962C8B-B14F-4D97-AF65-F5344CB8AC3E}">
-        <p14:creationId xmlns:p14="http://schemas.microsoft.com/office/powerpoint/2010/main" val="269655928"/>
+        <p14:creationId xmlns:p14="http://schemas.microsoft.com/office/powerpoint/2010/main" val="672230685"/>
       </p:ext>
     </p:extLst>
   </p:cSld>
   <p:clrMapOvr>
     <a:masterClrMapping/>
   </p:clrMapOvr>
+  <p:timing>
+    <p:tnLst>
+      <p:par>
+        <p:cTn id="1" dur="indefinite" restart="never" nodeType="tmRoot">
+          <p:childTnLst>
+            <p:seq concurrent="1" nextAc="seek">
+              <p:cTn id="2" dur="indefinite" nodeType="mainSeq">
+                <p:childTnLst>
+                  <p:par>
+                    <p:cTn id="3" fill="hold">
+                      <p:stCondLst>
+                        <p:cond delay="indefinite"/>
+                      </p:stCondLst>
+                      <p:childTnLst>
+                        <p:par>
+                          <p:cTn id="4" fill="hold">
+                            <p:stCondLst>
+                              <p:cond delay="0"/>
+                            </p:stCondLst>
+                            <p:childTnLst>
+                              <p:par>
+                                <p:cTn id="5" presetID="1" presetClass="entr" presetSubtype="0" fill="hold" grpId="0" nodeType="clickEffect">
+                                  <p:stCondLst>
+                                    <p:cond delay="0"/>
+                                  </p:stCondLst>
+                                  <p:childTnLst>
+                                    <p:set>
+                                      <p:cBhvr>
+                                        <p:cTn id="6" dur="1" fill="hold">
+                                          <p:stCondLst>
+                                            <p:cond delay="0"/>
+                                          </p:stCondLst>
+                                        </p:cTn>
+                                        <p:tgtEl>
+                                          <p:spTgt spid="4"/>
+                                        </p:tgtEl>
+                                        <p:attrNameLst>
+                                          <p:attrName>style.visibility</p:attrName>
+                                        </p:attrNameLst>
+                                      </p:cBhvr>
+                                      <p:to>
+                                        <p:strVal val="visible"/>
+                                      </p:to>
+                                    </p:set>
+                                  </p:childTnLst>
+                                </p:cTn>
+                              </p:par>
+                            </p:childTnLst>
+                          </p:cTn>
+                        </p:par>
+                      </p:childTnLst>
+                    </p:cTn>
+                  </p:par>
+                </p:childTnLst>
+              </p:cTn>
+              <p:prevCondLst>
+                <p:cond evt="onPrev" delay="0">
+                  <p:tgtEl>
+                    <p:sldTgt/>
+                  </p:tgtEl>
+                </p:cond>
+              </p:prevCondLst>
+              <p:nextCondLst>
+                <p:cond evt="onNext" delay="0">
+                  <p:tgtEl>
+                    <p:sldTgt/>
+                  </p:tgtEl>
+                </p:cond>
+              </p:nextCondLst>
+            </p:seq>
+          </p:childTnLst>
+        </p:cTn>
+      </p:par>
+    </p:tnLst>
+    <p:bldLst>
+      <p:bldP spid="4" grpId="0"/>
+    </p:bldLst>
+  </p:timing>
 </p:sld>
 </file>
 
@@ -16422,7 +16301,7 @@
           <a:p>
             <a:r>
               <a:rPr lang="en-US" dirty="0"/>
-              <a:t>Exercise</a:t>
+              <a:t>Solution</a:t>
             </a:r>
           </a:p>
         </p:txBody>
@@ -16437,12 +16316,7 @@
             <p:ph idx="1"/>
           </p:nvPr>
         </p:nvSpPr>
-        <p:spPr>
-          <a:xfrm>
-            <a:off x="946404" y="1828801"/>
-            <a:ext cx="7587996" cy="4351337"/>
-          </a:xfrm>
-        </p:spPr>
+        <p:spPr/>
         <p:txBody>
           <a:bodyPr>
             <a:normAutofit/>
@@ -16455,11 +16329,11 @@
             </a:r>
             <a:r>
               <a:rPr lang="en-US" sz="3000" u="sng" dirty="0"/>
-              <a:t>non-recursive</a:t>
+              <a:t>recursive</a:t>
             </a:r>
             <a:r>
               <a:rPr lang="en-US" sz="3000" dirty="0"/>
-              <a:t> function that given an array of integers, counts the occurrences of the value 5 in it</a:t>
+              <a:t> function that computes the sum of all integers between 1 and n</a:t>
             </a:r>
             <a:endParaRPr lang="en-US" sz="3000" baseline="30000" dirty="0"/>
           </a:p>
@@ -16497,6 +16371,261 @@
               <a:rPr lang="en-US" smtClean="0"/>
               <a:pPr/>
               <a:t>35</a:t>
+            </a:fld>
+            <a:endParaRPr lang="en-US" dirty="0"/>
+          </a:p>
+        </p:txBody>
+      </p:sp>
+      <p:sp>
+        <p:nvSpPr>
+          <p:cNvPr id="4" name="TextBox 3"/>
+          <p:cNvSpPr txBox="1"/>
+          <p:nvPr/>
+        </p:nvSpPr>
+        <p:spPr>
+          <a:xfrm>
+            <a:off x="1828800" y="3810000"/>
+            <a:ext cx="5867400" cy="2246769"/>
+          </a:xfrm>
+          <a:prstGeom prst="rect">
+            <a:avLst/>
+          </a:prstGeom>
+          <a:noFill/>
+        </p:spPr>
+        <p:txBody>
+          <a:bodyPr wrap="square" rtlCol="0">
+            <a:spAutoFit/>
+          </a:bodyPr>
+          <a:lstStyle/>
+          <a:p>
+            <a:pPr defTabSz="461963"/>
+            <a:r>
+              <a:rPr lang="en-US" sz="2800" dirty="0" err="1">
+                <a:solidFill>
+                  <a:srgbClr val="000099"/>
+                </a:solidFill>
+                <a:latin typeface="Consolas" charset="0"/>
+                <a:ea typeface="Consolas" charset="0"/>
+                <a:cs typeface="Consolas" charset="0"/>
+              </a:rPr>
+              <a:t>int</a:t>
+            </a:r>
+            <a:r>
+              <a:rPr lang="en-US" sz="2800" dirty="0">
+                <a:solidFill>
+                  <a:srgbClr val="000099"/>
+                </a:solidFill>
+                <a:latin typeface="Consolas" charset="0"/>
+                <a:ea typeface="Consolas" charset="0"/>
+                <a:cs typeface="Consolas" charset="0"/>
+              </a:rPr>
+              <a:t> sum (</a:t>
+            </a:r>
+            <a:r>
+              <a:rPr lang="en-US" sz="2800" dirty="0" err="1">
+                <a:solidFill>
+                  <a:srgbClr val="000099"/>
+                </a:solidFill>
+                <a:latin typeface="Consolas" charset="0"/>
+                <a:ea typeface="Consolas" charset="0"/>
+                <a:cs typeface="Consolas" charset="0"/>
+              </a:rPr>
+              <a:t>int</a:t>
+            </a:r>
+            <a:r>
+              <a:rPr lang="en-US" sz="2800" dirty="0">
+                <a:solidFill>
+                  <a:srgbClr val="000099"/>
+                </a:solidFill>
+                <a:latin typeface="Consolas" charset="0"/>
+                <a:ea typeface="Consolas" charset="0"/>
+                <a:cs typeface="Consolas" charset="0"/>
+              </a:rPr>
+              <a:t> n) {</a:t>
+            </a:r>
+          </a:p>
+          <a:p>
+            <a:pPr defTabSz="461963"/>
+            <a:r>
+              <a:rPr lang="en-US" sz="2800" dirty="0">
+                <a:solidFill>
+                  <a:srgbClr val="000099"/>
+                </a:solidFill>
+                <a:latin typeface="Consolas" charset="0"/>
+                <a:ea typeface="Consolas" charset="0"/>
+                <a:cs typeface="Consolas" charset="0"/>
+              </a:rPr>
+              <a:t>	if (n == 1)</a:t>
+            </a:r>
+          </a:p>
+          <a:p>
+            <a:pPr defTabSz="461963"/>
+            <a:r>
+              <a:rPr lang="en-US" sz="2800" dirty="0">
+                <a:solidFill>
+                  <a:srgbClr val="000099"/>
+                </a:solidFill>
+                <a:latin typeface="Consolas" charset="0"/>
+                <a:ea typeface="Consolas" charset="0"/>
+                <a:cs typeface="Consolas" charset="0"/>
+              </a:rPr>
+              <a:t>		return 1;</a:t>
+            </a:r>
+          </a:p>
+          <a:p>
+            <a:pPr defTabSz="461963"/>
+            <a:r>
+              <a:rPr lang="en-US" sz="2800" dirty="0">
+                <a:solidFill>
+                  <a:srgbClr val="000099"/>
+                </a:solidFill>
+                <a:latin typeface="Consolas" charset="0"/>
+                <a:ea typeface="Consolas" charset="0"/>
+                <a:cs typeface="Consolas" charset="0"/>
+              </a:rPr>
+              <a:t>	return n + sum(n-1);</a:t>
+            </a:r>
+          </a:p>
+          <a:p>
+            <a:pPr defTabSz="461963"/>
+            <a:r>
+              <a:rPr lang="en-US" sz="2800" dirty="0">
+                <a:solidFill>
+                  <a:srgbClr val="000099"/>
+                </a:solidFill>
+                <a:latin typeface="Consolas" charset="0"/>
+                <a:ea typeface="Consolas" charset="0"/>
+                <a:cs typeface="Consolas" charset="0"/>
+              </a:rPr>
+              <a:t>}</a:t>
+            </a:r>
+          </a:p>
+        </p:txBody>
+      </p:sp>
+    </p:spTree>
+    <p:extLst>
+      <p:ext uri="{BB962C8B-B14F-4D97-AF65-F5344CB8AC3E}">
+        <p14:creationId xmlns:p14="http://schemas.microsoft.com/office/powerpoint/2010/main" val="269655928"/>
+      </p:ext>
+    </p:extLst>
+  </p:cSld>
+  <p:clrMapOvr>
+    <a:masterClrMapping/>
+  </p:clrMapOvr>
+</p:sld>
+</file>
+
+<file path=ppt/slides/slide36.xml><?xml version="1.0" encoding="utf-8"?>
+<p:sld xmlns:a="http://schemas.openxmlformats.org/drawingml/2006/main" xmlns:r="http://schemas.openxmlformats.org/officeDocument/2006/relationships" xmlns:p="http://schemas.openxmlformats.org/presentationml/2006/main">
+  <p:cSld>
+    <p:spTree>
+      <p:nvGrpSpPr>
+        <p:cNvPr id="1" name=""/>
+        <p:cNvGrpSpPr/>
+        <p:nvPr/>
+      </p:nvGrpSpPr>
+      <p:grpSpPr>
+        <a:xfrm>
+          <a:off x="0" y="0"/>
+          <a:ext cx="0" cy="0"/>
+          <a:chOff x="0" y="0"/>
+          <a:chExt cx="0" cy="0"/>
+        </a:xfrm>
+      </p:grpSpPr>
+      <p:sp>
+        <p:nvSpPr>
+          <p:cNvPr id="2" name="Title 1"/>
+          <p:cNvSpPr>
+            <a:spLocks noGrp="1"/>
+          </p:cNvSpPr>
+          <p:nvPr>
+            <p:ph type="title"/>
+          </p:nvPr>
+        </p:nvSpPr>
+        <p:spPr/>
+        <p:txBody>
+          <a:bodyPr>
+            <a:normAutofit/>
+          </a:bodyPr>
+          <a:lstStyle/>
+          <a:p>
+            <a:r>
+              <a:rPr lang="en-US" dirty="0"/>
+              <a:t>Exercise</a:t>
+            </a:r>
+          </a:p>
+        </p:txBody>
+      </p:sp>
+      <p:sp>
+        <p:nvSpPr>
+          <p:cNvPr id="3" name="Content Placeholder 2"/>
+          <p:cNvSpPr>
+            <a:spLocks noGrp="1"/>
+          </p:cNvSpPr>
+          <p:nvPr>
+            <p:ph idx="1"/>
+          </p:nvPr>
+        </p:nvSpPr>
+        <p:spPr>
+          <a:xfrm>
+            <a:off x="946404" y="1828801"/>
+            <a:ext cx="7587996" cy="4351337"/>
+          </a:xfrm>
+        </p:spPr>
+        <p:txBody>
+          <a:bodyPr>
+            <a:normAutofit/>
+          </a:bodyPr>
+          <a:lstStyle/>
+          <a:p>
+            <a:r>
+              <a:rPr lang="en-US" sz="3000" dirty="0"/>
+              <a:t>Write a </a:t>
+            </a:r>
+            <a:r>
+              <a:rPr lang="en-US" sz="3000" u="sng" dirty="0"/>
+              <a:t>non-recursive</a:t>
+            </a:r>
+            <a:r>
+              <a:rPr lang="en-US" sz="3000" dirty="0"/>
+              <a:t> function that given an array of integers, counts the occurrences of the value 5 in it</a:t>
+            </a:r>
+            <a:endParaRPr lang="en-US" sz="3000" baseline="30000" dirty="0"/>
+          </a:p>
+          <a:p>
+            <a:endParaRPr lang="en-US" baseline="30000" dirty="0"/>
+          </a:p>
+          <a:p>
+            <a:pPr lvl="1">
+              <a:buNone/>
+            </a:pPr>
+            <a:r>
+              <a:rPr lang="en-US" baseline="30000" dirty="0"/>
+              <a:t>		</a:t>
+            </a:r>
+            <a:endParaRPr lang="en-US" sz="3600" baseline="30000" dirty="0"/>
+          </a:p>
+        </p:txBody>
+      </p:sp>
+      <p:sp>
+        <p:nvSpPr>
+          <p:cNvPr id="12" name="Slide Number Placeholder 11"/>
+          <p:cNvSpPr>
+            <a:spLocks noGrp="1"/>
+          </p:cNvSpPr>
+          <p:nvPr>
+            <p:ph type="sldNum" sz="quarter" idx="12"/>
+          </p:nvPr>
+        </p:nvSpPr>
+        <p:spPr/>
+        <p:txBody>
+          <a:bodyPr/>
+          <a:lstStyle/>
+          <a:p>
+            <a:fld id="{B6F15528-21DE-4FAA-801E-634DDDAF4B2B}" type="slidenum">
+              <a:rPr lang="en-US" smtClean="0"/>
+              <a:pPr/>
+              <a:t>36</a:t>
             </a:fld>
             <a:endParaRPr lang="en-US" dirty="0"/>
           </a:p>
@@ -16854,7 +16983,7 @@
 </p:sld>
 </file>
 
-<file path=ppt/slides/slide36.xml><?xml version="1.0" encoding="utf-8"?>
+<file path=ppt/slides/slide37.xml><?xml version="1.0" encoding="utf-8"?>
 <p:sld xmlns:a="http://schemas.openxmlformats.org/drawingml/2006/main" xmlns:r="http://schemas.openxmlformats.org/officeDocument/2006/relationships" xmlns:p="http://schemas.openxmlformats.org/presentationml/2006/main">
   <p:cSld>
     <p:spTree>
@@ -16964,7 +17093,7 @@
             <a:fld id="{B6F15528-21DE-4FAA-801E-634DDDAF4B2B}" type="slidenum">
               <a:rPr lang="en-US" smtClean="0"/>
               <a:pPr/>
-              <a:t>36</a:t>
+              <a:t>37</a:t>
             </a:fld>
             <a:endParaRPr lang="en-US" dirty="0"/>
           </a:p>
@@ -17533,7 +17662,7 @@
 </p:sld>
 </file>
 
-<file path=ppt/slides/slide37.xml><?xml version="1.0" encoding="utf-8"?>
+<file path=ppt/slides/slide38.xml><?xml version="1.0" encoding="utf-8"?>
 <p:sld xmlns:a="http://schemas.openxmlformats.org/drawingml/2006/main" xmlns:r="http://schemas.openxmlformats.org/officeDocument/2006/relationships" xmlns:p="http://schemas.openxmlformats.org/presentationml/2006/main">
   <p:cSld>
     <p:spTree>
@@ -17643,7 +17772,7 @@
             <a:fld id="{B6F15528-21DE-4FAA-801E-634DDDAF4B2B}" type="slidenum">
               <a:rPr lang="en-US" smtClean="0"/>
               <a:pPr/>
-              <a:t>37</a:t>
+              <a:t>38</a:t>
             </a:fld>
             <a:endParaRPr lang="en-US" dirty="0"/>
           </a:p>
@@ -18017,431 +18146,6 @@
 </p:sld>
 </file>
 
-<file path=ppt/slides/slide38.xml><?xml version="1.0" encoding="utf-8"?>
-<p:sld xmlns:a="http://schemas.openxmlformats.org/drawingml/2006/main" xmlns:r="http://schemas.openxmlformats.org/officeDocument/2006/relationships" xmlns:p="http://schemas.openxmlformats.org/presentationml/2006/main">
-  <p:cSld>
-    <p:spTree>
-      <p:nvGrpSpPr>
-        <p:cNvPr id="1" name=""/>
-        <p:cNvGrpSpPr/>
-        <p:nvPr/>
-      </p:nvGrpSpPr>
-      <p:grpSpPr>
-        <a:xfrm>
-          <a:off x="0" y="0"/>
-          <a:ext cx="0" cy="0"/>
-          <a:chOff x="0" y="0"/>
-          <a:chExt cx="0" cy="0"/>
-        </a:xfrm>
-      </p:grpSpPr>
-      <p:sp>
-        <p:nvSpPr>
-          <p:cNvPr id="2" name="Title 1"/>
-          <p:cNvSpPr>
-            <a:spLocks noGrp="1"/>
-          </p:cNvSpPr>
-          <p:nvPr>
-            <p:ph type="title"/>
-          </p:nvPr>
-        </p:nvSpPr>
-        <p:spPr/>
-        <p:txBody>
-          <a:bodyPr>
-            <a:normAutofit/>
-          </a:bodyPr>
-          <a:lstStyle/>
-          <a:p>
-            <a:r>
-              <a:rPr lang="en-US" dirty="0"/>
-              <a:t>Solution</a:t>
-            </a:r>
-          </a:p>
-        </p:txBody>
-      </p:sp>
-      <p:sp>
-        <p:nvSpPr>
-          <p:cNvPr id="3" name="Content Placeholder 2"/>
-          <p:cNvSpPr>
-            <a:spLocks noGrp="1"/>
-          </p:cNvSpPr>
-          <p:nvPr>
-            <p:ph idx="1"/>
-          </p:nvPr>
-        </p:nvSpPr>
-        <p:spPr>
-          <a:xfrm>
-            <a:off x="946404" y="1828801"/>
-            <a:ext cx="7269480" cy="4351337"/>
-          </a:xfrm>
-        </p:spPr>
-        <p:txBody>
-          <a:bodyPr>
-            <a:normAutofit/>
-          </a:bodyPr>
-          <a:lstStyle/>
-          <a:p>
-            <a:r>
-              <a:rPr lang="en-US" sz="3000" dirty="0"/>
-              <a:t>Write a </a:t>
-            </a:r>
-            <a:r>
-              <a:rPr lang="en-US" sz="3000" u="sng" dirty="0"/>
-              <a:t>recursive</a:t>
-            </a:r>
-            <a:r>
-              <a:rPr lang="en-US" sz="3000" dirty="0"/>
-              <a:t> function that given an array of integers, counts the occurrences of the value 5 in it</a:t>
-            </a:r>
-            <a:endParaRPr lang="en-US" sz="3000" baseline="30000" dirty="0"/>
-          </a:p>
-          <a:p>
-            <a:endParaRPr lang="en-US" baseline="30000" dirty="0"/>
-          </a:p>
-          <a:p>
-            <a:pPr lvl="1">
-              <a:buNone/>
-            </a:pPr>
-            <a:r>
-              <a:rPr lang="en-US" baseline="30000" dirty="0"/>
-              <a:t>		</a:t>
-            </a:r>
-            <a:endParaRPr lang="en-US" sz="3600" baseline="30000" dirty="0"/>
-          </a:p>
-        </p:txBody>
-      </p:sp>
-      <p:sp>
-        <p:nvSpPr>
-          <p:cNvPr id="12" name="Slide Number Placeholder 11"/>
-          <p:cNvSpPr>
-            <a:spLocks noGrp="1"/>
-          </p:cNvSpPr>
-          <p:nvPr>
-            <p:ph type="sldNum" sz="quarter" idx="12"/>
-          </p:nvPr>
-        </p:nvSpPr>
-        <p:spPr/>
-        <p:txBody>
-          <a:bodyPr/>
-          <a:lstStyle/>
-          <a:p>
-            <a:fld id="{B6F15528-21DE-4FAA-801E-634DDDAF4B2B}" type="slidenum">
-              <a:rPr lang="en-US" smtClean="0"/>
-              <a:pPr/>
-              <a:t>38</a:t>
-            </a:fld>
-            <a:endParaRPr lang="en-US" dirty="0"/>
-          </a:p>
-        </p:txBody>
-      </p:sp>
-      <p:sp>
-        <p:nvSpPr>
-          <p:cNvPr id="4" name="TextBox 3"/>
-          <p:cNvSpPr txBox="1"/>
-          <p:nvPr/>
-        </p:nvSpPr>
-        <p:spPr>
-          <a:xfrm>
-            <a:off x="152400" y="3134163"/>
-            <a:ext cx="8974455" cy="3631763"/>
-          </a:xfrm>
-          <a:prstGeom prst="rect">
-            <a:avLst/>
-          </a:prstGeom>
-          <a:noFill/>
-        </p:spPr>
-        <p:txBody>
-          <a:bodyPr wrap="square" rtlCol="0">
-            <a:spAutoFit/>
-          </a:bodyPr>
-          <a:lstStyle/>
-          <a:p>
-            <a:r>
-              <a:rPr lang="en-US" sz="2300" dirty="0" err="1">
-                <a:solidFill>
-                  <a:srgbClr val="000099"/>
-                </a:solidFill>
-                <a:latin typeface="Consolas" charset="0"/>
-                <a:ea typeface="Consolas" charset="0"/>
-                <a:cs typeface="Consolas" charset="0"/>
-              </a:rPr>
-              <a:t>int</a:t>
-            </a:r>
-            <a:r>
-              <a:rPr lang="en-US" sz="2300" dirty="0">
-                <a:solidFill>
-                  <a:srgbClr val="000099"/>
-                </a:solidFill>
-                <a:latin typeface="Consolas" charset="0"/>
-                <a:ea typeface="Consolas" charset="0"/>
-                <a:cs typeface="Consolas" charset="0"/>
-              </a:rPr>
-              <a:t> </a:t>
-            </a:r>
-            <a:r>
-              <a:rPr lang="en-US" sz="2300" dirty="0" err="1">
-                <a:solidFill>
-                  <a:srgbClr val="000099"/>
-                </a:solidFill>
-                <a:latin typeface="Consolas" charset="0"/>
-                <a:ea typeface="Consolas" charset="0"/>
-                <a:cs typeface="Consolas" charset="0"/>
-              </a:rPr>
-              <a:t>countFives</a:t>
-            </a:r>
-            <a:r>
-              <a:rPr lang="en-US" sz="2300" dirty="0">
-                <a:solidFill>
-                  <a:srgbClr val="000099"/>
-                </a:solidFill>
-                <a:latin typeface="Consolas" charset="0"/>
-                <a:ea typeface="Consolas" charset="0"/>
-                <a:cs typeface="Consolas" charset="0"/>
-              </a:rPr>
-              <a:t>(</a:t>
-            </a:r>
-            <a:r>
-              <a:rPr lang="en-US" sz="2300" dirty="0" err="1">
-                <a:solidFill>
-                  <a:srgbClr val="000099"/>
-                </a:solidFill>
-                <a:latin typeface="Consolas" charset="0"/>
-                <a:ea typeface="Consolas" charset="0"/>
-                <a:cs typeface="Consolas" charset="0"/>
-              </a:rPr>
-              <a:t>int</a:t>
-            </a:r>
-            <a:r>
-              <a:rPr lang="en-US" sz="2300" dirty="0">
-                <a:solidFill>
-                  <a:srgbClr val="000099"/>
-                </a:solidFill>
-                <a:latin typeface="Consolas" charset="0"/>
-                <a:ea typeface="Consolas" charset="0"/>
-                <a:cs typeface="Consolas" charset="0"/>
-              </a:rPr>
-              <a:t> array[ ], </a:t>
-            </a:r>
-            <a:r>
-              <a:rPr lang="en-US" sz="2300" dirty="0" err="1">
-                <a:solidFill>
-                  <a:srgbClr val="000099"/>
-                </a:solidFill>
-                <a:latin typeface="Consolas" charset="0"/>
-                <a:ea typeface="Consolas" charset="0"/>
-                <a:cs typeface="Consolas" charset="0"/>
-              </a:rPr>
-              <a:t>int</a:t>
-            </a:r>
-            <a:r>
-              <a:rPr lang="en-US" sz="2300" dirty="0">
-                <a:solidFill>
-                  <a:srgbClr val="000099"/>
-                </a:solidFill>
-                <a:latin typeface="Consolas" charset="0"/>
-                <a:ea typeface="Consolas" charset="0"/>
-                <a:cs typeface="Consolas" charset="0"/>
-              </a:rPr>
-              <a:t> start, </a:t>
-            </a:r>
-            <a:r>
-              <a:rPr lang="en-US" sz="2300" dirty="0" err="1">
-                <a:solidFill>
-                  <a:srgbClr val="000099"/>
-                </a:solidFill>
-                <a:latin typeface="Consolas" charset="0"/>
-                <a:ea typeface="Consolas" charset="0"/>
-                <a:cs typeface="Consolas" charset="0"/>
-              </a:rPr>
-              <a:t>int</a:t>
-            </a:r>
-            <a:r>
-              <a:rPr lang="en-US" sz="2300" dirty="0">
-                <a:solidFill>
-                  <a:srgbClr val="000099"/>
-                </a:solidFill>
-                <a:latin typeface="Consolas" charset="0"/>
-                <a:ea typeface="Consolas" charset="0"/>
-                <a:cs typeface="Consolas" charset="0"/>
-              </a:rPr>
-              <a:t> n) {</a:t>
-            </a:r>
-          </a:p>
-          <a:p>
-            <a:r>
-              <a:rPr lang="en-US" sz="2300" dirty="0">
-                <a:solidFill>
-                  <a:srgbClr val="000099"/>
-                </a:solidFill>
-                <a:latin typeface="Consolas" charset="0"/>
-                <a:ea typeface="Consolas" charset="0"/>
-                <a:cs typeface="Consolas" charset="0"/>
-              </a:rPr>
-              <a:t>	</a:t>
-            </a:r>
-            <a:r>
-              <a:rPr lang="en-US" sz="2300" dirty="0" err="1">
-                <a:solidFill>
-                  <a:srgbClr val="000099"/>
-                </a:solidFill>
-                <a:latin typeface="Consolas" charset="0"/>
-                <a:ea typeface="Consolas" charset="0"/>
-                <a:cs typeface="Consolas" charset="0"/>
-              </a:rPr>
-              <a:t>int</a:t>
-            </a:r>
-            <a:r>
-              <a:rPr lang="en-US" sz="2300" dirty="0">
-                <a:solidFill>
-                  <a:srgbClr val="000099"/>
-                </a:solidFill>
-                <a:latin typeface="Consolas" charset="0"/>
-                <a:ea typeface="Consolas" charset="0"/>
-                <a:cs typeface="Consolas" charset="0"/>
-              </a:rPr>
-              <a:t> count = 0;</a:t>
-            </a:r>
-          </a:p>
-          <a:p>
-            <a:r>
-              <a:rPr lang="en-US" sz="2300" dirty="0">
-                <a:solidFill>
-                  <a:srgbClr val="000099"/>
-                </a:solidFill>
-                <a:latin typeface="Consolas" charset="0"/>
-                <a:ea typeface="Consolas" charset="0"/>
-                <a:cs typeface="Consolas" charset="0"/>
-              </a:rPr>
-              <a:t>	if (start == n) {</a:t>
-            </a:r>
-          </a:p>
-          <a:p>
-            <a:r>
-              <a:rPr lang="en-US" sz="2300" dirty="0">
-                <a:solidFill>
-                  <a:srgbClr val="000099"/>
-                </a:solidFill>
-                <a:latin typeface="Consolas" charset="0"/>
-                <a:ea typeface="Consolas" charset="0"/>
-                <a:cs typeface="Consolas" charset="0"/>
-              </a:rPr>
-              <a:t>		return 0;</a:t>
-            </a:r>
-          </a:p>
-          <a:p>
-            <a:r>
-              <a:rPr lang="en-US" sz="2300" dirty="0">
-                <a:solidFill>
-                  <a:srgbClr val="000099"/>
-                </a:solidFill>
-                <a:latin typeface="Consolas" charset="0"/>
-                <a:ea typeface="Consolas" charset="0"/>
-                <a:cs typeface="Consolas" charset="0"/>
-              </a:rPr>
-              <a:t>	}</a:t>
-            </a:r>
-          </a:p>
-          <a:p>
-            <a:r>
-              <a:rPr lang="en-US" sz="2300" dirty="0">
-                <a:solidFill>
-                  <a:srgbClr val="000099"/>
-                </a:solidFill>
-                <a:latin typeface="Consolas" charset="0"/>
-                <a:ea typeface="Consolas" charset="0"/>
-                <a:cs typeface="Consolas" charset="0"/>
-              </a:rPr>
-              <a:t>	if (array[start] == 5) {</a:t>
-            </a:r>
-          </a:p>
-          <a:p>
-            <a:r>
-              <a:rPr lang="en-US" sz="2300" dirty="0">
-                <a:solidFill>
-                  <a:srgbClr val="000099"/>
-                </a:solidFill>
-                <a:latin typeface="Consolas" charset="0"/>
-                <a:ea typeface="Consolas" charset="0"/>
-                <a:cs typeface="Consolas" charset="0"/>
-              </a:rPr>
-              <a:t>		count = 1;</a:t>
-            </a:r>
-          </a:p>
-          <a:p>
-            <a:r>
-              <a:rPr lang="en-US" sz="2300" dirty="0">
-                <a:solidFill>
-                  <a:srgbClr val="000099"/>
-                </a:solidFill>
-                <a:latin typeface="Consolas" charset="0"/>
-                <a:ea typeface="Consolas" charset="0"/>
-                <a:cs typeface="Consolas" charset="0"/>
-              </a:rPr>
-              <a:t>	}</a:t>
-            </a:r>
-          </a:p>
-          <a:p>
-            <a:r>
-              <a:rPr lang="en-US" sz="2300" dirty="0">
-                <a:solidFill>
-                  <a:srgbClr val="000099"/>
-                </a:solidFill>
-                <a:latin typeface="Consolas" charset="0"/>
-                <a:ea typeface="Consolas" charset="0"/>
-                <a:cs typeface="Consolas" charset="0"/>
-              </a:rPr>
-              <a:t>	return count + </a:t>
-            </a:r>
-            <a:r>
-              <a:rPr lang="en-US" sz="2300" dirty="0" err="1">
-                <a:solidFill>
-                  <a:srgbClr val="000099"/>
-                </a:solidFill>
-                <a:latin typeface="Consolas" charset="0"/>
-                <a:ea typeface="Consolas" charset="0"/>
-                <a:cs typeface="Consolas" charset="0"/>
-              </a:rPr>
-              <a:t>countFives</a:t>
-            </a:r>
-            <a:r>
-              <a:rPr lang="en-US" sz="2300" dirty="0">
-                <a:solidFill>
-                  <a:srgbClr val="000099"/>
-                </a:solidFill>
-                <a:latin typeface="Consolas" charset="0"/>
-                <a:ea typeface="Consolas" charset="0"/>
-                <a:cs typeface="Consolas" charset="0"/>
-              </a:rPr>
-              <a:t>(array, start+1, n);</a:t>
-            </a:r>
-          </a:p>
-          <a:p>
-            <a:r>
-              <a:rPr lang="en-US" sz="2300" dirty="0">
-                <a:solidFill>
-                  <a:srgbClr val="000099"/>
-                </a:solidFill>
-                <a:latin typeface="Consolas" charset="0"/>
-                <a:ea typeface="Consolas" charset="0"/>
-                <a:cs typeface="Consolas" charset="0"/>
-              </a:rPr>
-              <a:t>}</a:t>
-            </a:r>
-          </a:p>
-        </p:txBody>
-      </p:sp>
-    </p:spTree>
-    <p:extLst>
-      <p:ext uri="{BB962C8B-B14F-4D97-AF65-F5344CB8AC3E}">
-        <p14:creationId xmlns:p14="http://schemas.microsoft.com/office/powerpoint/2010/main" val="2042557902"/>
-      </p:ext>
-    </p:extLst>
-  </p:cSld>
-  <p:clrMapOvr>
-    <a:masterClrMapping/>
-  </p:clrMapOvr>
-</p:sld>
-</file>
-
 <file path=ppt/slides/slide39.xml><?xml version="1.0" encoding="utf-8"?>
 <p:sld xmlns:a="http://schemas.openxmlformats.org/drawingml/2006/main" xmlns:r="http://schemas.openxmlformats.org/officeDocument/2006/relationships" xmlns:p="http://schemas.openxmlformats.org/presentationml/2006/main">
   <p:cSld>
@@ -18478,7 +18182,7 @@
           <a:p>
             <a:r>
               <a:rPr lang="en-US" dirty="0"/>
-              <a:t>Exercise</a:t>
+              <a:t>Solution</a:t>
             </a:r>
           </a:p>
         </p:txBody>
@@ -18495,8 +18199,8 @@
         </p:nvSpPr>
         <p:spPr>
           <a:xfrm>
-            <a:off x="946403" y="1828801"/>
-            <a:ext cx="7494651" cy="4351337"/>
+            <a:off x="946404" y="1828801"/>
+            <a:ext cx="7269480" cy="4351337"/>
           </a:xfrm>
         </p:spPr>
         <p:txBody>
@@ -18515,7 +18219,7 @@
             </a:r>
             <a:r>
               <a:rPr lang="en-US" sz="3000" dirty="0"/>
-              <a:t> function that finds the minimum number in a given array</a:t>
+              <a:t> function that given an array of integers, counts the occurrences of the value 5 in it</a:t>
             </a:r>
             <a:endParaRPr lang="en-US" sz="3000" baseline="30000" dirty="0"/>
           </a:p>
@@ -18553,6 +18257,561 @@
               <a:rPr lang="en-US" smtClean="0"/>
               <a:pPr/>
               <a:t>39</a:t>
+            </a:fld>
+            <a:endParaRPr lang="en-US" dirty="0"/>
+          </a:p>
+        </p:txBody>
+      </p:sp>
+      <p:sp>
+        <p:nvSpPr>
+          <p:cNvPr id="4" name="TextBox 3"/>
+          <p:cNvSpPr txBox="1"/>
+          <p:nvPr/>
+        </p:nvSpPr>
+        <p:spPr>
+          <a:xfrm>
+            <a:off x="152400" y="3134163"/>
+            <a:ext cx="8974455" cy="3631763"/>
+          </a:xfrm>
+          <a:prstGeom prst="rect">
+            <a:avLst/>
+          </a:prstGeom>
+          <a:noFill/>
+        </p:spPr>
+        <p:txBody>
+          <a:bodyPr wrap="square" rtlCol="0">
+            <a:spAutoFit/>
+          </a:bodyPr>
+          <a:lstStyle/>
+          <a:p>
+            <a:r>
+              <a:rPr lang="en-US" sz="2300" dirty="0" err="1">
+                <a:solidFill>
+                  <a:srgbClr val="000099"/>
+                </a:solidFill>
+                <a:latin typeface="Consolas" charset="0"/>
+                <a:ea typeface="Consolas" charset="0"/>
+                <a:cs typeface="Consolas" charset="0"/>
+              </a:rPr>
+              <a:t>int</a:t>
+            </a:r>
+            <a:r>
+              <a:rPr lang="en-US" sz="2300" dirty="0">
+                <a:solidFill>
+                  <a:srgbClr val="000099"/>
+                </a:solidFill>
+                <a:latin typeface="Consolas" charset="0"/>
+                <a:ea typeface="Consolas" charset="0"/>
+                <a:cs typeface="Consolas" charset="0"/>
+              </a:rPr>
+              <a:t> </a:t>
+            </a:r>
+            <a:r>
+              <a:rPr lang="en-US" sz="2300" dirty="0" err="1">
+                <a:solidFill>
+                  <a:srgbClr val="000099"/>
+                </a:solidFill>
+                <a:latin typeface="Consolas" charset="0"/>
+                <a:ea typeface="Consolas" charset="0"/>
+                <a:cs typeface="Consolas" charset="0"/>
+              </a:rPr>
+              <a:t>countFives</a:t>
+            </a:r>
+            <a:r>
+              <a:rPr lang="en-US" sz="2300" dirty="0">
+                <a:solidFill>
+                  <a:srgbClr val="000099"/>
+                </a:solidFill>
+                <a:latin typeface="Consolas" charset="0"/>
+                <a:ea typeface="Consolas" charset="0"/>
+                <a:cs typeface="Consolas" charset="0"/>
+              </a:rPr>
+              <a:t>(</a:t>
+            </a:r>
+            <a:r>
+              <a:rPr lang="en-US" sz="2300" dirty="0" err="1">
+                <a:solidFill>
+                  <a:srgbClr val="000099"/>
+                </a:solidFill>
+                <a:latin typeface="Consolas" charset="0"/>
+                <a:ea typeface="Consolas" charset="0"/>
+                <a:cs typeface="Consolas" charset="0"/>
+              </a:rPr>
+              <a:t>int</a:t>
+            </a:r>
+            <a:r>
+              <a:rPr lang="en-US" sz="2300" dirty="0">
+                <a:solidFill>
+                  <a:srgbClr val="000099"/>
+                </a:solidFill>
+                <a:latin typeface="Consolas" charset="0"/>
+                <a:ea typeface="Consolas" charset="0"/>
+                <a:cs typeface="Consolas" charset="0"/>
+              </a:rPr>
+              <a:t> array[ ], </a:t>
+            </a:r>
+            <a:r>
+              <a:rPr lang="en-US" sz="2300" dirty="0" err="1">
+                <a:solidFill>
+                  <a:srgbClr val="000099"/>
+                </a:solidFill>
+                <a:latin typeface="Consolas" charset="0"/>
+                <a:ea typeface="Consolas" charset="0"/>
+                <a:cs typeface="Consolas" charset="0"/>
+              </a:rPr>
+              <a:t>int</a:t>
+            </a:r>
+            <a:r>
+              <a:rPr lang="en-US" sz="2300" dirty="0">
+                <a:solidFill>
+                  <a:srgbClr val="000099"/>
+                </a:solidFill>
+                <a:latin typeface="Consolas" charset="0"/>
+                <a:ea typeface="Consolas" charset="0"/>
+                <a:cs typeface="Consolas" charset="0"/>
+              </a:rPr>
+              <a:t> start, </a:t>
+            </a:r>
+            <a:r>
+              <a:rPr lang="en-US" sz="2300" dirty="0" err="1">
+                <a:solidFill>
+                  <a:srgbClr val="000099"/>
+                </a:solidFill>
+                <a:latin typeface="Consolas" charset="0"/>
+                <a:ea typeface="Consolas" charset="0"/>
+                <a:cs typeface="Consolas" charset="0"/>
+              </a:rPr>
+              <a:t>int</a:t>
+            </a:r>
+            <a:r>
+              <a:rPr lang="en-US" sz="2300" dirty="0">
+                <a:solidFill>
+                  <a:srgbClr val="000099"/>
+                </a:solidFill>
+                <a:latin typeface="Consolas" charset="0"/>
+                <a:ea typeface="Consolas" charset="0"/>
+                <a:cs typeface="Consolas" charset="0"/>
+              </a:rPr>
+              <a:t> n) {</a:t>
+            </a:r>
+          </a:p>
+          <a:p>
+            <a:r>
+              <a:rPr lang="en-US" sz="2300" dirty="0">
+                <a:solidFill>
+                  <a:srgbClr val="000099"/>
+                </a:solidFill>
+                <a:latin typeface="Consolas" charset="0"/>
+                <a:ea typeface="Consolas" charset="0"/>
+                <a:cs typeface="Consolas" charset="0"/>
+              </a:rPr>
+              <a:t>	</a:t>
+            </a:r>
+            <a:r>
+              <a:rPr lang="en-US" sz="2300" dirty="0" err="1">
+                <a:solidFill>
+                  <a:srgbClr val="000099"/>
+                </a:solidFill>
+                <a:latin typeface="Consolas" charset="0"/>
+                <a:ea typeface="Consolas" charset="0"/>
+                <a:cs typeface="Consolas" charset="0"/>
+              </a:rPr>
+              <a:t>int</a:t>
+            </a:r>
+            <a:r>
+              <a:rPr lang="en-US" sz="2300" dirty="0">
+                <a:solidFill>
+                  <a:srgbClr val="000099"/>
+                </a:solidFill>
+                <a:latin typeface="Consolas" charset="0"/>
+                <a:ea typeface="Consolas" charset="0"/>
+                <a:cs typeface="Consolas" charset="0"/>
+              </a:rPr>
+              <a:t> count = 0;</a:t>
+            </a:r>
+          </a:p>
+          <a:p>
+            <a:r>
+              <a:rPr lang="en-US" sz="2300" dirty="0">
+                <a:solidFill>
+                  <a:srgbClr val="000099"/>
+                </a:solidFill>
+                <a:latin typeface="Consolas" charset="0"/>
+                <a:ea typeface="Consolas" charset="0"/>
+                <a:cs typeface="Consolas" charset="0"/>
+              </a:rPr>
+              <a:t>	if (start == n) {</a:t>
+            </a:r>
+          </a:p>
+          <a:p>
+            <a:r>
+              <a:rPr lang="en-US" sz="2300" dirty="0">
+                <a:solidFill>
+                  <a:srgbClr val="000099"/>
+                </a:solidFill>
+                <a:latin typeface="Consolas" charset="0"/>
+                <a:ea typeface="Consolas" charset="0"/>
+                <a:cs typeface="Consolas" charset="0"/>
+              </a:rPr>
+              <a:t>		return 0;</a:t>
+            </a:r>
+          </a:p>
+          <a:p>
+            <a:r>
+              <a:rPr lang="en-US" sz="2300" dirty="0">
+                <a:solidFill>
+                  <a:srgbClr val="000099"/>
+                </a:solidFill>
+                <a:latin typeface="Consolas" charset="0"/>
+                <a:ea typeface="Consolas" charset="0"/>
+                <a:cs typeface="Consolas" charset="0"/>
+              </a:rPr>
+              <a:t>	}</a:t>
+            </a:r>
+          </a:p>
+          <a:p>
+            <a:r>
+              <a:rPr lang="en-US" sz="2300" dirty="0">
+                <a:solidFill>
+                  <a:srgbClr val="000099"/>
+                </a:solidFill>
+                <a:latin typeface="Consolas" charset="0"/>
+                <a:ea typeface="Consolas" charset="0"/>
+                <a:cs typeface="Consolas" charset="0"/>
+              </a:rPr>
+              <a:t>	if (array[start] == 5) {</a:t>
+            </a:r>
+          </a:p>
+          <a:p>
+            <a:r>
+              <a:rPr lang="en-US" sz="2300" dirty="0">
+                <a:solidFill>
+                  <a:srgbClr val="000099"/>
+                </a:solidFill>
+                <a:latin typeface="Consolas" charset="0"/>
+                <a:ea typeface="Consolas" charset="0"/>
+                <a:cs typeface="Consolas" charset="0"/>
+              </a:rPr>
+              <a:t>		count = 1;</a:t>
+            </a:r>
+          </a:p>
+          <a:p>
+            <a:r>
+              <a:rPr lang="en-US" sz="2300" dirty="0">
+                <a:solidFill>
+                  <a:srgbClr val="000099"/>
+                </a:solidFill>
+                <a:latin typeface="Consolas" charset="0"/>
+                <a:ea typeface="Consolas" charset="0"/>
+                <a:cs typeface="Consolas" charset="0"/>
+              </a:rPr>
+              <a:t>	}</a:t>
+            </a:r>
+          </a:p>
+          <a:p>
+            <a:r>
+              <a:rPr lang="en-US" sz="2300" dirty="0">
+                <a:solidFill>
+                  <a:srgbClr val="000099"/>
+                </a:solidFill>
+                <a:latin typeface="Consolas" charset="0"/>
+                <a:ea typeface="Consolas" charset="0"/>
+                <a:cs typeface="Consolas" charset="0"/>
+              </a:rPr>
+              <a:t>	return count + </a:t>
+            </a:r>
+            <a:r>
+              <a:rPr lang="en-US" sz="2300" dirty="0" err="1">
+                <a:solidFill>
+                  <a:srgbClr val="000099"/>
+                </a:solidFill>
+                <a:latin typeface="Consolas" charset="0"/>
+                <a:ea typeface="Consolas" charset="0"/>
+                <a:cs typeface="Consolas" charset="0"/>
+              </a:rPr>
+              <a:t>countFives</a:t>
+            </a:r>
+            <a:r>
+              <a:rPr lang="en-US" sz="2300" dirty="0">
+                <a:solidFill>
+                  <a:srgbClr val="000099"/>
+                </a:solidFill>
+                <a:latin typeface="Consolas" charset="0"/>
+                <a:ea typeface="Consolas" charset="0"/>
+                <a:cs typeface="Consolas" charset="0"/>
+              </a:rPr>
+              <a:t>(array, start+1, n);</a:t>
+            </a:r>
+          </a:p>
+          <a:p>
+            <a:r>
+              <a:rPr lang="en-US" sz="2300" dirty="0">
+                <a:solidFill>
+                  <a:srgbClr val="000099"/>
+                </a:solidFill>
+                <a:latin typeface="Consolas" charset="0"/>
+                <a:ea typeface="Consolas" charset="0"/>
+                <a:cs typeface="Consolas" charset="0"/>
+              </a:rPr>
+              <a:t>}</a:t>
+            </a:r>
+          </a:p>
+        </p:txBody>
+      </p:sp>
+    </p:spTree>
+    <p:extLst>
+      <p:ext uri="{BB962C8B-B14F-4D97-AF65-F5344CB8AC3E}">
+        <p14:creationId xmlns:p14="http://schemas.microsoft.com/office/powerpoint/2010/main" val="2042557902"/>
+      </p:ext>
+    </p:extLst>
+  </p:cSld>
+  <p:clrMapOvr>
+    <a:masterClrMapping/>
+  </p:clrMapOvr>
+</p:sld>
+</file>
+
+<file path=ppt/slides/slide4.xml><?xml version="1.0" encoding="utf-8"?>
+<p:sld xmlns:a="http://schemas.openxmlformats.org/drawingml/2006/main" xmlns:r="http://schemas.openxmlformats.org/officeDocument/2006/relationships" xmlns:p="http://schemas.openxmlformats.org/presentationml/2006/main">
+  <p:cSld>
+    <p:spTree>
+      <p:nvGrpSpPr>
+        <p:cNvPr id="1" name=""/>
+        <p:cNvGrpSpPr/>
+        <p:nvPr/>
+      </p:nvGrpSpPr>
+      <p:grpSpPr>
+        <a:xfrm>
+          <a:off x="0" y="0"/>
+          <a:ext cx="0" cy="0"/>
+          <a:chOff x="0" y="0"/>
+          <a:chExt cx="0" cy="0"/>
+        </a:xfrm>
+      </p:grpSpPr>
+      <p:sp>
+        <p:nvSpPr>
+          <p:cNvPr id="2" name="Title 1"/>
+          <p:cNvSpPr>
+            <a:spLocks noGrp="1"/>
+          </p:cNvSpPr>
+          <p:nvPr>
+            <p:ph type="title"/>
+          </p:nvPr>
+        </p:nvSpPr>
+        <p:spPr/>
+        <p:txBody>
+          <a:bodyPr/>
+          <a:lstStyle/>
+          <a:p>
+            <a:r>
+              <a:rPr lang="en-US" dirty="0"/>
+              <a:t>Functions</a:t>
+            </a:r>
+          </a:p>
+        </p:txBody>
+      </p:sp>
+      <p:sp>
+        <p:nvSpPr>
+          <p:cNvPr id="3" name="Content Placeholder 2"/>
+          <p:cNvSpPr>
+            <a:spLocks noGrp="1"/>
+          </p:cNvSpPr>
+          <p:nvPr>
+            <p:ph idx="1"/>
+          </p:nvPr>
+        </p:nvSpPr>
+        <p:spPr/>
+        <p:txBody>
+          <a:bodyPr>
+            <a:normAutofit/>
+          </a:bodyPr>
+          <a:lstStyle/>
+          <a:p>
+            <a:r>
+              <a:rPr lang="en-US" sz="2800" dirty="0"/>
+              <a:t>Building blocks of C programs</a:t>
+            </a:r>
+          </a:p>
+          <a:p>
+            <a:r>
+              <a:rPr lang="en-US" sz="2800" dirty="0"/>
+              <a:t>Divide program into smaller pieces</a:t>
+            </a:r>
+          </a:p>
+          <a:p>
+            <a:r>
+              <a:rPr lang="en-US" sz="2800" dirty="0"/>
+              <a:t>Easier to understand</a:t>
+            </a:r>
+          </a:p>
+          <a:p>
+            <a:r>
+              <a:rPr lang="en-US" sz="2800" dirty="0"/>
+              <a:t>Easier to maintain</a:t>
+            </a:r>
+          </a:p>
+          <a:p>
+            <a:r>
+              <a:rPr lang="en-US" sz="2800" dirty="0"/>
+              <a:t>Reuse code and avoid repetition</a:t>
+            </a:r>
+          </a:p>
+          <a:p>
+            <a:pPr marL="0" indent="0">
+              <a:buNone/>
+            </a:pPr>
+            <a:endParaRPr lang="en-US" sz="2800" dirty="0"/>
+          </a:p>
+        </p:txBody>
+      </p:sp>
+      <p:sp>
+        <p:nvSpPr>
+          <p:cNvPr id="12" name="Slide Number Placeholder 11"/>
+          <p:cNvSpPr>
+            <a:spLocks noGrp="1"/>
+          </p:cNvSpPr>
+          <p:nvPr>
+            <p:ph type="sldNum" sz="quarter" idx="12"/>
+          </p:nvPr>
+        </p:nvSpPr>
+        <p:spPr/>
+        <p:txBody>
+          <a:bodyPr/>
+          <a:lstStyle/>
+          <a:p>
+            <a:fld id="{B6F15528-21DE-4FAA-801E-634DDDAF4B2B}" type="slidenum">
+              <a:rPr lang="en-US" smtClean="0"/>
+              <a:pPr/>
+              <a:t>4</a:t>
+            </a:fld>
+            <a:endParaRPr lang="en-US"/>
+          </a:p>
+        </p:txBody>
+      </p:sp>
+    </p:spTree>
+    <p:extLst>
+      <p:ext uri="{BB962C8B-B14F-4D97-AF65-F5344CB8AC3E}">
+        <p14:creationId xmlns:p14="http://schemas.microsoft.com/office/powerpoint/2010/main" val="1069943535"/>
+      </p:ext>
+    </p:extLst>
+  </p:cSld>
+  <p:clrMapOvr>
+    <a:masterClrMapping/>
+  </p:clrMapOvr>
+</p:sld>
+</file>
+
+<file path=ppt/slides/slide40.xml><?xml version="1.0" encoding="utf-8"?>
+<p:sld xmlns:a="http://schemas.openxmlformats.org/drawingml/2006/main" xmlns:r="http://schemas.openxmlformats.org/officeDocument/2006/relationships" xmlns:p="http://schemas.openxmlformats.org/presentationml/2006/main">
+  <p:cSld>
+    <p:spTree>
+      <p:nvGrpSpPr>
+        <p:cNvPr id="1" name=""/>
+        <p:cNvGrpSpPr/>
+        <p:nvPr/>
+      </p:nvGrpSpPr>
+      <p:grpSpPr>
+        <a:xfrm>
+          <a:off x="0" y="0"/>
+          <a:ext cx="0" cy="0"/>
+          <a:chOff x="0" y="0"/>
+          <a:chExt cx="0" cy="0"/>
+        </a:xfrm>
+      </p:grpSpPr>
+      <p:sp>
+        <p:nvSpPr>
+          <p:cNvPr id="2" name="Title 1"/>
+          <p:cNvSpPr>
+            <a:spLocks noGrp="1"/>
+          </p:cNvSpPr>
+          <p:nvPr>
+            <p:ph type="title"/>
+          </p:nvPr>
+        </p:nvSpPr>
+        <p:spPr/>
+        <p:txBody>
+          <a:bodyPr>
+            <a:normAutofit/>
+          </a:bodyPr>
+          <a:lstStyle/>
+          <a:p>
+            <a:r>
+              <a:rPr lang="en-US" dirty="0"/>
+              <a:t>Exercise</a:t>
+            </a:r>
+          </a:p>
+        </p:txBody>
+      </p:sp>
+      <p:sp>
+        <p:nvSpPr>
+          <p:cNvPr id="3" name="Content Placeholder 2"/>
+          <p:cNvSpPr>
+            <a:spLocks noGrp="1"/>
+          </p:cNvSpPr>
+          <p:nvPr>
+            <p:ph idx="1"/>
+          </p:nvPr>
+        </p:nvSpPr>
+        <p:spPr>
+          <a:xfrm>
+            <a:off x="946403" y="1828801"/>
+            <a:ext cx="7494651" cy="4351337"/>
+          </a:xfrm>
+        </p:spPr>
+        <p:txBody>
+          <a:bodyPr>
+            <a:normAutofit/>
+          </a:bodyPr>
+          <a:lstStyle/>
+          <a:p>
+            <a:r>
+              <a:rPr lang="en-US" sz="3000" dirty="0"/>
+              <a:t>Write a </a:t>
+            </a:r>
+            <a:r>
+              <a:rPr lang="en-US" sz="3000" u="sng" dirty="0"/>
+              <a:t>recursive</a:t>
+            </a:r>
+            <a:r>
+              <a:rPr lang="en-US" sz="3000" dirty="0"/>
+              <a:t> function that finds the minimum number in a given array</a:t>
+            </a:r>
+            <a:endParaRPr lang="en-US" sz="3000" baseline="30000" dirty="0"/>
+          </a:p>
+          <a:p>
+            <a:endParaRPr lang="en-US" baseline="30000" dirty="0"/>
+          </a:p>
+          <a:p>
+            <a:pPr lvl="1">
+              <a:buNone/>
+            </a:pPr>
+            <a:r>
+              <a:rPr lang="en-US" baseline="30000" dirty="0"/>
+              <a:t>		</a:t>
+            </a:r>
+            <a:endParaRPr lang="en-US" sz="3600" baseline="30000" dirty="0"/>
+          </a:p>
+        </p:txBody>
+      </p:sp>
+      <p:sp>
+        <p:nvSpPr>
+          <p:cNvPr id="12" name="Slide Number Placeholder 11"/>
+          <p:cNvSpPr>
+            <a:spLocks noGrp="1"/>
+          </p:cNvSpPr>
+          <p:nvPr>
+            <p:ph type="sldNum" sz="quarter" idx="12"/>
+          </p:nvPr>
+        </p:nvSpPr>
+        <p:spPr/>
+        <p:txBody>
+          <a:bodyPr/>
+          <a:lstStyle/>
+          <a:p>
+            <a:fld id="{B6F15528-21DE-4FAA-801E-634DDDAF4B2B}" type="slidenum">
+              <a:rPr lang="en-US" smtClean="0"/>
+              <a:pPr/>
+              <a:t>40</a:t>
             </a:fld>
             <a:endParaRPr lang="en-US" dirty="0"/>
           </a:p>
@@ -19135,747 +19394,6 @@
 </p:sld>
 </file>
 
-<file path=ppt/slides/slide4.xml><?xml version="1.0" encoding="utf-8"?>
-<p:sld xmlns:a="http://schemas.openxmlformats.org/drawingml/2006/main" xmlns:r="http://schemas.openxmlformats.org/officeDocument/2006/relationships" xmlns:p="http://schemas.openxmlformats.org/presentationml/2006/main">
-  <p:cSld>
-    <p:spTree>
-      <p:nvGrpSpPr>
-        <p:cNvPr id="1" name=""/>
-        <p:cNvGrpSpPr/>
-        <p:nvPr/>
-      </p:nvGrpSpPr>
-      <p:grpSpPr>
-        <a:xfrm>
-          <a:off x="0" y="0"/>
-          <a:ext cx="0" cy="0"/>
-          <a:chOff x="0" y="0"/>
-          <a:chExt cx="0" cy="0"/>
-        </a:xfrm>
-      </p:grpSpPr>
-      <p:sp>
-        <p:nvSpPr>
-          <p:cNvPr id="2" name="Title 1"/>
-          <p:cNvSpPr>
-            <a:spLocks noGrp="1"/>
-          </p:cNvSpPr>
-          <p:nvPr>
-            <p:ph type="title"/>
-          </p:nvPr>
-        </p:nvSpPr>
-        <p:spPr/>
-        <p:txBody>
-          <a:bodyPr/>
-          <a:lstStyle/>
-          <a:p>
-            <a:r>
-              <a:rPr lang="en-US" dirty="0"/>
-              <a:t>Functions</a:t>
-            </a:r>
-          </a:p>
-        </p:txBody>
-      </p:sp>
-      <p:sp>
-        <p:nvSpPr>
-          <p:cNvPr id="3" name="Content Placeholder 2"/>
-          <p:cNvSpPr>
-            <a:spLocks noGrp="1"/>
-          </p:cNvSpPr>
-          <p:nvPr>
-            <p:ph idx="1"/>
-          </p:nvPr>
-        </p:nvSpPr>
-        <p:spPr/>
-        <p:txBody>
-          <a:bodyPr>
-            <a:normAutofit/>
-          </a:bodyPr>
-          <a:lstStyle/>
-          <a:p>
-            <a:r>
-              <a:rPr lang="en-US" sz="2800" dirty="0"/>
-              <a:t>Building blocks of C programs</a:t>
-            </a:r>
-          </a:p>
-          <a:p>
-            <a:r>
-              <a:rPr lang="en-US" sz="2800" dirty="0"/>
-              <a:t>Divide program into smaller pieces</a:t>
-            </a:r>
-          </a:p>
-          <a:p>
-            <a:r>
-              <a:rPr lang="en-US" sz="2800" dirty="0"/>
-              <a:t>Easier to understand</a:t>
-            </a:r>
-          </a:p>
-          <a:p>
-            <a:r>
-              <a:rPr lang="en-US" sz="2800" dirty="0"/>
-              <a:t>Easier to maintain</a:t>
-            </a:r>
-          </a:p>
-          <a:p>
-            <a:r>
-              <a:rPr lang="en-US" sz="2800" dirty="0"/>
-              <a:t>Reuse code and avoid repetition</a:t>
-            </a:r>
-          </a:p>
-          <a:p>
-            <a:pPr marL="0" indent="0">
-              <a:buNone/>
-            </a:pPr>
-            <a:endParaRPr lang="en-US" sz="2800" dirty="0"/>
-          </a:p>
-        </p:txBody>
-      </p:sp>
-      <p:sp>
-        <p:nvSpPr>
-          <p:cNvPr id="12" name="Slide Number Placeholder 11"/>
-          <p:cNvSpPr>
-            <a:spLocks noGrp="1"/>
-          </p:cNvSpPr>
-          <p:nvPr>
-            <p:ph type="sldNum" sz="quarter" idx="12"/>
-          </p:nvPr>
-        </p:nvSpPr>
-        <p:spPr/>
-        <p:txBody>
-          <a:bodyPr/>
-          <a:lstStyle/>
-          <a:p>
-            <a:fld id="{B6F15528-21DE-4FAA-801E-634DDDAF4B2B}" type="slidenum">
-              <a:rPr lang="en-US" smtClean="0"/>
-              <a:pPr/>
-              <a:t>4</a:t>
-            </a:fld>
-            <a:endParaRPr lang="en-US"/>
-          </a:p>
-        </p:txBody>
-      </p:sp>
-    </p:spTree>
-    <p:extLst>
-      <p:ext uri="{BB962C8B-B14F-4D97-AF65-F5344CB8AC3E}">
-        <p14:creationId xmlns:p14="http://schemas.microsoft.com/office/powerpoint/2010/main" val="1069943535"/>
-      </p:ext>
-    </p:extLst>
-  </p:cSld>
-  <p:clrMapOvr>
-    <a:masterClrMapping/>
-  </p:clrMapOvr>
-</p:sld>
-</file>
-
-<file path=ppt/slides/slide40.xml><?xml version="1.0" encoding="utf-8"?>
-<p:sld xmlns:a="http://schemas.openxmlformats.org/drawingml/2006/main" xmlns:r="http://schemas.openxmlformats.org/officeDocument/2006/relationships" xmlns:p="http://schemas.openxmlformats.org/presentationml/2006/main">
-  <p:cSld>
-    <p:spTree>
-      <p:nvGrpSpPr>
-        <p:cNvPr id="1" name=""/>
-        <p:cNvGrpSpPr/>
-        <p:nvPr/>
-      </p:nvGrpSpPr>
-      <p:grpSpPr>
-        <a:xfrm>
-          <a:off x="0" y="0"/>
-          <a:ext cx="0" cy="0"/>
-          <a:chOff x="0" y="0"/>
-          <a:chExt cx="0" cy="0"/>
-        </a:xfrm>
-      </p:grpSpPr>
-      <p:sp>
-        <p:nvSpPr>
-          <p:cNvPr id="2" name="Title 1"/>
-          <p:cNvSpPr>
-            <a:spLocks noGrp="1"/>
-          </p:cNvSpPr>
-          <p:nvPr>
-            <p:ph type="title"/>
-          </p:nvPr>
-        </p:nvSpPr>
-        <p:spPr/>
-        <p:txBody>
-          <a:bodyPr>
-            <a:normAutofit/>
-          </a:bodyPr>
-          <a:lstStyle/>
-          <a:p>
-            <a:r>
-              <a:rPr lang="en-US" dirty="0"/>
-              <a:t>Solution</a:t>
-            </a:r>
-          </a:p>
-        </p:txBody>
-      </p:sp>
-      <p:sp>
-        <p:nvSpPr>
-          <p:cNvPr id="3" name="Content Placeholder 2"/>
-          <p:cNvSpPr>
-            <a:spLocks noGrp="1"/>
-          </p:cNvSpPr>
-          <p:nvPr>
-            <p:ph idx="1"/>
-          </p:nvPr>
-        </p:nvSpPr>
-        <p:spPr>
-          <a:xfrm>
-            <a:off x="457200" y="1496357"/>
-            <a:ext cx="8229600" cy="4525963"/>
-          </a:xfrm>
-        </p:spPr>
-        <p:txBody>
-          <a:bodyPr>
-            <a:normAutofit/>
-          </a:bodyPr>
-          <a:lstStyle/>
-          <a:p>
-            <a:r>
-              <a:rPr lang="en-US" sz="3000" dirty="0"/>
-              <a:t>Write a </a:t>
-            </a:r>
-            <a:r>
-              <a:rPr lang="en-US" sz="3000" u="sng" dirty="0"/>
-              <a:t>recursive</a:t>
-            </a:r>
-            <a:r>
-              <a:rPr lang="en-US" sz="3000" dirty="0"/>
-              <a:t> function that finds the minimum number in a given array</a:t>
-            </a:r>
-            <a:endParaRPr lang="en-US" sz="3000" baseline="30000" dirty="0"/>
-          </a:p>
-          <a:p>
-            <a:endParaRPr lang="en-US" baseline="30000" dirty="0"/>
-          </a:p>
-          <a:p>
-            <a:pPr lvl="1">
-              <a:buNone/>
-            </a:pPr>
-            <a:r>
-              <a:rPr lang="en-US" baseline="30000" dirty="0"/>
-              <a:t>		</a:t>
-            </a:r>
-            <a:endParaRPr lang="en-US" sz="3600" baseline="30000" dirty="0"/>
-          </a:p>
-        </p:txBody>
-      </p:sp>
-      <p:sp>
-        <p:nvSpPr>
-          <p:cNvPr id="12" name="Slide Number Placeholder 11"/>
-          <p:cNvSpPr>
-            <a:spLocks noGrp="1"/>
-          </p:cNvSpPr>
-          <p:nvPr>
-            <p:ph type="sldNum" sz="quarter" idx="12"/>
-          </p:nvPr>
-        </p:nvSpPr>
-        <p:spPr/>
-        <p:txBody>
-          <a:bodyPr/>
-          <a:lstStyle/>
-          <a:p>
-            <a:fld id="{B6F15528-21DE-4FAA-801E-634DDDAF4B2B}" type="slidenum">
-              <a:rPr lang="en-US" smtClean="0"/>
-              <a:pPr/>
-              <a:t>40</a:t>
-            </a:fld>
-            <a:endParaRPr lang="en-US" dirty="0"/>
-          </a:p>
-        </p:txBody>
-      </p:sp>
-      <p:sp>
-        <p:nvSpPr>
-          <p:cNvPr id="4" name="TextBox 3"/>
-          <p:cNvSpPr txBox="1"/>
-          <p:nvPr/>
-        </p:nvSpPr>
-        <p:spPr>
-          <a:xfrm>
-            <a:off x="152400" y="2514600"/>
-            <a:ext cx="8686800" cy="3785652"/>
-          </a:xfrm>
-          <a:prstGeom prst="rect">
-            <a:avLst/>
-          </a:prstGeom>
-          <a:noFill/>
-        </p:spPr>
-        <p:txBody>
-          <a:bodyPr wrap="square" rtlCol="0">
-            <a:spAutoFit/>
-          </a:bodyPr>
-          <a:lstStyle/>
-          <a:p>
-            <a:pPr defTabSz="461963"/>
-            <a:r>
-              <a:rPr lang="en-US" sz="2400" dirty="0" err="1">
-                <a:solidFill>
-                  <a:srgbClr val="000099"/>
-                </a:solidFill>
-                <a:latin typeface="Consolas" charset="0"/>
-                <a:ea typeface="Consolas" charset="0"/>
-                <a:cs typeface="Consolas" charset="0"/>
-              </a:rPr>
-              <a:t>int</a:t>
-            </a:r>
-            <a:r>
-              <a:rPr lang="en-US" sz="2400" dirty="0">
-                <a:solidFill>
-                  <a:srgbClr val="000099"/>
-                </a:solidFill>
-                <a:latin typeface="Consolas" charset="0"/>
-                <a:ea typeface="Consolas" charset="0"/>
-                <a:cs typeface="Consolas" charset="0"/>
-              </a:rPr>
-              <a:t> </a:t>
-            </a:r>
-            <a:r>
-              <a:rPr lang="en-US" sz="2400" dirty="0" err="1">
-                <a:solidFill>
-                  <a:srgbClr val="000099"/>
-                </a:solidFill>
-                <a:latin typeface="Consolas" charset="0"/>
-                <a:ea typeface="Consolas" charset="0"/>
-                <a:cs typeface="Consolas" charset="0"/>
-              </a:rPr>
-              <a:t>findMin</a:t>
-            </a:r>
-            <a:r>
-              <a:rPr lang="en-US" sz="2400" dirty="0">
-                <a:solidFill>
-                  <a:srgbClr val="000099"/>
-                </a:solidFill>
-                <a:latin typeface="Consolas" charset="0"/>
-                <a:ea typeface="Consolas" charset="0"/>
-                <a:cs typeface="Consolas" charset="0"/>
-              </a:rPr>
-              <a:t>(</a:t>
-            </a:r>
-            <a:r>
-              <a:rPr lang="en-US" sz="2400" dirty="0" err="1">
-                <a:solidFill>
-                  <a:srgbClr val="000099"/>
-                </a:solidFill>
-                <a:latin typeface="Consolas" charset="0"/>
-                <a:ea typeface="Consolas" charset="0"/>
-                <a:cs typeface="Consolas" charset="0"/>
-              </a:rPr>
-              <a:t>int</a:t>
-            </a:r>
-            <a:r>
-              <a:rPr lang="en-US" sz="2400" dirty="0">
-                <a:solidFill>
-                  <a:srgbClr val="000099"/>
-                </a:solidFill>
-                <a:latin typeface="Consolas" charset="0"/>
-                <a:ea typeface="Consolas" charset="0"/>
-                <a:cs typeface="Consolas" charset="0"/>
-              </a:rPr>
-              <a:t> array[ ], </a:t>
-            </a:r>
-            <a:r>
-              <a:rPr lang="en-US" sz="2400" dirty="0" err="1">
-                <a:solidFill>
-                  <a:srgbClr val="000099"/>
-                </a:solidFill>
-                <a:latin typeface="Consolas" charset="0"/>
-                <a:ea typeface="Consolas" charset="0"/>
-                <a:cs typeface="Consolas" charset="0"/>
-              </a:rPr>
-              <a:t>int</a:t>
-            </a:r>
-            <a:r>
-              <a:rPr lang="en-US" sz="2400" dirty="0">
-                <a:solidFill>
-                  <a:srgbClr val="000099"/>
-                </a:solidFill>
-                <a:latin typeface="Consolas" charset="0"/>
-                <a:ea typeface="Consolas" charset="0"/>
-                <a:cs typeface="Consolas" charset="0"/>
-              </a:rPr>
-              <a:t> n) {</a:t>
-            </a:r>
-          </a:p>
-          <a:p>
-            <a:pPr defTabSz="461963"/>
-            <a:r>
-              <a:rPr lang="en-US" sz="2400" dirty="0">
-                <a:solidFill>
-                  <a:srgbClr val="000099"/>
-                </a:solidFill>
-                <a:latin typeface="Consolas" charset="0"/>
-                <a:ea typeface="Consolas" charset="0"/>
-                <a:cs typeface="Consolas" charset="0"/>
-              </a:rPr>
-              <a:t>	</a:t>
-            </a:r>
-            <a:r>
-              <a:rPr lang="en-US" sz="2400" dirty="0" err="1">
-                <a:solidFill>
-                  <a:srgbClr val="000099"/>
-                </a:solidFill>
-                <a:latin typeface="Consolas" charset="0"/>
-                <a:ea typeface="Consolas" charset="0"/>
-                <a:cs typeface="Consolas" charset="0"/>
-              </a:rPr>
-              <a:t>int</a:t>
-            </a:r>
-            <a:r>
-              <a:rPr lang="en-US" sz="2400" dirty="0">
-                <a:solidFill>
-                  <a:srgbClr val="000099"/>
-                </a:solidFill>
-                <a:latin typeface="Consolas" charset="0"/>
-                <a:ea typeface="Consolas" charset="0"/>
-                <a:cs typeface="Consolas" charset="0"/>
-              </a:rPr>
-              <a:t> </a:t>
-            </a:r>
-            <a:r>
-              <a:rPr lang="en-US" sz="2400" dirty="0" err="1">
-                <a:solidFill>
-                  <a:srgbClr val="000099"/>
-                </a:solidFill>
-                <a:latin typeface="Consolas" charset="0"/>
-                <a:ea typeface="Consolas" charset="0"/>
-                <a:cs typeface="Consolas" charset="0"/>
-              </a:rPr>
-              <a:t>lastIdx</a:t>
-            </a:r>
-            <a:r>
-              <a:rPr lang="en-US" sz="2400" dirty="0">
-                <a:solidFill>
-                  <a:srgbClr val="000099"/>
-                </a:solidFill>
-                <a:latin typeface="Consolas" charset="0"/>
-                <a:ea typeface="Consolas" charset="0"/>
-                <a:cs typeface="Consolas" charset="0"/>
-              </a:rPr>
-              <a:t> = n – 1;</a:t>
-            </a:r>
-          </a:p>
-          <a:p>
-            <a:pPr defTabSz="461963"/>
-            <a:r>
-              <a:rPr lang="en-US" sz="2400" dirty="0">
-                <a:solidFill>
-                  <a:srgbClr val="000099"/>
-                </a:solidFill>
-                <a:latin typeface="Consolas" charset="0"/>
-                <a:ea typeface="Consolas" charset="0"/>
-                <a:cs typeface="Consolas" charset="0"/>
-              </a:rPr>
-              <a:t>	if (</a:t>
-            </a:r>
-            <a:r>
-              <a:rPr lang="en-US" sz="2400" dirty="0" err="1">
-                <a:solidFill>
-                  <a:srgbClr val="000099"/>
-                </a:solidFill>
-                <a:latin typeface="Consolas" charset="0"/>
-                <a:ea typeface="Consolas" charset="0"/>
-                <a:cs typeface="Consolas" charset="0"/>
-              </a:rPr>
-              <a:t>lastIdx</a:t>
-            </a:r>
-            <a:r>
-              <a:rPr lang="en-US" sz="2400" dirty="0">
-                <a:solidFill>
-                  <a:srgbClr val="000099"/>
-                </a:solidFill>
-                <a:latin typeface="Consolas" charset="0"/>
-                <a:ea typeface="Consolas" charset="0"/>
-                <a:cs typeface="Consolas" charset="0"/>
-              </a:rPr>
-              <a:t> == 0) { return array[0]; }</a:t>
-            </a:r>
-          </a:p>
-          <a:p>
-            <a:pPr defTabSz="461963"/>
-            <a:r>
-              <a:rPr lang="en-US" sz="2400" dirty="0">
-                <a:solidFill>
-                  <a:srgbClr val="000099"/>
-                </a:solidFill>
-                <a:latin typeface="Consolas" charset="0"/>
-                <a:ea typeface="Consolas" charset="0"/>
-                <a:cs typeface="Consolas" charset="0"/>
-              </a:rPr>
-              <a:t>	</a:t>
-            </a:r>
-            <a:r>
-              <a:rPr lang="en-US" sz="2400" dirty="0" err="1">
-                <a:solidFill>
-                  <a:srgbClr val="000099"/>
-                </a:solidFill>
-                <a:latin typeface="Consolas" charset="0"/>
-                <a:ea typeface="Consolas" charset="0"/>
-                <a:cs typeface="Consolas" charset="0"/>
-              </a:rPr>
-              <a:t>int</a:t>
-            </a:r>
-            <a:r>
-              <a:rPr lang="en-US" sz="2400" dirty="0">
-                <a:solidFill>
-                  <a:srgbClr val="000099"/>
-                </a:solidFill>
-                <a:latin typeface="Consolas" charset="0"/>
-                <a:ea typeface="Consolas" charset="0"/>
-                <a:cs typeface="Consolas" charset="0"/>
-              </a:rPr>
-              <a:t> </a:t>
-            </a:r>
-            <a:r>
-              <a:rPr lang="en-US" sz="2400" dirty="0" err="1">
-                <a:solidFill>
-                  <a:srgbClr val="000099"/>
-                </a:solidFill>
-                <a:latin typeface="Consolas" charset="0"/>
-                <a:ea typeface="Consolas" charset="0"/>
-                <a:cs typeface="Consolas" charset="0"/>
-              </a:rPr>
-              <a:t>minFirstPart</a:t>
-            </a:r>
-            <a:r>
-              <a:rPr lang="en-US" sz="2400" dirty="0">
-                <a:solidFill>
-                  <a:srgbClr val="000099"/>
-                </a:solidFill>
-                <a:latin typeface="Consolas" charset="0"/>
-                <a:ea typeface="Consolas" charset="0"/>
-                <a:cs typeface="Consolas" charset="0"/>
-              </a:rPr>
-              <a:t> = </a:t>
-            </a:r>
-            <a:r>
-              <a:rPr lang="en-US" sz="2400" dirty="0" err="1">
-                <a:solidFill>
-                  <a:srgbClr val="000099"/>
-                </a:solidFill>
-                <a:latin typeface="Consolas" charset="0"/>
-                <a:ea typeface="Consolas" charset="0"/>
-                <a:cs typeface="Consolas" charset="0"/>
-              </a:rPr>
-              <a:t>findMin</a:t>
-            </a:r>
-            <a:r>
-              <a:rPr lang="en-US" sz="2400" dirty="0">
-                <a:solidFill>
-                  <a:srgbClr val="000099"/>
-                </a:solidFill>
-                <a:latin typeface="Consolas" charset="0"/>
-                <a:ea typeface="Consolas" charset="0"/>
-                <a:cs typeface="Consolas" charset="0"/>
-              </a:rPr>
-              <a:t>(array, </a:t>
-            </a:r>
-            <a:r>
-              <a:rPr lang="en-US" sz="2400" dirty="0" err="1">
-                <a:solidFill>
-                  <a:srgbClr val="000099"/>
-                </a:solidFill>
-                <a:latin typeface="Consolas" charset="0"/>
-                <a:ea typeface="Consolas" charset="0"/>
-                <a:cs typeface="Consolas" charset="0"/>
-              </a:rPr>
-              <a:t>lastIdx</a:t>
-            </a:r>
-            <a:r>
-              <a:rPr lang="en-US" sz="2400" dirty="0">
-                <a:solidFill>
-                  <a:srgbClr val="000099"/>
-                </a:solidFill>
-                <a:latin typeface="Consolas" charset="0"/>
-                <a:ea typeface="Consolas" charset="0"/>
-                <a:cs typeface="Consolas" charset="0"/>
-              </a:rPr>
-              <a:t>);</a:t>
-            </a:r>
-          </a:p>
-          <a:p>
-            <a:pPr defTabSz="461963"/>
-            <a:r>
-              <a:rPr lang="en-US" sz="2400" dirty="0">
-                <a:solidFill>
-                  <a:srgbClr val="000099"/>
-                </a:solidFill>
-                <a:latin typeface="Consolas" charset="0"/>
-                <a:ea typeface="Consolas" charset="0"/>
-                <a:cs typeface="Consolas" charset="0"/>
-              </a:rPr>
-              <a:t>	if (array[</a:t>
-            </a:r>
-            <a:r>
-              <a:rPr lang="en-US" sz="2400" dirty="0" err="1">
-                <a:solidFill>
-                  <a:srgbClr val="000099"/>
-                </a:solidFill>
-                <a:latin typeface="Consolas" charset="0"/>
-                <a:ea typeface="Consolas" charset="0"/>
-                <a:cs typeface="Consolas" charset="0"/>
-              </a:rPr>
-              <a:t>lastIdx</a:t>
-            </a:r>
-            <a:r>
-              <a:rPr lang="en-US" sz="2400" dirty="0">
-                <a:solidFill>
-                  <a:srgbClr val="000099"/>
-                </a:solidFill>
-                <a:latin typeface="Consolas" charset="0"/>
-                <a:ea typeface="Consolas" charset="0"/>
-                <a:cs typeface="Consolas" charset="0"/>
-              </a:rPr>
-              <a:t>] &lt; </a:t>
-            </a:r>
-            <a:r>
-              <a:rPr lang="en-US" sz="2400" dirty="0" err="1">
-                <a:solidFill>
-                  <a:srgbClr val="000099"/>
-                </a:solidFill>
-                <a:latin typeface="Consolas" charset="0"/>
-                <a:ea typeface="Consolas" charset="0"/>
-                <a:cs typeface="Consolas" charset="0"/>
-              </a:rPr>
-              <a:t>minFirstPart</a:t>
-            </a:r>
-            <a:r>
-              <a:rPr lang="en-US" sz="2400" dirty="0">
-                <a:solidFill>
-                  <a:srgbClr val="000099"/>
-                </a:solidFill>
-                <a:latin typeface="Consolas" charset="0"/>
-                <a:ea typeface="Consolas" charset="0"/>
-                <a:cs typeface="Consolas" charset="0"/>
-              </a:rPr>
-              <a:t>) {</a:t>
-            </a:r>
-          </a:p>
-          <a:p>
-            <a:pPr defTabSz="461963"/>
-            <a:r>
-              <a:rPr lang="en-US" sz="2400" dirty="0">
-                <a:solidFill>
-                  <a:srgbClr val="000099"/>
-                </a:solidFill>
-                <a:latin typeface="Consolas" charset="0"/>
-                <a:ea typeface="Consolas" charset="0"/>
-                <a:cs typeface="Consolas" charset="0"/>
-              </a:rPr>
-              <a:t>		return array[</a:t>
-            </a:r>
-            <a:r>
-              <a:rPr lang="en-US" sz="2400" dirty="0" err="1">
-                <a:solidFill>
-                  <a:srgbClr val="000099"/>
-                </a:solidFill>
-                <a:latin typeface="Consolas" charset="0"/>
-                <a:ea typeface="Consolas" charset="0"/>
-                <a:cs typeface="Consolas" charset="0"/>
-              </a:rPr>
-              <a:t>lastIdx</a:t>
-            </a:r>
-            <a:r>
-              <a:rPr lang="en-US" sz="2400" dirty="0">
-                <a:solidFill>
-                  <a:srgbClr val="000099"/>
-                </a:solidFill>
-                <a:latin typeface="Consolas" charset="0"/>
-                <a:ea typeface="Consolas" charset="0"/>
-                <a:cs typeface="Consolas" charset="0"/>
-              </a:rPr>
-              <a:t>];</a:t>
-            </a:r>
-          </a:p>
-          <a:p>
-            <a:pPr defTabSz="461963"/>
-            <a:r>
-              <a:rPr lang="en-US" sz="2400" dirty="0">
-                <a:solidFill>
-                  <a:srgbClr val="000099"/>
-                </a:solidFill>
-                <a:latin typeface="Consolas" charset="0"/>
-                <a:ea typeface="Consolas" charset="0"/>
-                <a:cs typeface="Consolas" charset="0"/>
-              </a:rPr>
-              <a:t>	} else { </a:t>
-            </a:r>
-          </a:p>
-          <a:p>
-            <a:pPr defTabSz="461963"/>
-            <a:r>
-              <a:rPr lang="en-US" sz="2400" dirty="0">
-                <a:solidFill>
-                  <a:srgbClr val="000099"/>
-                </a:solidFill>
-                <a:latin typeface="Consolas" charset="0"/>
-                <a:ea typeface="Consolas" charset="0"/>
-                <a:cs typeface="Consolas" charset="0"/>
-              </a:rPr>
-              <a:t>		return </a:t>
-            </a:r>
-            <a:r>
-              <a:rPr lang="en-US" sz="2400" dirty="0" err="1">
-                <a:solidFill>
-                  <a:srgbClr val="000099"/>
-                </a:solidFill>
-                <a:latin typeface="Consolas" charset="0"/>
-                <a:ea typeface="Consolas" charset="0"/>
-                <a:cs typeface="Consolas" charset="0"/>
-              </a:rPr>
-              <a:t>minFirstPart</a:t>
-            </a:r>
-            <a:r>
-              <a:rPr lang="en-US" sz="2400" dirty="0">
-                <a:solidFill>
-                  <a:srgbClr val="000099"/>
-                </a:solidFill>
-                <a:latin typeface="Consolas" charset="0"/>
-                <a:ea typeface="Consolas" charset="0"/>
-                <a:cs typeface="Consolas" charset="0"/>
-              </a:rPr>
-              <a:t>;</a:t>
-            </a:r>
-          </a:p>
-          <a:p>
-            <a:pPr defTabSz="461963"/>
-            <a:r>
-              <a:rPr lang="en-US" sz="2400" dirty="0">
-                <a:solidFill>
-                  <a:srgbClr val="000099"/>
-                </a:solidFill>
-                <a:latin typeface="Consolas" charset="0"/>
-                <a:ea typeface="Consolas" charset="0"/>
-                <a:cs typeface="Consolas" charset="0"/>
-              </a:rPr>
-              <a:t>	}</a:t>
-            </a:r>
-          </a:p>
-          <a:p>
-            <a:pPr defTabSz="461963"/>
-            <a:r>
-              <a:rPr lang="en-US" sz="2400" dirty="0">
-                <a:solidFill>
-                  <a:srgbClr val="000099"/>
-                </a:solidFill>
-                <a:latin typeface="Consolas" charset="0"/>
-                <a:ea typeface="Consolas" charset="0"/>
-                <a:cs typeface="Consolas" charset="0"/>
-              </a:rPr>
-              <a:t>}</a:t>
-            </a:r>
-          </a:p>
-        </p:txBody>
-      </p:sp>
-    </p:spTree>
-    <p:extLst>
-      <p:ext uri="{BB962C8B-B14F-4D97-AF65-F5344CB8AC3E}">
-        <p14:creationId xmlns:p14="http://schemas.microsoft.com/office/powerpoint/2010/main" val="1252898042"/>
-      </p:ext>
-    </p:extLst>
-  </p:cSld>
-  <p:clrMapOvr>
-    <a:masterClrMapping/>
-  </p:clrMapOvr>
-</p:sld>
-</file>
-
 <file path=ppt/slides/slide41.xml><?xml version="1.0" encoding="utf-8"?>
 <p:sld xmlns:a="http://schemas.openxmlformats.org/drawingml/2006/main" xmlns:r="http://schemas.openxmlformats.org/officeDocument/2006/relationships" xmlns:p="http://schemas.openxmlformats.org/presentationml/2006/main">
   <p:cSld>
@@ -19895,6 +19413,81 @@
       </p:grpSpPr>
       <p:sp>
         <p:nvSpPr>
+          <p:cNvPr id="2" name="Title 1"/>
+          <p:cNvSpPr>
+            <a:spLocks noGrp="1"/>
+          </p:cNvSpPr>
+          <p:nvPr>
+            <p:ph type="title"/>
+          </p:nvPr>
+        </p:nvSpPr>
+        <p:spPr/>
+        <p:txBody>
+          <a:bodyPr>
+            <a:normAutofit/>
+          </a:bodyPr>
+          <a:lstStyle/>
+          <a:p>
+            <a:r>
+              <a:rPr lang="en-US" dirty="0"/>
+              <a:t>Solution</a:t>
+            </a:r>
+          </a:p>
+        </p:txBody>
+      </p:sp>
+      <p:sp>
+        <p:nvSpPr>
+          <p:cNvPr id="3" name="Content Placeholder 2"/>
+          <p:cNvSpPr>
+            <a:spLocks noGrp="1"/>
+          </p:cNvSpPr>
+          <p:nvPr>
+            <p:ph idx="1"/>
+          </p:nvPr>
+        </p:nvSpPr>
+        <p:spPr>
+          <a:xfrm>
+            <a:off x="457200" y="1496357"/>
+            <a:ext cx="8229600" cy="4525963"/>
+          </a:xfrm>
+        </p:spPr>
+        <p:txBody>
+          <a:bodyPr>
+            <a:normAutofit/>
+          </a:bodyPr>
+          <a:lstStyle/>
+          <a:p>
+            <a:r>
+              <a:rPr lang="en-US" sz="3000" dirty="0"/>
+              <a:t>Write a </a:t>
+            </a:r>
+            <a:r>
+              <a:rPr lang="en-US" sz="3000" u="sng" dirty="0"/>
+              <a:t>recursive</a:t>
+            </a:r>
+            <a:r>
+              <a:rPr lang="en-US" sz="3000" dirty="0"/>
+              <a:t> function that finds the minimum number in a given array</a:t>
+            </a:r>
+            <a:endParaRPr lang="en-US" sz="3000" baseline="30000" dirty="0"/>
+          </a:p>
+          <a:p>
+            <a:endParaRPr lang="en-US" baseline="30000" dirty="0"/>
+          </a:p>
+          <a:p>
+            <a:pPr lvl="1">
+              <a:buNone/>
+            </a:pPr>
+            <a:r>
+              <a:rPr lang="en-US" baseline="30000" dirty="0"/>
+              <a:t>		</a:t>
+            </a:r>
+            <a:endParaRPr lang="en-US" sz="3600" baseline="30000" dirty="0"/>
+          </a:p>
+        </p:txBody>
+      </p:sp>
+      <p:sp>
+        <p:nvSpPr>
           <p:cNvPr id="12" name="Slide Number Placeholder 11"/>
           <p:cNvSpPr>
             <a:spLocks noGrp="1"/>
@@ -19912,6 +19505,542 @@
               <a:rPr lang="en-US" smtClean="0"/>
               <a:pPr/>
               <a:t>41</a:t>
+            </a:fld>
+            <a:endParaRPr lang="en-US" dirty="0"/>
+          </a:p>
+        </p:txBody>
+      </p:sp>
+      <p:sp>
+        <p:nvSpPr>
+          <p:cNvPr id="4" name="TextBox 3"/>
+          <p:cNvSpPr txBox="1"/>
+          <p:nvPr/>
+        </p:nvSpPr>
+        <p:spPr>
+          <a:xfrm>
+            <a:off x="152400" y="2514600"/>
+            <a:ext cx="8686800" cy="3785652"/>
+          </a:xfrm>
+          <a:prstGeom prst="rect">
+            <a:avLst/>
+          </a:prstGeom>
+          <a:noFill/>
+        </p:spPr>
+        <p:txBody>
+          <a:bodyPr wrap="square" rtlCol="0">
+            <a:spAutoFit/>
+          </a:bodyPr>
+          <a:lstStyle/>
+          <a:p>
+            <a:pPr defTabSz="461963"/>
+            <a:r>
+              <a:rPr lang="en-US" sz="2400" dirty="0" err="1">
+                <a:solidFill>
+                  <a:srgbClr val="000099"/>
+                </a:solidFill>
+                <a:latin typeface="Consolas" charset="0"/>
+                <a:ea typeface="Consolas" charset="0"/>
+                <a:cs typeface="Consolas" charset="0"/>
+              </a:rPr>
+              <a:t>int</a:t>
+            </a:r>
+            <a:r>
+              <a:rPr lang="en-US" sz="2400" dirty="0">
+                <a:solidFill>
+                  <a:srgbClr val="000099"/>
+                </a:solidFill>
+                <a:latin typeface="Consolas" charset="0"/>
+                <a:ea typeface="Consolas" charset="0"/>
+                <a:cs typeface="Consolas" charset="0"/>
+              </a:rPr>
+              <a:t> </a:t>
+            </a:r>
+            <a:r>
+              <a:rPr lang="en-US" sz="2400" dirty="0" err="1">
+                <a:solidFill>
+                  <a:srgbClr val="000099"/>
+                </a:solidFill>
+                <a:latin typeface="Consolas" charset="0"/>
+                <a:ea typeface="Consolas" charset="0"/>
+                <a:cs typeface="Consolas" charset="0"/>
+              </a:rPr>
+              <a:t>findMin</a:t>
+            </a:r>
+            <a:r>
+              <a:rPr lang="en-US" sz="2400" dirty="0">
+                <a:solidFill>
+                  <a:srgbClr val="000099"/>
+                </a:solidFill>
+                <a:latin typeface="Consolas" charset="0"/>
+                <a:ea typeface="Consolas" charset="0"/>
+                <a:cs typeface="Consolas" charset="0"/>
+              </a:rPr>
+              <a:t>(</a:t>
+            </a:r>
+            <a:r>
+              <a:rPr lang="en-US" sz="2400" dirty="0" err="1">
+                <a:solidFill>
+                  <a:srgbClr val="000099"/>
+                </a:solidFill>
+                <a:latin typeface="Consolas" charset="0"/>
+                <a:ea typeface="Consolas" charset="0"/>
+                <a:cs typeface="Consolas" charset="0"/>
+              </a:rPr>
+              <a:t>int</a:t>
+            </a:r>
+            <a:r>
+              <a:rPr lang="en-US" sz="2400" dirty="0">
+                <a:solidFill>
+                  <a:srgbClr val="000099"/>
+                </a:solidFill>
+                <a:latin typeface="Consolas" charset="0"/>
+                <a:ea typeface="Consolas" charset="0"/>
+                <a:cs typeface="Consolas" charset="0"/>
+              </a:rPr>
+              <a:t> array[ ], </a:t>
+            </a:r>
+            <a:r>
+              <a:rPr lang="en-US" sz="2400" dirty="0" err="1">
+                <a:solidFill>
+                  <a:srgbClr val="000099"/>
+                </a:solidFill>
+                <a:latin typeface="Consolas" charset="0"/>
+                <a:ea typeface="Consolas" charset="0"/>
+                <a:cs typeface="Consolas" charset="0"/>
+              </a:rPr>
+              <a:t>int</a:t>
+            </a:r>
+            <a:r>
+              <a:rPr lang="en-US" sz="2400" dirty="0">
+                <a:solidFill>
+                  <a:srgbClr val="000099"/>
+                </a:solidFill>
+                <a:latin typeface="Consolas" charset="0"/>
+                <a:ea typeface="Consolas" charset="0"/>
+                <a:cs typeface="Consolas" charset="0"/>
+              </a:rPr>
+              <a:t> n) {</a:t>
+            </a:r>
+          </a:p>
+          <a:p>
+            <a:pPr defTabSz="461963"/>
+            <a:r>
+              <a:rPr lang="en-US" sz="2400" dirty="0">
+                <a:solidFill>
+                  <a:srgbClr val="000099"/>
+                </a:solidFill>
+                <a:latin typeface="Consolas" charset="0"/>
+                <a:ea typeface="Consolas" charset="0"/>
+                <a:cs typeface="Consolas" charset="0"/>
+              </a:rPr>
+              <a:t>	</a:t>
+            </a:r>
+            <a:r>
+              <a:rPr lang="en-US" sz="2400" dirty="0" err="1">
+                <a:solidFill>
+                  <a:srgbClr val="000099"/>
+                </a:solidFill>
+                <a:latin typeface="Consolas" charset="0"/>
+                <a:ea typeface="Consolas" charset="0"/>
+                <a:cs typeface="Consolas" charset="0"/>
+              </a:rPr>
+              <a:t>int</a:t>
+            </a:r>
+            <a:r>
+              <a:rPr lang="en-US" sz="2400" dirty="0">
+                <a:solidFill>
+                  <a:srgbClr val="000099"/>
+                </a:solidFill>
+                <a:latin typeface="Consolas" charset="0"/>
+                <a:ea typeface="Consolas" charset="0"/>
+                <a:cs typeface="Consolas" charset="0"/>
+              </a:rPr>
+              <a:t> </a:t>
+            </a:r>
+            <a:r>
+              <a:rPr lang="en-US" sz="2400" dirty="0" err="1">
+                <a:solidFill>
+                  <a:srgbClr val="000099"/>
+                </a:solidFill>
+                <a:latin typeface="Consolas" charset="0"/>
+                <a:ea typeface="Consolas" charset="0"/>
+                <a:cs typeface="Consolas" charset="0"/>
+              </a:rPr>
+              <a:t>lastIdx</a:t>
+            </a:r>
+            <a:r>
+              <a:rPr lang="en-US" sz="2400" dirty="0">
+                <a:solidFill>
+                  <a:srgbClr val="000099"/>
+                </a:solidFill>
+                <a:latin typeface="Consolas" charset="0"/>
+                <a:ea typeface="Consolas" charset="0"/>
+                <a:cs typeface="Consolas" charset="0"/>
+              </a:rPr>
+              <a:t> = n – 1;</a:t>
+            </a:r>
+          </a:p>
+          <a:p>
+            <a:pPr defTabSz="461963"/>
+            <a:r>
+              <a:rPr lang="en-US" sz="2400" dirty="0">
+                <a:solidFill>
+                  <a:srgbClr val="000099"/>
+                </a:solidFill>
+                <a:latin typeface="Consolas" charset="0"/>
+                <a:ea typeface="Consolas" charset="0"/>
+                <a:cs typeface="Consolas" charset="0"/>
+              </a:rPr>
+              <a:t>	if (</a:t>
+            </a:r>
+            <a:r>
+              <a:rPr lang="en-US" sz="2400" dirty="0" err="1">
+                <a:solidFill>
+                  <a:srgbClr val="000099"/>
+                </a:solidFill>
+                <a:latin typeface="Consolas" charset="0"/>
+                <a:ea typeface="Consolas" charset="0"/>
+                <a:cs typeface="Consolas" charset="0"/>
+              </a:rPr>
+              <a:t>lastIdx</a:t>
+            </a:r>
+            <a:r>
+              <a:rPr lang="en-US" sz="2400" dirty="0">
+                <a:solidFill>
+                  <a:srgbClr val="000099"/>
+                </a:solidFill>
+                <a:latin typeface="Consolas" charset="0"/>
+                <a:ea typeface="Consolas" charset="0"/>
+                <a:cs typeface="Consolas" charset="0"/>
+              </a:rPr>
+              <a:t> == 0) { return array[0]; }</a:t>
+            </a:r>
+          </a:p>
+          <a:p>
+            <a:pPr defTabSz="461963"/>
+            <a:r>
+              <a:rPr lang="en-US" sz="2400" dirty="0">
+                <a:solidFill>
+                  <a:srgbClr val="000099"/>
+                </a:solidFill>
+                <a:latin typeface="Consolas" charset="0"/>
+                <a:ea typeface="Consolas" charset="0"/>
+                <a:cs typeface="Consolas" charset="0"/>
+              </a:rPr>
+              <a:t>	</a:t>
+            </a:r>
+            <a:r>
+              <a:rPr lang="en-US" sz="2400" dirty="0" err="1">
+                <a:solidFill>
+                  <a:srgbClr val="000099"/>
+                </a:solidFill>
+                <a:latin typeface="Consolas" charset="0"/>
+                <a:ea typeface="Consolas" charset="0"/>
+                <a:cs typeface="Consolas" charset="0"/>
+              </a:rPr>
+              <a:t>int</a:t>
+            </a:r>
+            <a:r>
+              <a:rPr lang="en-US" sz="2400" dirty="0">
+                <a:solidFill>
+                  <a:srgbClr val="000099"/>
+                </a:solidFill>
+                <a:latin typeface="Consolas" charset="0"/>
+                <a:ea typeface="Consolas" charset="0"/>
+                <a:cs typeface="Consolas" charset="0"/>
+              </a:rPr>
+              <a:t> </a:t>
+            </a:r>
+            <a:r>
+              <a:rPr lang="en-US" sz="2400" dirty="0" err="1">
+                <a:solidFill>
+                  <a:srgbClr val="000099"/>
+                </a:solidFill>
+                <a:latin typeface="Consolas" charset="0"/>
+                <a:ea typeface="Consolas" charset="0"/>
+                <a:cs typeface="Consolas" charset="0"/>
+              </a:rPr>
+              <a:t>minFirstPart</a:t>
+            </a:r>
+            <a:r>
+              <a:rPr lang="en-US" sz="2400" dirty="0">
+                <a:solidFill>
+                  <a:srgbClr val="000099"/>
+                </a:solidFill>
+                <a:latin typeface="Consolas" charset="0"/>
+                <a:ea typeface="Consolas" charset="0"/>
+                <a:cs typeface="Consolas" charset="0"/>
+              </a:rPr>
+              <a:t> = </a:t>
+            </a:r>
+            <a:r>
+              <a:rPr lang="en-US" sz="2400" dirty="0" err="1">
+                <a:solidFill>
+                  <a:srgbClr val="000099"/>
+                </a:solidFill>
+                <a:latin typeface="Consolas" charset="0"/>
+                <a:ea typeface="Consolas" charset="0"/>
+                <a:cs typeface="Consolas" charset="0"/>
+              </a:rPr>
+              <a:t>findMin</a:t>
+            </a:r>
+            <a:r>
+              <a:rPr lang="en-US" sz="2400" dirty="0">
+                <a:solidFill>
+                  <a:srgbClr val="000099"/>
+                </a:solidFill>
+                <a:latin typeface="Consolas" charset="0"/>
+                <a:ea typeface="Consolas" charset="0"/>
+                <a:cs typeface="Consolas" charset="0"/>
+              </a:rPr>
+              <a:t>(array, </a:t>
+            </a:r>
+            <a:r>
+              <a:rPr lang="en-US" sz="2400" dirty="0" err="1">
+                <a:solidFill>
+                  <a:srgbClr val="000099"/>
+                </a:solidFill>
+                <a:latin typeface="Consolas" charset="0"/>
+                <a:ea typeface="Consolas" charset="0"/>
+                <a:cs typeface="Consolas" charset="0"/>
+              </a:rPr>
+              <a:t>lastIdx</a:t>
+            </a:r>
+            <a:r>
+              <a:rPr lang="en-US" sz="2400" dirty="0">
+                <a:solidFill>
+                  <a:srgbClr val="000099"/>
+                </a:solidFill>
+                <a:latin typeface="Consolas" charset="0"/>
+                <a:ea typeface="Consolas" charset="0"/>
+                <a:cs typeface="Consolas" charset="0"/>
+              </a:rPr>
+              <a:t>);</a:t>
+            </a:r>
+          </a:p>
+          <a:p>
+            <a:pPr defTabSz="461963"/>
+            <a:r>
+              <a:rPr lang="en-US" sz="2400" dirty="0">
+                <a:solidFill>
+                  <a:srgbClr val="000099"/>
+                </a:solidFill>
+                <a:latin typeface="Consolas" charset="0"/>
+                <a:ea typeface="Consolas" charset="0"/>
+                <a:cs typeface="Consolas" charset="0"/>
+              </a:rPr>
+              <a:t>	if (array[</a:t>
+            </a:r>
+            <a:r>
+              <a:rPr lang="en-US" sz="2400" dirty="0" err="1">
+                <a:solidFill>
+                  <a:srgbClr val="000099"/>
+                </a:solidFill>
+                <a:latin typeface="Consolas" charset="0"/>
+                <a:ea typeface="Consolas" charset="0"/>
+                <a:cs typeface="Consolas" charset="0"/>
+              </a:rPr>
+              <a:t>lastIdx</a:t>
+            </a:r>
+            <a:r>
+              <a:rPr lang="en-US" sz="2400" dirty="0">
+                <a:solidFill>
+                  <a:srgbClr val="000099"/>
+                </a:solidFill>
+                <a:latin typeface="Consolas" charset="0"/>
+                <a:ea typeface="Consolas" charset="0"/>
+                <a:cs typeface="Consolas" charset="0"/>
+              </a:rPr>
+              <a:t>] &lt; </a:t>
+            </a:r>
+            <a:r>
+              <a:rPr lang="en-US" sz="2400" dirty="0" err="1">
+                <a:solidFill>
+                  <a:srgbClr val="000099"/>
+                </a:solidFill>
+                <a:latin typeface="Consolas" charset="0"/>
+                <a:ea typeface="Consolas" charset="0"/>
+                <a:cs typeface="Consolas" charset="0"/>
+              </a:rPr>
+              <a:t>minFirstPart</a:t>
+            </a:r>
+            <a:r>
+              <a:rPr lang="en-US" sz="2400" dirty="0">
+                <a:solidFill>
+                  <a:srgbClr val="000099"/>
+                </a:solidFill>
+                <a:latin typeface="Consolas" charset="0"/>
+                <a:ea typeface="Consolas" charset="0"/>
+                <a:cs typeface="Consolas" charset="0"/>
+              </a:rPr>
+              <a:t>) {</a:t>
+            </a:r>
+          </a:p>
+          <a:p>
+            <a:pPr defTabSz="461963"/>
+            <a:r>
+              <a:rPr lang="en-US" sz="2400" dirty="0">
+                <a:solidFill>
+                  <a:srgbClr val="000099"/>
+                </a:solidFill>
+                <a:latin typeface="Consolas" charset="0"/>
+                <a:ea typeface="Consolas" charset="0"/>
+                <a:cs typeface="Consolas" charset="0"/>
+              </a:rPr>
+              <a:t>		return array[</a:t>
+            </a:r>
+            <a:r>
+              <a:rPr lang="en-US" sz="2400" dirty="0" err="1">
+                <a:solidFill>
+                  <a:srgbClr val="000099"/>
+                </a:solidFill>
+                <a:latin typeface="Consolas" charset="0"/>
+                <a:ea typeface="Consolas" charset="0"/>
+                <a:cs typeface="Consolas" charset="0"/>
+              </a:rPr>
+              <a:t>lastIdx</a:t>
+            </a:r>
+            <a:r>
+              <a:rPr lang="en-US" sz="2400" dirty="0">
+                <a:solidFill>
+                  <a:srgbClr val="000099"/>
+                </a:solidFill>
+                <a:latin typeface="Consolas" charset="0"/>
+                <a:ea typeface="Consolas" charset="0"/>
+                <a:cs typeface="Consolas" charset="0"/>
+              </a:rPr>
+              <a:t>];</a:t>
+            </a:r>
+          </a:p>
+          <a:p>
+            <a:pPr defTabSz="461963"/>
+            <a:r>
+              <a:rPr lang="en-US" sz="2400" dirty="0">
+                <a:solidFill>
+                  <a:srgbClr val="000099"/>
+                </a:solidFill>
+                <a:latin typeface="Consolas" charset="0"/>
+                <a:ea typeface="Consolas" charset="0"/>
+                <a:cs typeface="Consolas" charset="0"/>
+              </a:rPr>
+              <a:t>	} else { </a:t>
+            </a:r>
+          </a:p>
+          <a:p>
+            <a:pPr defTabSz="461963"/>
+            <a:r>
+              <a:rPr lang="en-US" sz="2400" dirty="0">
+                <a:solidFill>
+                  <a:srgbClr val="000099"/>
+                </a:solidFill>
+                <a:latin typeface="Consolas" charset="0"/>
+                <a:ea typeface="Consolas" charset="0"/>
+                <a:cs typeface="Consolas" charset="0"/>
+              </a:rPr>
+              <a:t>		return </a:t>
+            </a:r>
+            <a:r>
+              <a:rPr lang="en-US" sz="2400" dirty="0" err="1">
+                <a:solidFill>
+                  <a:srgbClr val="000099"/>
+                </a:solidFill>
+                <a:latin typeface="Consolas" charset="0"/>
+                <a:ea typeface="Consolas" charset="0"/>
+                <a:cs typeface="Consolas" charset="0"/>
+              </a:rPr>
+              <a:t>minFirstPart</a:t>
+            </a:r>
+            <a:r>
+              <a:rPr lang="en-US" sz="2400" dirty="0">
+                <a:solidFill>
+                  <a:srgbClr val="000099"/>
+                </a:solidFill>
+                <a:latin typeface="Consolas" charset="0"/>
+                <a:ea typeface="Consolas" charset="0"/>
+                <a:cs typeface="Consolas" charset="0"/>
+              </a:rPr>
+              <a:t>;</a:t>
+            </a:r>
+          </a:p>
+          <a:p>
+            <a:pPr defTabSz="461963"/>
+            <a:r>
+              <a:rPr lang="en-US" sz="2400" dirty="0">
+                <a:solidFill>
+                  <a:srgbClr val="000099"/>
+                </a:solidFill>
+                <a:latin typeface="Consolas" charset="0"/>
+                <a:ea typeface="Consolas" charset="0"/>
+                <a:cs typeface="Consolas" charset="0"/>
+              </a:rPr>
+              <a:t>	}</a:t>
+            </a:r>
+          </a:p>
+          <a:p>
+            <a:pPr defTabSz="461963"/>
+            <a:r>
+              <a:rPr lang="en-US" sz="2400" dirty="0">
+                <a:solidFill>
+                  <a:srgbClr val="000099"/>
+                </a:solidFill>
+                <a:latin typeface="Consolas" charset="0"/>
+                <a:ea typeface="Consolas" charset="0"/>
+                <a:cs typeface="Consolas" charset="0"/>
+              </a:rPr>
+              <a:t>}</a:t>
+            </a:r>
+          </a:p>
+        </p:txBody>
+      </p:sp>
+    </p:spTree>
+    <p:extLst>
+      <p:ext uri="{BB962C8B-B14F-4D97-AF65-F5344CB8AC3E}">
+        <p14:creationId xmlns:p14="http://schemas.microsoft.com/office/powerpoint/2010/main" val="1252898042"/>
+      </p:ext>
+    </p:extLst>
+  </p:cSld>
+  <p:clrMapOvr>
+    <a:masterClrMapping/>
+  </p:clrMapOvr>
+</p:sld>
+</file>
+
+<file path=ppt/slides/slide42.xml><?xml version="1.0" encoding="utf-8"?>
+<p:sld xmlns:a="http://schemas.openxmlformats.org/drawingml/2006/main" xmlns:r="http://schemas.openxmlformats.org/officeDocument/2006/relationships" xmlns:p="http://schemas.openxmlformats.org/presentationml/2006/main">
+  <p:cSld>
+    <p:spTree>
+      <p:nvGrpSpPr>
+        <p:cNvPr id="1" name=""/>
+        <p:cNvGrpSpPr/>
+        <p:nvPr/>
+      </p:nvGrpSpPr>
+      <p:grpSpPr>
+        <a:xfrm>
+          <a:off x="0" y="0"/>
+          <a:ext cx="0" cy="0"/>
+          <a:chOff x="0" y="0"/>
+          <a:chExt cx="0" cy="0"/>
+        </a:xfrm>
+      </p:grpSpPr>
+      <p:sp>
+        <p:nvSpPr>
+          <p:cNvPr id="12" name="Slide Number Placeholder 11"/>
+          <p:cNvSpPr>
+            <a:spLocks noGrp="1"/>
+          </p:cNvSpPr>
+          <p:nvPr>
+            <p:ph type="sldNum" sz="quarter" idx="12"/>
+          </p:nvPr>
+        </p:nvSpPr>
+        <p:spPr/>
+        <p:txBody>
+          <a:bodyPr/>
+          <a:lstStyle/>
+          <a:p>
+            <a:fld id="{B6F15528-21DE-4FAA-801E-634DDDAF4B2B}" type="slidenum">
+              <a:rPr lang="en-US" smtClean="0"/>
+              <a:pPr/>
+              <a:t>42</a:t>
             </a:fld>
             <a:endParaRPr lang="en-US" dirty="0"/>
           </a:p>
